--- a/객체이론정리_2.pptx
+++ b/객체이론정리_2.pptx
@@ -7,9 +7,17 @@
   <p:sldIdLst>
     <p:sldId id="256" r:id="rId2"/>
     <p:sldId id="257" r:id="rId3"/>
-    <p:sldId id="258" r:id="rId4"/>
-    <p:sldId id="260" r:id="rId5"/>
-    <p:sldId id="259" r:id="rId6"/>
+    <p:sldId id="262" r:id="rId4"/>
+    <p:sldId id="263" r:id="rId5"/>
+    <p:sldId id="258" r:id="rId6"/>
+    <p:sldId id="264" r:id="rId7"/>
+    <p:sldId id="265" r:id="rId8"/>
+    <p:sldId id="266" r:id="rId9"/>
+    <p:sldId id="268" r:id="rId10"/>
+    <p:sldId id="261" r:id="rId11"/>
+    <p:sldId id="267" r:id="rId12"/>
+    <p:sldId id="260" r:id="rId13"/>
+    <p:sldId id="259" r:id="rId14"/>
   </p:sldIdLst>
   <p:sldSz cx="12192000" cy="6858000"/>
   <p:notesSz cx="6858000" cy="9144000"/>
@@ -3033,6 +3041,1301 @@
 </p:sld>
 </file>
 
+<file path=ppt/slides/slide10.xml><?xml version="1.0" encoding="utf-8"?>
+<p:sld xmlns:a="http://schemas.openxmlformats.org/drawingml/2006/main" xmlns:r="http://schemas.openxmlformats.org/officeDocument/2006/relationships" xmlns:p="http://schemas.openxmlformats.org/presentationml/2006/main">
+  <p:cSld>
+    <p:spTree>
+      <p:nvGrpSpPr>
+        <p:cNvPr id="1" name=""/>
+        <p:cNvGrpSpPr/>
+        <p:nvPr/>
+      </p:nvGrpSpPr>
+      <p:grpSpPr>
+        <a:xfrm>
+          <a:off x="0" y="0"/>
+          <a:ext cx="0" cy="0"/>
+          <a:chOff x="0" y="0"/>
+          <a:chExt cx="0" cy="0"/>
+        </a:xfrm>
+      </p:grpSpPr>
+      <p:sp>
+        <p:nvSpPr>
+          <p:cNvPr id="2" name="TextBox 1"/>
+          <p:cNvSpPr txBox="1"/>
+          <p:nvPr/>
+        </p:nvSpPr>
+        <p:spPr>
+          <a:xfrm>
+            <a:off x="567888" y="2967335"/>
+            <a:ext cx="11056233" cy="1107996"/>
+          </a:xfrm>
+          <a:prstGeom prst="rect">
+            <a:avLst/>
+          </a:prstGeom>
+          <a:noFill/>
+        </p:spPr>
+        <p:txBody>
+          <a:bodyPr wrap="none" rtlCol="0">
+            <a:spAutoFit/>
+          </a:bodyPr>
+          <a:lstStyle/>
+          <a:p>
+            <a:pPr algn="ctr"/>
+            <a:r>
+              <a:rPr lang="en-US" altLang="ko-KR" sz="6600" b="1" dirty="0">
+                <a:solidFill>
+                  <a:srgbClr val="FFC000"/>
+                </a:solidFill>
+              </a:rPr>
+              <a:t>3</a:t>
+            </a:r>
+            <a:r>
+              <a:rPr lang="en-US" altLang="ko-KR" sz="6600" b="1" dirty="0" smtClean="0">
+                <a:solidFill>
+                  <a:srgbClr val="FFC000"/>
+                </a:solidFill>
+              </a:rPr>
+              <a:t>. </a:t>
+            </a:r>
+            <a:r>
+              <a:rPr lang="ko-KR" altLang="en-US" sz="6600" b="1" dirty="0" smtClean="0">
+                <a:solidFill>
+                  <a:srgbClr val="FFC000"/>
+                </a:solidFill>
+              </a:rPr>
+              <a:t>오버로딩 </a:t>
+            </a:r>
+            <a:r>
+              <a:rPr lang="en-US" altLang="ko-KR" sz="6600" b="1" dirty="0" smtClean="0">
+                <a:solidFill>
+                  <a:srgbClr val="FFC000"/>
+                </a:solidFill>
+              </a:rPr>
+              <a:t>vs </a:t>
+            </a:r>
+            <a:r>
+              <a:rPr lang="ko-KR" altLang="en-US" sz="6600" b="1" dirty="0" err="1" smtClean="0">
+                <a:solidFill>
+                  <a:srgbClr val="FFC000"/>
+                </a:solidFill>
+              </a:rPr>
+              <a:t>오버라이딩</a:t>
+            </a:r>
+            <a:endParaRPr lang="ko-KR" altLang="en-US" sz="6600" b="1" dirty="0">
+              <a:solidFill>
+                <a:srgbClr val="FFC000"/>
+              </a:solidFill>
+            </a:endParaRPr>
+          </a:p>
+        </p:txBody>
+      </p:sp>
+    </p:spTree>
+    <p:extLst>
+      <p:ext uri="{BB962C8B-B14F-4D97-AF65-F5344CB8AC3E}">
+        <p14:creationId xmlns:p14="http://schemas.microsoft.com/office/powerpoint/2010/main" val="1616045950"/>
+      </p:ext>
+    </p:extLst>
+  </p:cSld>
+  <p:clrMapOvr>
+    <a:masterClrMapping/>
+  </p:clrMapOvr>
+</p:sld>
+</file>
+
+<file path=ppt/slides/slide11.xml><?xml version="1.0" encoding="utf-8"?>
+<p:sld xmlns:a="http://schemas.openxmlformats.org/drawingml/2006/main" xmlns:r="http://schemas.openxmlformats.org/officeDocument/2006/relationships" xmlns:p="http://schemas.openxmlformats.org/presentationml/2006/main">
+  <p:cSld>
+    <p:spTree>
+      <p:nvGrpSpPr>
+        <p:cNvPr id="1" name=""/>
+        <p:cNvGrpSpPr/>
+        <p:nvPr/>
+      </p:nvGrpSpPr>
+      <p:grpSpPr>
+        <a:xfrm>
+          <a:off x="0" y="0"/>
+          <a:ext cx="0" cy="0"/>
+          <a:chOff x="0" y="0"/>
+          <a:chExt cx="0" cy="0"/>
+        </a:xfrm>
+      </p:grpSpPr>
+      <p:sp>
+        <p:nvSpPr>
+          <p:cNvPr id="2" name="TextBox 1"/>
+          <p:cNvSpPr txBox="1"/>
+          <p:nvPr/>
+        </p:nvSpPr>
+        <p:spPr>
+          <a:xfrm>
+            <a:off x="933449" y="371474"/>
+            <a:ext cx="3794629" cy="461665"/>
+          </a:xfrm>
+          <a:prstGeom prst="rect">
+            <a:avLst/>
+          </a:prstGeom>
+          <a:noFill/>
+        </p:spPr>
+        <p:txBody>
+          <a:bodyPr wrap="none" rtlCol="0">
+            <a:spAutoFit/>
+          </a:bodyPr>
+          <a:lstStyle/>
+          <a:p>
+            <a:r>
+              <a:rPr lang="ko-KR" altLang="en-US" sz="2400" b="1" dirty="0" smtClean="0">
+                <a:solidFill>
+                  <a:srgbClr val="FFC000"/>
+                </a:solidFill>
+              </a:rPr>
+              <a:t>오버로딩 </a:t>
+            </a:r>
+            <a:r>
+              <a:rPr lang="en-US" altLang="ko-KR" sz="2400" b="1" dirty="0" smtClean="0">
+                <a:solidFill>
+                  <a:srgbClr val="FFC000"/>
+                </a:solidFill>
+              </a:rPr>
+              <a:t>(Overloading)</a:t>
+            </a:r>
+            <a:endParaRPr lang="ko-KR" altLang="en-US" sz="2400" b="1" dirty="0">
+              <a:solidFill>
+                <a:srgbClr val="FFC000"/>
+              </a:solidFill>
+            </a:endParaRPr>
+          </a:p>
+        </p:txBody>
+      </p:sp>
+      <p:sp>
+        <p:nvSpPr>
+          <p:cNvPr id="3" name="TextBox 2"/>
+          <p:cNvSpPr txBox="1"/>
+          <p:nvPr/>
+        </p:nvSpPr>
+        <p:spPr>
+          <a:xfrm>
+            <a:off x="7391399" y="371474"/>
+            <a:ext cx="3932487" cy="461665"/>
+          </a:xfrm>
+          <a:prstGeom prst="rect">
+            <a:avLst/>
+          </a:prstGeom>
+          <a:noFill/>
+        </p:spPr>
+        <p:txBody>
+          <a:bodyPr wrap="none" rtlCol="0">
+            <a:spAutoFit/>
+          </a:bodyPr>
+          <a:lstStyle/>
+          <a:p>
+            <a:r>
+              <a:rPr lang="ko-KR" altLang="en-US" sz="2400" b="1" dirty="0" err="1" smtClean="0">
+                <a:solidFill>
+                  <a:srgbClr val="FFC000"/>
+                </a:solidFill>
+              </a:rPr>
+              <a:t>오버라이딩</a:t>
+            </a:r>
+            <a:r>
+              <a:rPr lang="ko-KR" altLang="en-US" sz="2400" b="1" dirty="0" smtClean="0">
+                <a:solidFill>
+                  <a:srgbClr val="FFC000"/>
+                </a:solidFill>
+              </a:rPr>
+              <a:t> </a:t>
+            </a:r>
+            <a:r>
+              <a:rPr lang="en-US" altLang="ko-KR" sz="2400" b="1" dirty="0" smtClean="0">
+                <a:solidFill>
+                  <a:srgbClr val="FFC000"/>
+                </a:solidFill>
+              </a:rPr>
+              <a:t>(Overriding)</a:t>
+            </a:r>
+            <a:endParaRPr lang="ko-KR" altLang="en-US" sz="2400" b="1" dirty="0">
+              <a:solidFill>
+                <a:srgbClr val="FFC000"/>
+              </a:solidFill>
+            </a:endParaRPr>
+          </a:p>
+        </p:txBody>
+      </p:sp>
+      <p:graphicFrame>
+        <p:nvGraphicFramePr>
+          <p:cNvPr id="6" name="표 5"/>
+          <p:cNvGraphicFramePr>
+            <a:graphicFrameLocks noGrp="1"/>
+          </p:cNvGraphicFramePr>
+          <p:nvPr>
+            <p:extLst>
+              <p:ext uri="{D42A27DB-BD31-4B8C-83A1-F6EECF244321}">
+                <p14:modId xmlns:p14="http://schemas.microsoft.com/office/powerpoint/2010/main" val="3214851656"/>
+              </p:ext>
+            </p:extLst>
+          </p:nvPr>
+        </p:nvGraphicFramePr>
+        <p:xfrm>
+          <a:off x="1565526" y="1119716"/>
+          <a:ext cx="2530476" cy="1737783"/>
+        </p:xfrm>
+        <a:graphic>
+          <a:graphicData uri="http://schemas.openxmlformats.org/drawingml/2006/table">
+            <a:tbl>
+              <a:tblPr>
+                <a:tableStyleId>{5C22544A-7EE6-4342-B048-85BDC9FD1C3A}</a:tableStyleId>
+              </a:tblPr>
+              <a:tblGrid>
+                <a:gridCol w="1265238">
+                  <a:extLst>
+                    <a:ext uri="{9D8B030D-6E8A-4147-A177-3AD203B41FA5}">
+                      <a16:colId xmlns:a16="http://schemas.microsoft.com/office/drawing/2014/main" val="1722217330"/>
+                    </a:ext>
+                  </a:extLst>
+                </a:gridCol>
+                <a:gridCol w="1265238">
+                  <a:extLst>
+                    <a:ext uri="{9D8B030D-6E8A-4147-A177-3AD203B41FA5}">
+                      <a16:colId xmlns:a16="http://schemas.microsoft.com/office/drawing/2014/main" val="1916173749"/>
+                    </a:ext>
+                  </a:extLst>
+                </a:gridCol>
+              </a:tblGrid>
+              <a:tr h="579261">
+                <a:tc>
+                  <a:txBody>
+                    <a:bodyPr/>
+                    <a:lstStyle/>
+                    <a:p>
+                      <a:pPr algn="ctr" latinLnBrk="1"/>
+                      <a:r>
+                        <a:rPr lang="ko-KR" altLang="en-US" dirty="0" smtClean="0"/>
+                        <a:t>행동</a:t>
+                      </a:r>
+                      <a:endParaRPr lang="ko-KR" altLang="en-US" dirty="0"/>
+                    </a:p>
+                  </a:txBody>
+                  <a:tcPr anchor="ctr">
+                    <a:lnL w="38100" cap="flat" cmpd="sng" algn="ctr">
+                      <a:solidFill>
+                        <a:schemeClr val="tx1"/>
+                      </a:solidFill>
+                      <a:prstDash val="solid"/>
+                      <a:round/>
+                      <a:headEnd type="none" w="med" len="med"/>
+                      <a:tailEnd type="none" w="med" len="med"/>
+                    </a:lnL>
+                    <a:lnR w="38100" cap="flat" cmpd="sng" algn="ctr">
+                      <a:solidFill>
+                        <a:schemeClr val="tx1"/>
+                      </a:solidFill>
+                      <a:prstDash val="solid"/>
+                      <a:round/>
+                      <a:headEnd type="none" w="med" len="med"/>
+                      <a:tailEnd type="none" w="med" len="med"/>
+                    </a:lnR>
+                    <a:lnT w="38100" cap="flat" cmpd="sng" algn="ctr">
+                      <a:solidFill>
+                        <a:schemeClr val="tx1"/>
+                      </a:solidFill>
+                      <a:prstDash val="solid"/>
+                      <a:round/>
+                      <a:headEnd type="none" w="med" len="med"/>
+                      <a:tailEnd type="none" w="med" len="med"/>
+                    </a:lnT>
+                    <a:lnB w="38100" cap="flat" cmpd="sng" algn="ctr">
+                      <a:solidFill>
+                        <a:schemeClr val="tx1"/>
+                      </a:solidFill>
+                      <a:prstDash val="solid"/>
+                      <a:round/>
+                      <a:headEnd type="none" w="med" len="med"/>
+                      <a:tailEnd type="none" w="med" len="med"/>
+                    </a:lnB>
+                    <a:lnTlToBr w="12700" cmpd="sng">
+                      <a:noFill/>
+                      <a:prstDash val="solid"/>
+                    </a:lnTlToBr>
+                    <a:lnBlToTr w="12700" cmpd="sng">
+                      <a:noFill/>
+                      <a:prstDash val="solid"/>
+                    </a:lnBlToTr>
+                    <a:noFill/>
+                  </a:tcPr>
+                </a:tc>
+                <a:tc>
+                  <a:txBody>
+                    <a:bodyPr/>
+                    <a:lstStyle/>
+                    <a:p>
+                      <a:pPr algn="ctr" latinLnBrk="1"/>
+                      <a:r>
+                        <a:rPr lang="ko-KR" altLang="en-US" dirty="0" smtClean="0"/>
+                        <a:t>동일</a:t>
+                      </a:r>
+                      <a:endParaRPr lang="ko-KR" altLang="en-US" dirty="0"/>
+                    </a:p>
+                  </a:txBody>
+                  <a:tcPr anchor="ctr">
+                    <a:lnL w="38100" cap="flat" cmpd="sng" algn="ctr">
+                      <a:solidFill>
+                        <a:schemeClr val="tx1"/>
+                      </a:solidFill>
+                      <a:prstDash val="solid"/>
+                      <a:round/>
+                      <a:headEnd type="none" w="med" len="med"/>
+                      <a:tailEnd type="none" w="med" len="med"/>
+                    </a:lnL>
+                    <a:lnR w="38100" cap="flat" cmpd="sng" algn="ctr">
+                      <a:solidFill>
+                        <a:schemeClr val="tx1"/>
+                      </a:solidFill>
+                      <a:prstDash val="solid"/>
+                      <a:round/>
+                      <a:headEnd type="none" w="med" len="med"/>
+                      <a:tailEnd type="none" w="med" len="med"/>
+                    </a:lnR>
+                    <a:lnT w="38100" cap="flat" cmpd="sng" algn="ctr">
+                      <a:solidFill>
+                        <a:schemeClr val="tx1"/>
+                      </a:solidFill>
+                      <a:prstDash val="solid"/>
+                      <a:round/>
+                      <a:headEnd type="none" w="med" len="med"/>
+                      <a:tailEnd type="none" w="med" len="med"/>
+                    </a:lnT>
+                    <a:lnB w="38100" cap="flat" cmpd="sng" algn="ctr">
+                      <a:solidFill>
+                        <a:schemeClr val="tx1"/>
+                      </a:solidFill>
+                      <a:prstDash val="solid"/>
+                      <a:round/>
+                      <a:headEnd type="none" w="med" len="med"/>
+                      <a:tailEnd type="none" w="med" len="med"/>
+                    </a:lnB>
+                    <a:lnTlToBr w="12700" cmpd="sng">
+                      <a:noFill/>
+                      <a:prstDash val="solid"/>
+                    </a:lnTlToBr>
+                    <a:lnBlToTr w="12700" cmpd="sng">
+                      <a:noFill/>
+                      <a:prstDash val="solid"/>
+                    </a:lnBlToTr>
+                    <a:noFill/>
+                  </a:tcPr>
+                </a:tc>
+                <a:extLst>
+                  <a:ext uri="{0D108BD9-81ED-4DB2-BD59-A6C34878D82A}">
+                    <a16:rowId xmlns:a16="http://schemas.microsoft.com/office/drawing/2014/main" val="575444675"/>
+                  </a:ext>
+                </a:extLst>
+              </a:tr>
+              <a:tr h="579261">
+                <a:tc>
+                  <a:txBody>
+                    <a:bodyPr/>
+                    <a:lstStyle/>
+                    <a:p>
+                      <a:pPr algn="ctr" latinLnBrk="1"/>
+                      <a:r>
+                        <a:rPr lang="ko-KR" altLang="en-US" dirty="0" smtClean="0"/>
+                        <a:t>의미</a:t>
+                      </a:r>
+                      <a:endParaRPr lang="ko-KR" altLang="en-US" dirty="0"/>
+                    </a:p>
+                  </a:txBody>
+                  <a:tcPr anchor="ctr">
+                    <a:lnL w="38100" cap="flat" cmpd="sng" algn="ctr">
+                      <a:solidFill>
+                        <a:schemeClr val="tx1"/>
+                      </a:solidFill>
+                      <a:prstDash val="solid"/>
+                      <a:round/>
+                      <a:headEnd type="none" w="med" len="med"/>
+                      <a:tailEnd type="none" w="med" len="med"/>
+                    </a:lnL>
+                    <a:lnR w="38100" cap="flat" cmpd="sng" algn="ctr">
+                      <a:solidFill>
+                        <a:schemeClr val="tx1"/>
+                      </a:solidFill>
+                      <a:prstDash val="solid"/>
+                      <a:round/>
+                      <a:headEnd type="none" w="med" len="med"/>
+                      <a:tailEnd type="none" w="med" len="med"/>
+                    </a:lnR>
+                    <a:lnT w="38100" cap="flat" cmpd="sng" algn="ctr">
+                      <a:solidFill>
+                        <a:schemeClr val="tx1"/>
+                      </a:solidFill>
+                      <a:prstDash val="solid"/>
+                      <a:round/>
+                      <a:headEnd type="none" w="med" len="med"/>
+                      <a:tailEnd type="none" w="med" len="med"/>
+                    </a:lnT>
+                    <a:lnB w="38100" cap="flat" cmpd="sng" algn="ctr">
+                      <a:solidFill>
+                        <a:schemeClr val="tx1"/>
+                      </a:solidFill>
+                      <a:prstDash val="solid"/>
+                      <a:round/>
+                      <a:headEnd type="none" w="med" len="med"/>
+                      <a:tailEnd type="none" w="med" len="med"/>
+                    </a:lnB>
+                    <a:lnTlToBr w="12700" cmpd="sng">
+                      <a:noFill/>
+                      <a:prstDash val="solid"/>
+                    </a:lnTlToBr>
+                    <a:lnBlToTr w="12700" cmpd="sng">
+                      <a:noFill/>
+                      <a:prstDash val="solid"/>
+                    </a:lnBlToTr>
+                    <a:noFill/>
+                  </a:tcPr>
+                </a:tc>
+                <a:tc>
+                  <a:txBody>
+                    <a:bodyPr/>
+                    <a:lstStyle/>
+                    <a:p>
+                      <a:pPr algn="ctr" latinLnBrk="1"/>
+                      <a:r>
+                        <a:rPr lang="ko-KR" altLang="en-US" dirty="0" smtClean="0"/>
+                        <a:t>동일</a:t>
+                      </a:r>
+                      <a:endParaRPr lang="ko-KR" altLang="en-US" dirty="0"/>
+                    </a:p>
+                  </a:txBody>
+                  <a:tcPr anchor="ctr">
+                    <a:lnL w="38100" cap="flat" cmpd="sng" algn="ctr">
+                      <a:solidFill>
+                        <a:schemeClr val="tx1"/>
+                      </a:solidFill>
+                      <a:prstDash val="solid"/>
+                      <a:round/>
+                      <a:headEnd type="none" w="med" len="med"/>
+                      <a:tailEnd type="none" w="med" len="med"/>
+                    </a:lnL>
+                    <a:lnR w="38100" cap="flat" cmpd="sng" algn="ctr">
+                      <a:solidFill>
+                        <a:schemeClr val="tx1"/>
+                      </a:solidFill>
+                      <a:prstDash val="solid"/>
+                      <a:round/>
+                      <a:headEnd type="none" w="med" len="med"/>
+                      <a:tailEnd type="none" w="med" len="med"/>
+                    </a:lnR>
+                    <a:lnT w="38100" cap="flat" cmpd="sng" algn="ctr">
+                      <a:solidFill>
+                        <a:schemeClr val="tx1"/>
+                      </a:solidFill>
+                      <a:prstDash val="solid"/>
+                      <a:round/>
+                      <a:headEnd type="none" w="med" len="med"/>
+                      <a:tailEnd type="none" w="med" len="med"/>
+                    </a:lnT>
+                    <a:lnB w="38100" cap="flat" cmpd="sng" algn="ctr">
+                      <a:solidFill>
+                        <a:schemeClr val="tx1"/>
+                      </a:solidFill>
+                      <a:prstDash val="solid"/>
+                      <a:round/>
+                      <a:headEnd type="none" w="med" len="med"/>
+                      <a:tailEnd type="none" w="med" len="med"/>
+                    </a:lnB>
+                    <a:lnTlToBr w="12700" cmpd="sng">
+                      <a:noFill/>
+                      <a:prstDash val="solid"/>
+                    </a:lnTlToBr>
+                    <a:lnBlToTr w="12700" cmpd="sng">
+                      <a:noFill/>
+                      <a:prstDash val="solid"/>
+                    </a:lnBlToTr>
+                    <a:noFill/>
+                  </a:tcPr>
+                </a:tc>
+                <a:extLst>
+                  <a:ext uri="{0D108BD9-81ED-4DB2-BD59-A6C34878D82A}">
+                    <a16:rowId xmlns:a16="http://schemas.microsoft.com/office/drawing/2014/main" val="3000421331"/>
+                  </a:ext>
+                </a:extLst>
+              </a:tr>
+              <a:tr h="579261">
+                <a:tc>
+                  <a:txBody>
+                    <a:bodyPr/>
+                    <a:lstStyle/>
+                    <a:p>
+                      <a:pPr algn="ctr" latinLnBrk="1"/>
+                      <a:r>
+                        <a:rPr lang="ko-KR" altLang="en-US" b="1" dirty="0" smtClean="0">
+                          <a:solidFill>
+                            <a:srgbClr val="FF5050"/>
+                          </a:solidFill>
+                        </a:rPr>
+                        <a:t>매개변수</a:t>
+                      </a:r>
+                      <a:endParaRPr lang="ko-KR" altLang="en-US" b="1" dirty="0">
+                        <a:solidFill>
+                          <a:srgbClr val="FF5050"/>
+                        </a:solidFill>
+                      </a:endParaRPr>
+                    </a:p>
+                  </a:txBody>
+                  <a:tcPr anchor="ctr">
+                    <a:lnL w="38100" cap="flat" cmpd="sng" algn="ctr">
+                      <a:solidFill>
+                        <a:schemeClr val="tx1"/>
+                      </a:solidFill>
+                      <a:prstDash val="solid"/>
+                      <a:round/>
+                      <a:headEnd type="none" w="med" len="med"/>
+                      <a:tailEnd type="none" w="med" len="med"/>
+                    </a:lnL>
+                    <a:lnR w="38100" cap="flat" cmpd="sng" algn="ctr">
+                      <a:solidFill>
+                        <a:schemeClr val="tx1"/>
+                      </a:solidFill>
+                      <a:prstDash val="solid"/>
+                      <a:round/>
+                      <a:headEnd type="none" w="med" len="med"/>
+                      <a:tailEnd type="none" w="med" len="med"/>
+                    </a:lnR>
+                    <a:lnT w="38100" cap="flat" cmpd="sng" algn="ctr">
+                      <a:solidFill>
+                        <a:schemeClr val="tx1"/>
+                      </a:solidFill>
+                      <a:prstDash val="solid"/>
+                      <a:round/>
+                      <a:headEnd type="none" w="med" len="med"/>
+                      <a:tailEnd type="none" w="med" len="med"/>
+                    </a:lnT>
+                    <a:lnB w="38100" cap="flat" cmpd="sng" algn="ctr">
+                      <a:solidFill>
+                        <a:schemeClr val="tx1"/>
+                      </a:solidFill>
+                      <a:prstDash val="solid"/>
+                      <a:round/>
+                      <a:headEnd type="none" w="med" len="med"/>
+                      <a:tailEnd type="none" w="med" len="med"/>
+                    </a:lnB>
+                    <a:lnTlToBr w="12700" cmpd="sng">
+                      <a:noFill/>
+                      <a:prstDash val="solid"/>
+                    </a:lnTlToBr>
+                    <a:lnBlToTr w="12700" cmpd="sng">
+                      <a:noFill/>
+                      <a:prstDash val="solid"/>
+                    </a:lnBlToTr>
+                    <a:noFill/>
+                  </a:tcPr>
+                </a:tc>
+                <a:tc>
+                  <a:txBody>
+                    <a:bodyPr/>
+                    <a:lstStyle/>
+                    <a:p>
+                      <a:pPr algn="ctr" latinLnBrk="1"/>
+                      <a:r>
+                        <a:rPr lang="ko-KR" altLang="en-US" b="1" dirty="0" smtClean="0">
+                          <a:solidFill>
+                            <a:srgbClr val="FF5050"/>
+                          </a:solidFill>
+                        </a:rPr>
+                        <a:t>다름</a:t>
+                      </a:r>
+                      <a:endParaRPr lang="ko-KR" altLang="en-US" b="1" dirty="0">
+                        <a:solidFill>
+                          <a:srgbClr val="FF5050"/>
+                        </a:solidFill>
+                      </a:endParaRPr>
+                    </a:p>
+                  </a:txBody>
+                  <a:tcPr anchor="ctr">
+                    <a:lnL w="38100" cap="flat" cmpd="sng" algn="ctr">
+                      <a:solidFill>
+                        <a:schemeClr val="tx1"/>
+                      </a:solidFill>
+                      <a:prstDash val="solid"/>
+                      <a:round/>
+                      <a:headEnd type="none" w="med" len="med"/>
+                      <a:tailEnd type="none" w="med" len="med"/>
+                    </a:lnL>
+                    <a:lnR w="38100" cap="flat" cmpd="sng" algn="ctr">
+                      <a:solidFill>
+                        <a:schemeClr val="tx1"/>
+                      </a:solidFill>
+                      <a:prstDash val="solid"/>
+                      <a:round/>
+                      <a:headEnd type="none" w="med" len="med"/>
+                      <a:tailEnd type="none" w="med" len="med"/>
+                    </a:lnR>
+                    <a:lnT w="38100" cap="flat" cmpd="sng" algn="ctr">
+                      <a:solidFill>
+                        <a:schemeClr val="tx1"/>
+                      </a:solidFill>
+                      <a:prstDash val="solid"/>
+                      <a:round/>
+                      <a:headEnd type="none" w="med" len="med"/>
+                      <a:tailEnd type="none" w="med" len="med"/>
+                    </a:lnT>
+                    <a:lnB w="38100" cap="flat" cmpd="sng" algn="ctr">
+                      <a:solidFill>
+                        <a:schemeClr val="tx1"/>
+                      </a:solidFill>
+                      <a:prstDash val="solid"/>
+                      <a:round/>
+                      <a:headEnd type="none" w="med" len="med"/>
+                      <a:tailEnd type="none" w="med" len="med"/>
+                    </a:lnB>
+                    <a:lnTlToBr w="12700" cmpd="sng">
+                      <a:noFill/>
+                      <a:prstDash val="solid"/>
+                    </a:lnTlToBr>
+                    <a:lnBlToTr w="12700" cmpd="sng">
+                      <a:noFill/>
+                      <a:prstDash val="solid"/>
+                    </a:lnBlToTr>
+                    <a:noFill/>
+                  </a:tcPr>
+                </a:tc>
+                <a:extLst>
+                  <a:ext uri="{0D108BD9-81ED-4DB2-BD59-A6C34878D82A}">
+                    <a16:rowId xmlns:a16="http://schemas.microsoft.com/office/drawing/2014/main" val="944344961"/>
+                  </a:ext>
+                </a:extLst>
+              </a:tr>
+            </a:tbl>
+          </a:graphicData>
+        </a:graphic>
+      </p:graphicFrame>
+      <p:graphicFrame>
+        <p:nvGraphicFramePr>
+          <p:cNvPr id="7" name="표 6"/>
+          <p:cNvGraphicFramePr>
+            <a:graphicFrameLocks noGrp="1"/>
+          </p:cNvGraphicFramePr>
+          <p:nvPr>
+            <p:extLst>
+              <p:ext uri="{D42A27DB-BD31-4B8C-83A1-F6EECF244321}">
+                <p14:modId xmlns:p14="http://schemas.microsoft.com/office/powerpoint/2010/main" val="1622907917"/>
+              </p:ext>
+            </p:extLst>
+          </p:nvPr>
+        </p:nvGraphicFramePr>
+        <p:xfrm>
+          <a:off x="8092405" y="1119716"/>
+          <a:ext cx="2530476" cy="1737783"/>
+        </p:xfrm>
+        <a:graphic>
+          <a:graphicData uri="http://schemas.openxmlformats.org/drawingml/2006/table">
+            <a:tbl>
+              <a:tblPr>
+                <a:tableStyleId>{5C22544A-7EE6-4342-B048-85BDC9FD1C3A}</a:tableStyleId>
+              </a:tblPr>
+              <a:tblGrid>
+                <a:gridCol w="1265238">
+                  <a:extLst>
+                    <a:ext uri="{9D8B030D-6E8A-4147-A177-3AD203B41FA5}">
+                      <a16:colId xmlns:a16="http://schemas.microsoft.com/office/drawing/2014/main" val="1722217330"/>
+                    </a:ext>
+                  </a:extLst>
+                </a:gridCol>
+                <a:gridCol w="1265238">
+                  <a:extLst>
+                    <a:ext uri="{9D8B030D-6E8A-4147-A177-3AD203B41FA5}">
+                      <a16:colId xmlns:a16="http://schemas.microsoft.com/office/drawing/2014/main" val="1916173749"/>
+                    </a:ext>
+                  </a:extLst>
+                </a:gridCol>
+              </a:tblGrid>
+              <a:tr h="579261">
+                <a:tc>
+                  <a:txBody>
+                    <a:bodyPr/>
+                    <a:lstStyle/>
+                    <a:p>
+                      <a:pPr algn="ctr" latinLnBrk="1"/>
+                      <a:r>
+                        <a:rPr lang="ko-KR" altLang="en-US" b="1" dirty="0" smtClean="0">
+                          <a:solidFill>
+                            <a:srgbClr val="FF5050"/>
+                          </a:solidFill>
+                        </a:rPr>
+                        <a:t>행동</a:t>
+                      </a:r>
+                      <a:endParaRPr lang="ko-KR" altLang="en-US" b="1" dirty="0">
+                        <a:solidFill>
+                          <a:srgbClr val="FF5050"/>
+                        </a:solidFill>
+                      </a:endParaRPr>
+                    </a:p>
+                  </a:txBody>
+                  <a:tcPr anchor="ctr">
+                    <a:lnL w="38100" cap="flat" cmpd="sng" algn="ctr">
+                      <a:solidFill>
+                        <a:schemeClr val="tx1"/>
+                      </a:solidFill>
+                      <a:prstDash val="solid"/>
+                      <a:round/>
+                      <a:headEnd type="none" w="med" len="med"/>
+                      <a:tailEnd type="none" w="med" len="med"/>
+                    </a:lnL>
+                    <a:lnR w="38100" cap="flat" cmpd="sng" algn="ctr">
+                      <a:solidFill>
+                        <a:schemeClr val="tx1"/>
+                      </a:solidFill>
+                      <a:prstDash val="solid"/>
+                      <a:round/>
+                      <a:headEnd type="none" w="med" len="med"/>
+                      <a:tailEnd type="none" w="med" len="med"/>
+                    </a:lnR>
+                    <a:lnT w="38100" cap="flat" cmpd="sng" algn="ctr">
+                      <a:solidFill>
+                        <a:schemeClr val="tx1"/>
+                      </a:solidFill>
+                      <a:prstDash val="solid"/>
+                      <a:round/>
+                      <a:headEnd type="none" w="med" len="med"/>
+                      <a:tailEnd type="none" w="med" len="med"/>
+                    </a:lnT>
+                    <a:lnB w="38100" cap="flat" cmpd="sng" algn="ctr">
+                      <a:solidFill>
+                        <a:schemeClr val="tx1"/>
+                      </a:solidFill>
+                      <a:prstDash val="solid"/>
+                      <a:round/>
+                      <a:headEnd type="none" w="med" len="med"/>
+                      <a:tailEnd type="none" w="med" len="med"/>
+                    </a:lnB>
+                    <a:lnTlToBr w="12700" cmpd="sng">
+                      <a:noFill/>
+                      <a:prstDash val="solid"/>
+                    </a:lnTlToBr>
+                    <a:lnBlToTr w="12700" cmpd="sng">
+                      <a:noFill/>
+                      <a:prstDash val="solid"/>
+                    </a:lnBlToTr>
+                    <a:noFill/>
+                  </a:tcPr>
+                </a:tc>
+                <a:tc>
+                  <a:txBody>
+                    <a:bodyPr/>
+                    <a:lstStyle/>
+                    <a:p>
+                      <a:pPr algn="ctr" latinLnBrk="1"/>
+                      <a:r>
+                        <a:rPr lang="ko-KR" altLang="en-US" b="1" dirty="0" smtClean="0">
+                          <a:solidFill>
+                            <a:srgbClr val="FF5050"/>
+                          </a:solidFill>
+                        </a:rPr>
+                        <a:t>다름</a:t>
+                      </a:r>
+                      <a:endParaRPr lang="ko-KR" altLang="en-US" b="1" dirty="0">
+                        <a:solidFill>
+                          <a:srgbClr val="FF5050"/>
+                        </a:solidFill>
+                      </a:endParaRPr>
+                    </a:p>
+                  </a:txBody>
+                  <a:tcPr anchor="ctr">
+                    <a:lnL w="38100" cap="flat" cmpd="sng" algn="ctr">
+                      <a:solidFill>
+                        <a:schemeClr val="tx1"/>
+                      </a:solidFill>
+                      <a:prstDash val="solid"/>
+                      <a:round/>
+                      <a:headEnd type="none" w="med" len="med"/>
+                      <a:tailEnd type="none" w="med" len="med"/>
+                    </a:lnL>
+                    <a:lnR w="38100" cap="flat" cmpd="sng" algn="ctr">
+                      <a:solidFill>
+                        <a:schemeClr val="tx1"/>
+                      </a:solidFill>
+                      <a:prstDash val="solid"/>
+                      <a:round/>
+                      <a:headEnd type="none" w="med" len="med"/>
+                      <a:tailEnd type="none" w="med" len="med"/>
+                    </a:lnR>
+                    <a:lnT w="38100" cap="flat" cmpd="sng" algn="ctr">
+                      <a:solidFill>
+                        <a:schemeClr val="tx1"/>
+                      </a:solidFill>
+                      <a:prstDash val="solid"/>
+                      <a:round/>
+                      <a:headEnd type="none" w="med" len="med"/>
+                      <a:tailEnd type="none" w="med" len="med"/>
+                    </a:lnT>
+                    <a:lnB w="38100" cap="flat" cmpd="sng" algn="ctr">
+                      <a:solidFill>
+                        <a:schemeClr val="tx1"/>
+                      </a:solidFill>
+                      <a:prstDash val="solid"/>
+                      <a:round/>
+                      <a:headEnd type="none" w="med" len="med"/>
+                      <a:tailEnd type="none" w="med" len="med"/>
+                    </a:lnB>
+                    <a:lnTlToBr w="12700" cmpd="sng">
+                      <a:noFill/>
+                      <a:prstDash val="solid"/>
+                    </a:lnTlToBr>
+                    <a:lnBlToTr w="12700" cmpd="sng">
+                      <a:noFill/>
+                      <a:prstDash val="solid"/>
+                    </a:lnBlToTr>
+                    <a:noFill/>
+                  </a:tcPr>
+                </a:tc>
+                <a:extLst>
+                  <a:ext uri="{0D108BD9-81ED-4DB2-BD59-A6C34878D82A}">
+                    <a16:rowId xmlns:a16="http://schemas.microsoft.com/office/drawing/2014/main" val="575444675"/>
+                  </a:ext>
+                </a:extLst>
+              </a:tr>
+              <a:tr h="579261">
+                <a:tc>
+                  <a:txBody>
+                    <a:bodyPr/>
+                    <a:lstStyle/>
+                    <a:p>
+                      <a:pPr algn="ctr" latinLnBrk="1"/>
+                      <a:r>
+                        <a:rPr lang="ko-KR" altLang="en-US" dirty="0" smtClean="0"/>
+                        <a:t>의미</a:t>
+                      </a:r>
+                      <a:endParaRPr lang="ko-KR" altLang="en-US" dirty="0"/>
+                    </a:p>
+                  </a:txBody>
+                  <a:tcPr anchor="ctr">
+                    <a:lnL w="38100" cap="flat" cmpd="sng" algn="ctr">
+                      <a:solidFill>
+                        <a:schemeClr val="tx1"/>
+                      </a:solidFill>
+                      <a:prstDash val="solid"/>
+                      <a:round/>
+                      <a:headEnd type="none" w="med" len="med"/>
+                      <a:tailEnd type="none" w="med" len="med"/>
+                    </a:lnL>
+                    <a:lnR w="38100" cap="flat" cmpd="sng" algn="ctr">
+                      <a:solidFill>
+                        <a:schemeClr val="tx1"/>
+                      </a:solidFill>
+                      <a:prstDash val="solid"/>
+                      <a:round/>
+                      <a:headEnd type="none" w="med" len="med"/>
+                      <a:tailEnd type="none" w="med" len="med"/>
+                    </a:lnR>
+                    <a:lnT w="38100" cap="flat" cmpd="sng" algn="ctr">
+                      <a:solidFill>
+                        <a:schemeClr val="tx1"/>
+                      </a:solidFill>
+                      <a:prstDash val="solid"/>
+                      <a:round/>
+                      <a:headEnd type="none" w="med" len="med"/>
+                      <a:tailEnd type="none" w="med" len="med"/>
+                    </a:lnT>
+                    <a:lnB w="38100" cap="flat" cmpd="sng" algn="ctr">
+                      <a:solidFill>
+                        <a:schemeClr val="tx1"/>
+                      </a:solidFill>
+                      <a:prstDash val="solid"/>
+                      <a:round/>
+                      <a:headEnd type="none" w="med" len="med"/>
+                      <a:tailEnd type="none" w="med" len="med"/>
+                    </a:lnB>
+                    <a:lnTlToBr w="12700" cmpd="sng">
+                      <a:noFill/>
+                      <a:prstDash val="solid"/>
+                    </a:lnTlToBr>
+                    <a:lnBlToTr w="12700" cmpd="sng">
+                      <a:noFill/>
+                      <a:prstDash val="solid"/>
+                    </a:lnBlToTr>
+                    <a:noFill/>
+                  </a:tcPr>
+                </a:tc>
+                <a:tc>
+                  <a:txBody>
+                    <a:bodyPr/>
+                    <a:lstStyle/>
+                    <a:p>
+                      <a:pPr algn="ctr" latinLnBrk="1"/>
+                      <a:r>
+                        <a:rPr lang="ko-KR" altLang="en-US" dirty="0" smtClean="0"/>
+                        <a:t>같음</a:t>
+                      </a:r>
+                      <a:endParaRPr lang="ko-KR" altLang="en-US" dirty="0"/>
+                    </a:p>
+                  </a:txBody>
+                  <a:tcPr anchor="ctr">
+                    <a:lnL w="38100" cap="flat" cmpd="sng" algn="ctr">
+                      <a:solidFill>
+                        <a:schemeClr val="tx1"/>
+                      </a:solidFill>
+                      <a:prstDash val="solid"/>
+                      <a:round/>
+                      <a:headEnd type="none" w="med" len="med"/>
+                      <a:tailEnd type="none" w="med" len="med"/>
+                    </a:lnL>
+                    <a:lnR w="38100" cap="flat" cmpd="sng" algn="ctr">
+                      <a:solidFill>
+                        <a:schemeClr val="tx1"/>
+                      </a:solidFill>
+                      <a:prstDash val="solid"/>
+                      <a:round/>
+                      <a:headEnd type="none" w="med" len="med"/>
+                      <a:tailEnd type="none" w="med" len="med"/>
+                    </a:lnR>
+                    <a:lnT w="38100" cap="flat" cmpd="sng" algn="ctr">
+                      <a:solidFill>
+                        <a:schemeClr val="tx1"/>
+                      </a:solidFill>
+                      <a:prstDash val="solid"/>
+                      <a:round/>
+                      <a:headEnd type="none" w="med" len="med"/>
+                      <a:tailEnd type="none" w="med" len="med"/>
+                    </a:lnT>
+                    <a:lnB w="38100" cap="flat" cmpd="sng" algn="ctr">
+                      <a:solidFill>
+                        <a:schemeClr val="tx1"/>
+                      </a:solidFill>
+                      <a:prstDash val="solid"/>
+                      <a:round/>
+                      <a:headEnd type="none" w="med" len="med"/>
+                      <a:tailEnd type="none" w="med" len="med"/>
+                    </a:lnB>
+                    <a:lnTlToBr w="12700" cmpd="sng">
+                      <a:noFill/>
+                      <a:prstDash val="solid"/>
+                    </a:lnTlToBr>
+                    <a:lnBlToTr w="12700" cmpd="sng">
+                      <a:noFill/>
+                      <a:prstDash val="solid"/>
+                    </a:lnBlToTr>
+                    <a:noFill/>
+                  </a:tcPr>
+                </a:tc>
+                <a:extLst>
+                  <a:ext uri="{0D108BD9-81ED-4DB2-BD59-A6C34878D82A}">
+                    <a16:rowId xmlns:a16="http://schemas.microsoft.com/office/drawing/2014/main" val="3000421331"/>
+                  </a:ext>
+                </a:extLst>
+              </a:tr>
+              <a:tr h="579261">
+                <a:tc>
+                  <a:txBody>
+                    <a:bodyPr/>
+                    <a:lstStyle/>
+                    <a:p>
+                      <a:pPr algn="ctr" latinLnBrk="1"/>
+                      <a:r>
+                        <a:rPr lang="ko-KR" altLang="en-US" dirty="0" smtClean="0"/>
+                        <a:t>매개변수</a:t>
+                      </a:r>
+                      <a:endParaRPr lang="ko-KR" altLang="en-US" dirty="0"/>
+                    </a:p>
+                  </a:txBody>
+                  <a:tcPr anchor="ctr">
+                    <a:lnL w="38100" cap="flat" cmpd="sng" algn="ctr">
+                      <a:solidFill>
+                        <a:schemeClr val="tx1"/>
+                      </a:solidFill>
+                      <a:prstDash val="solid"/>
+                      <a:round/>
+                      <a:headEnd type="none" w="med" len="med"/>
+                      <a:tailEnd type="none" w="med" len="med"/>
+                    </a:lnL>
+                    <a:lnR w="38100" cap="flat" cmpd="sng" algn="ctr">
+                      <a:solidFill>
+                        <a:schemeClr val="tx1"/>
+                      </a:solidFill>
+                      <a:prstDash val="solid"/>
+                      <a:round/>
+                      <a:headEnd type="none" w="med" len="med"/>
+                      <a:tailEnd type="none" w="med" len="med"/>
+                    </a:lnR>
+                    <a:lnT w="38100" cap="flat" cmpd="sng" algn="ctr">
+                      <a:solidFill>
+                        <a:schemeClr val="tx1"/>
+                      </a:solidFill>
+                      <a:prstDash val="solid"/>
+                      <a:round/>
+                      <a:headEnd type="none" w="med" len="med"/>
+                      <a:tailEnd type="none" w="med" len="med"/>
+                    </a:lnT>
+                    <a:lnB w="38100" cap="flat" cmpd="sng" algn="ctr">
+                      <a:solidFill>
+                        <a:schemeClr val="tx1"/>
+                      </a:solidFill>
+                      <a:prstDash val="solid"/>
+                      <a:round/>
+                      <a:headEnd type="none" w="med" len="med"/>
+                      <a:tailEnd type="none" w="med" len="med"/>
+                    </a:lnB>
+                    <a:lnTlToBr w="12700" cmpd="sng">
+                      <a:noFill/>
+                      <a:prstDash val="solid"/>
+                    </a:lnTlToBr>
+                    <a:lnBlToTr w="12700" cmpd="sng">
+                      <a:noFill/>
+                      <a:prstDash val="solid"/>
+                    </a:lnBlToTr>
+                    <a:noFill/>
+                  </a:tcPr>
+                </a:tc>
+                <a:tc>
+                  <a:txBody>
+                    <a:bodyPr/>
+                    <a:lstStyle/>
+                    <a:p>
+                      <a:pPr algn="ctr" latinLnBrk="1"/>
+                      <a:r>
+                        <a:rPr lang="ko-KR" altLang="en-US" dirty="0" smtClean="0"/>
+                        <a:t>같음</a:t>
+                      </a:r>
+                      <a:endParaRPr lang="ko-KR" altLang="en-US" dirty="0"/>
+                    </a:p>
+                  </a:txBody>
+                  <a:tcPr anchor="ctr">
+                    <a:lnL w="38100" cap="flat" cmpd="sng" algn="ctr">
+                      <a:solidFill>
+                        <a:schemeClr val="tx1"/>
+                      </a:solidFill>
+                      <a:prstDash val="solid"/>
+                      <a:round/>
+                      <a:headEnd type="none" w="med" len="med"/>
+                      <a:tailEnd type="none" w="med" len="med"/>
+                    </a:lnL>
+                    <a:lnR w="38100" cap="flat" cmpd="sng" algn="ctr">
+                      <a:solidFill>
+                        <a:schemeClr val="tx1"/>
+                      </a:solidFill>
+                      <a:prstDash val="solid"/>
+                      <a:round/>
+                      <a:headEnd type="none" w="med" len="med"/>
+                      <a:tailEnd type="none" w="med" len="med"/>
+                    </a:lnR>
+                    <a:lnT w="38100" cap="flat" cmpd="sng" algn="ctr">
+                      <a:solidFill>
+                        <a:schemeClr val="tx1"/>
+                      </a:solidFill>
+                      <a:prstDash val="solid"/>
+                      <a:round/>
+                      <a:headEnd type="none" w="med" len="med"/>
+                      <a:tailEnd type="none" w="med" len="med"/>
+                    </a:lnT>
+                    <a:lnB w="38100" cap="flat" cmpd="sng" algn="ctr">
+                      <a:solidFill>
+                        <a:schemeClr val="tx1"/>
+                      </a:solidFill>
+                      <a:prstDash val="solid"/>
+                      <a:round/>
+                      <a:headEnd type="none" w="med" len="med"/>
+                      <a:tailEnd type="none" w="med" len="med"/>
+                    </a:lnB>
+                    <a:lnTlToBr w="12700" cmpd="sng">
+                      <a:noFill/>
+                      <a:prstDash val="solid"/>
+                    </a:lnTlToBr>
+                    <a:lnBlToTr w="12700" cmpd="sng">
+                      <a:noFill/>
+                      <a:prstDash val="solid"/>
+                    </a:lnBlToTr>
+                    <a:noFill/>
+                  </a:tcPr>
+                </a:tc>
+                <a:extLst>
+                  <a:ext uri="{0D108BD9-81ED-4DB2-BD59-A6C34878D82A}">
+                    <a16:rowId xmlns:a16="http://schemas.microsoft.com/office/drawing/2014/main" val="944344961"/>
+                  </a:ext>
+                </a:extLst>
+              </a:tr>
+            </a:tbl>
+          </a:graphicData>
+        </a:graphic>
+      </p:graphicFrame>
+    </p:spTree>
+    <p:extLst>
+      <p:ext uri="{BB962C8B-B14F-4D97-AF65-F5344CB8AC3E}">
+        <p14:creationId xmlns:p14="http://schemas.microsoft.com/office/powerpoint/2010/main" val="4263064338"/>
+      </p:ext>
+    </p:extLst>
+  </p:cSld>
+  <p:clrMapOvr>
+    <a:masterClrMapping/>
+  </p:clrMapOvr>
+</p:sld>
+</file>
+
+<file path=ppt/slides/slide12.xml><?xml version="1.0" encoding="utf-8"?>
+<p:sld xmlns:a="http://schemas.openxmlformats.org/drawingml/2006/main" xmlns:r="http://schemas.openxmlformats.org/officeDocument/2006/relationships" xmlns:p="http://schemas.openxmlformats.org/presentationml/2006/main">
+  <p:cSld>
+    <p:spTree>
+      <p:nvGrpSpPr>
+        <p:cNvPr id="1" name=""/>
+        <p:cNvGrpSpPr/>
+        <p:nvPr/>
+      </p:nvGrpSpPr>
+      <p:grpSpPr>
+        <a:xfrm>
+          <a:off x="0" y="0"/>
+          <a:ext cx="0" cy="0"/>
+          <a:chOff x="0" y="0"/>
+          <a:chExt cx="0" cy="0"/>
+        </a:xfrm>
+      </p:grpSpPr>
+      <p:sp>
+        <p:nvSpPr>
+          <p:cNvPr id="2" name="TextBox 1"/>
+          <p:cNvSpPr txBox="1"/>
+          <p:nvPr/>
+        </p:nvSpPr>
+        <p:spPr>
+          <a:xfrm>
+            <a:off x="4459977" y="2967335"/>
+            <a:ext cx="3272050" cy="1107996"/>
+          </a:xfrm>
+          <a:prstGeom prst="rect">
+            <a:avLst/>
+          </a:prstGeom>
+          <a:noFill/>
+        </p:spPr>
+        <p:txBody>
+          <a:bodyPr wrap="none" rtlCol="0">
+            <a:spAutoFit/>
+          </a:bodyPr>
+          <a:lstStyle/>
+          <a:p>
+            <a:pPr algn="ctr"/>
+            <a:r>
+              <a:rPr lang="en-US" altLang="ko-KR" sz="6600" b="1" dirty="0">
+                <a:solidFill>
+                  <a:srgbClr val="FFC000"/>
+                </a:solidFill>
+              </a:rPr>
+              <a:t>4</a:t>
+            </a:r>
+            <a:r>
+              <a:rPr lang="en-US" altLang="ko-KR" sz="6600" b="1" dirty="0" smtClean="0">
+                <a:solidFill>
+                  <a:srgbClr val="FFC000"/>
+                </a:solidFill>
+              </a:rPr>
+              <a:t>. </a:t>
+            </a:r>
+            <a:r>
+              <a:rPr lang="ko-KR" altLang="en-US" sz="6600" b="1" dirty="0" smtClean="0">
+                <a:solidFill>
+                  <a:srgbClr val="FFC000"/>
+                </a:solidFill>
+              </a:rPr>
+              <a:t>추상</a:t>
+            </a:r>
+            <a:endParaRPr lang="ko-KR" altLang="en-US" sz="6600" b="1" dirty="0">
+              <a:solidFill>
+                <a:srgbClr val="FFC000"/>
+              </a:solidFill>
+            </a:endParaRPr>
+          </a:p>
+        </p:txBody>
+      </p:sp>
+    </p:spTree>
+    <p:extLst>
+      <p:ext uri="{BB962C8B-B14F-4D97-AF65-F5344CB8AC3E}">
+        <p14:creationId xmlns:p14="http://schemas.microsoft.com/office/powerpoint/2010/main" val="3171613964"/>
+      </p:ext>
+    </p:extLst>
+  </p:cSld>
+  <p:clrMapOvr>
+    <a:masterClrMapping/>
+  </p:clrMapOvr>
+</p:sld>
+</file>
+
+<file path=ppt/slides/slide13.xml><?xml version="1.0" encoding="utf-8"?>
+<p:sld xmlns:a="http://schemas.openxmlformats.org/drawingml/2006/main" xmlns:r="http://schemas.openxmlformats.org/officeDocument/2006/relationships" xmlns:p="http://schemas.openxmlformats.org/presentationml/2006/main">
+  <p:cSld>
+    <p:spTree>
+      <p:nvGrpSpPr>
+        <p:cNvPr id="1" name=""/>
+        <p:cNvGrpSpPr/>
+        <p:nvPr/>
+      </p:nvGrpSpPr>
+      <p:grpSpPr>
+        <a:xfrm>
+          <a:off x="0" y="0"/>
+          <a:ext cx="0" cy="0"/>
+          <a:chOff x="0" y="0"/>
+          <a:chExt cx="0" cy="0"/>
+        </a:xfrm>
+      </p:grpSpPr>
+      <p:sp>
+        <p:nvSpPr>
+          <p:cNvPr id="2" name="TextBox 1"/>
+          <p:cNvSpPr txBox="1"/>
+          <p:nvPr/>
+        </p:nvSpPr>
+        <p:spPr>
+          <a:xfrm>
+            <a:off x="3190400" y="2967335"/>
+            <a:ext cx="5811207" cy="1107996"/>
+          </a:xfrm>
+          <a:prstGeom prst="rect">
+            <a:avLst/>
+          </a:prstGeom>
+          <a:noFill/>
+        </p:spPr>
+        <p:txBody>
+          <a:bodyPr wrap="none" rtlCol="0">
+            <a:spAutoFit/>
+          </a:bodyPr>
+          <a:lstStyle/>
+          <a:p>
+            <a:pPr algn="ctr"/>
+            <a:r>
+              <a:rPr lang="en-US" altLang="ko-KR" sz="6600" b="1" dirty="0">
+                <a:solidFill>
+                  <a:srgbClr val="FFC000"/>
+                </a:solidFill>
+              </a:rPr>
+              <a:t>5</a:t>
+            </a:r>
+            <a:r>
+              <a:rPr lang="en-US" altLang="ko-KR" sz="6600" b="1" dirty="0" smtClean="0">
+                <a:solidFill>
+                  <a:srgbClr val="FFC000"/>
+                </a:solidFill>
+              </a:rPr>
+              <a:t>. </a:t>
+            </a:r>
+            <a:r>
+              <a:rPr lang="ko-KR" altLang="en-US" sz="6600" b="1" dirty="0" smtClean="0">
+                <a:solidFill>
+                  <a:srgbClr val="FFC000"/>
+                </a:solidFill>
+              </a:rPr>
+              <a:t>인터페이스</a:t>
+            </a:r>
+            <a:endParaRPr lang="ko-KR" altLang="en-US" sz="6600" b="1" dirty="0">
+              <a:solidFill>
+                <a:srgbClr val="FFC000"/>
+              </a:solidFill>
+            </a:endParaRPr>
+          </a:p>
+        </p:txBody>
+      </p:sp>
+    </p:spTree>
+    <p:extLst>
+      <p:ext uri="{BB962C8B-B14F-4D97-AF65-F5344CB8AC3E}">
+        <p14:creationId xmlns:p14="http://schemas.microsoft.com/office/powerpoint/2010/main" val="126625807"/>
+      </p:ext>
+    </p:extLst>
+  </p:cSld>
+  <p:clrMapOvr>
+    <a:masterClrMapping/>
+  </p:clrMapOvr>
+</p:sld>
+</file>
+
 <file path=ppt/slides/slide2.xml><?xml version="1.0" encoding="utf-8"?>
 <p:sld xmlns:a="http://schemas.openxmlformats.org/drawingml/2006/main" xmlns:r="http://schemas.openxmlformats.org/officeDocument/2006/relationships" xmlns:p="http://schemas.openxmlformats.org/presentationml/2006/main">
   <p:cSld>
@@ -3135,8 +4438,8 @@
         </p:nvSpPr>
         <p:spPr>
           <a:xfrm>
-            <a:off x="4459975" y="2967335"/>
-            <a:ext cx="3272051" cy="1107996"/>
+            <a:off x="1608232" y="3840005"/>
+            <a:ext cx="8975535" cy="461665"/>
           </a:xfrm>
           <a:prstGeom prst="rect">
             <a:avLst/>
@@ -3151,41 +4454,216 @@
           <a:p>
             <a:pPr algn="ctr"/>
             <a:r>
-              <a:rPr lang="en-US" altLang="ko-KR" sz="6600" b="1" dirty="0">
+              <a:rPr lang="en-US" altLang="ko-KR" sz="2400" b="1" dirty="0" smtClean="0">
                 <a:solidFill>
                   <a:srgbClr val="FFC000"/>
                 </a:solidFill>
               </a:rPr>
-              <a:t>2</a:t>
-            </a:r>
-            <a:r>
-              <a:rPr lang="en-US" altLang="ko-KR" sz="6600" b="1" dirty="0" smtClean="0">
+              <a:t>Default</a:t>
+            </a:r>
+            <a:r>
+              <a:rPr lang="en-US" altLang="ko-KR" sz="2400" dirty="0" smtClean="0"/>
+              <a:t> : </a:t>
+            </a:r>
+            <a:r>
+              <a:rPr lang="ko-KR" altLang="en-US" sz="2400" dirty="0" smtClean="0"/>
+              <a:t>같은 </a:t>
+            </a:r>
+            <a:r>
+              <a:rPr lang="en-US" altLang="ko-KR" sz="2400" dirty="0" smtClean="0">
                 <a:solidFill>
                   <a:srgbClr val="FFC000"/>
                 </a:solidFill>
               </a:rPr>
-              <a:t>. </a:t>
-            </a:r>
-            <a:r>
-              <a:rPr lang="ko-KR" altLang="en-US" sz="6600" b="1" dirty="0" smtClean="0">
+              <a:t>Package(folder) </a:t>
+            </a:r>
+            <a:r>
+              <a:rPr lang="ko-KR" altLang="en-US" sz="2400" dirty="0" smtClean="0"/>
+              <a:t>내부에 있으면 접근 가능</a:t>
+            </a:r>
+            <a:endParaRPr lang="ko-KR" altLang="en-US" sz="2400" dirty="0"/>
+          </a:p>
+        </p:txBody>
+      </p:sp>
+      <p:sp>
+        <p:nvSpPr>
+          <p:cNvPr id="3" name="TextBox 2"/>
+          <p:cNvSpPr txBox="1"/>
+          <p:nvPr/>
+        </p:nvSpPr>
+        <p:spPr>
+          <a:xfrm>
+            <a:off x="542236" y="2485339"/>
+            <a:ext cx="11097910" cy="461665"/>
+          </a:xfrm>
+          <a:prstGeom prst="rect">
+            <a:avLst/>
+          </a:prstGeom>
+          <a:noFill/>
+        </p:spPr>
+        <p:txBody>
+          <a:bodyPr wrap="none" rtlCol="0">
+            <a:spAutoFit/>
+          </a:bodyPr>
+          <a:lstStyle/>
+          <a:p>
+            <a:pPr algn="ctr"/>
+            <a:r>
+              <a:rPr lang="en-US" altLang="ko-KR" sz="2400" b="1" dirty="0" smtClean="0">
+                <a:solidFill>
+                  <a:srgbClr val="FFC000"/>
+                </a:solidFill>
+              </a:rPr>
+              <a:t>Protected</a:t>
+            </a:r>
+            <a:r>
+              <a:rPr lang="en-US" altLang="ko-KR" sz="2400" dirty="0" smtClean="0"/>
+              <a:t> : </a:t>
+            </a:r>
+            <a:r>
+              <a:rPr lang="ko-KR" altLang="en-US" sz="2400" dirty="0" smtClean="0">
                 <a:solidFill>
                   <a:srgbClr val="FFC000"/>
                 </a:solidFill>
               </a:rPr>
               <a:t>상속</a:t>
             </a:r>
-            <a:endParaRPr lang="ko-KR" altLang="en-US" sz="6600" b="1" dirty="0">
-              <a:solidFill>
-                <a:srgbClr val="FFC000"/>
-              </a:solidFill>
-            </a:endParaRPr>
+            <a:r>
+              <a:rPr lang="ko-KR" altLang="en-US" sz="2400" dirty="0" smtClean="0"/>
+              <a:t> 관계에 있거나</a:t>
+            </a:r>
+            <a:r>
+              <a:rPr lang="en-US" altLang="ko-KR" sz="2400" dirty="0" smtClean="0"/>
+              <a:t>, </a:t>
+            </a:r>
+            <a:r>
+              <a:rPr lang="ko-KR" altLang="en-US" sz="2400" dirty="0" smtClean="0"/>
+              <a:t>같은 </a:t>
+            </a:r>
+            <a:r>
+              <a:rPr lang="en-US" altLang="ko-KR" sz="2400" dirty="0" smtClean="0">
+                <a:solidFill>
+                  <a:srgbClr val="FFC000"/>
+                </a:solidFill>
+              </a:rPr>
+              <a:t>Package</a:t>
+            </a:r>
+            <a:r>
+              <a:rPr lang="en-US" altLang="ko-KR" sz="2400" dirty="0" smtClean="0"/>
+              <a:t> </a:t>
+            </a:r>
+            <a:r>
+              <a:rPr lang="ko-KR" altLang="en-US" sz="2400" dirty="0" smtClean="0"/>
+              <a:t>내부에 있으면 접근 가능</a:t>
+            </a:r>
+            <a:endParaRPr lang="ko-KR" altLang="en-US" sz="2400" dirty="0"/>
+          </a:p>
+        </p:txBody>
+      </p:sp>
+      <p:sp>
+        <p:nvSpPr>
+          <p:cNvPr id="4" name="TextBox 3"/>
+          <p:cNvSpPr txBox="1"/>
+          <p:nvPr/>
+        </p:nvSpPr>
+        <p:spPr>
+          <a:xfrm>
+            <a:off x="4145786" y="1130671"/>
+            <a:ext cx="3900427" cy="461665"/>
+          </a:xfrm>
+          <a:prstGeom prst="rect">
+            <a:avLst/>
+          </a:prstGeom>
+          <a:noFill/>
+        </p:spPr>
+        <p:txBody>
+          <a:bodyPr wrap="none" rtlCol="0">
+            <a:spAutoFit/>
+          </a:bodyPr>
+          <a:lstStyle/>
+          <a:p>
+            <a:r>
+              <a:rPr lang="en-US" altLang="ko-KR" sz="2400" b="1" dirty="0" smtClean="0">
+                <a:solidFill>
+                  <a:srgbClr val="FFC000"/>
+                </a:solidFill>
+              </a:rPr>
+              <a:t>Public</a:t>
+            </a:r>
+            <a:r>
+              <a:rPr lang="en-US" altLang="ko-KR" sz="2400" dirty="0" smtClean="0"/>
+              <a:t> : </a:t>
+            </a:r>
+            <a:r>
+              <a:rPr lang="ko-KR" altLang="en-US" sz="2400" dirty="0" smtClean="0">
+                <a:solidFill>
+                  <a:srgbClr val="FFC000"/>
+                </a:solidFill>
+              </a:rPr>
+              <a:t>모두</a:t>
+            </a:r>
+            <a:r>
+              <a:rPr lang="ko-KR" altLang="en-US" sz="2400" dirty="0" smtClean="0"/>
+              <a:t> 접근 가능</a:t>
+            </a:r>
+            <a:endParaRPr lang="ko-KR" altLang="en-US" sz="2400" dirty="0"/>
+          </a:p>
+        </p:txBody>
+      </p:sp>
+      <p:sp>
+        <p:nvSpPr>
+          <p:cNvPr id="5" name="TextBox 4"/>
+          <p:cNvSpPr txBox="1"/>
+          <p:nvPr/>
+        </p:nvSpPr>
+        <p:spPr>
+          <a:xfrm>
+            <a:off x="2618125" y="5194673"/>
+            <a:ext cx="6734536" cy="461665"/>
+          </a:xfrm>
+          <a:prstGeom prst="rect">
+            <a:avLst/>
+          </a:prstGeom>
+          <a:noFill/>
+        </p:spPr>
+        <p:txBody>
+          <a:bodyPr wrap="none" rtlCol="0">
+            <a:spAutoFit/>
+          </a:bodyPr>
+          <a:lstStyle/>
+          <a:p>
+            <a:r>
+              <a:rPr lang="en-US" altLang="ko-KR" sz="2400" b="1" dirty="0" smtClean="0">
+                <a:solidFill>
+                  <a:srgbClr val="FFC000"/>
+                </a:solidFill>
+              </a:rPr>
+              <a:t>Private</a:t>
+            </a:r>
+            <a:r>
+              <a:rPr lang="en-US" altLang="ko-KR" sz="2400" dirty="0" smtClean="0"/>
+              <a:t> : </a:t>
+            </a:r>
+            <a:r>
+              <a:rPr lang="ko-KR" altLang="en-US" sz="2400" dirty="0" smtClean="0">
+                <a:solidFill>
+                  <a:srgbClr val="FFC000"/>
+                </a:solidFill>
+              </a:rPr>
+              <a:t>같은 클래스 </a:t>
+            </a:r>
+            <a:r>
+              <a:rPr lang="ko-KR" altLang="en-US" sz="2400" dirty="0" smtClean="0"/>
+              <a:t>외 모두 접근 불가능</a:t>
+            </a:r>
+            <a:endParaRPr lang="ko-KR" altLang="en-US" sz="2400" dirty="0"/>
           </a:p>
         </p:txBody>
       </p:sp>
     </p:spTree>
     <p:extLst>
       <p:ext uri="{BB962C8B-B14F-4D97-AF65-F5344CB8AC3E}">
-        <p14:creationId xmlns:p14="http://schemas.microsoft.com/office/powerpoint/2010/main" val="1727756213"/>
+        <p14:creationId xmlns:p14="http://schemas.microsoft.com/office/powerpoint/2010/main" val="3205462104"/>
       </p:ext>
     </p:extLst>
   </p:cSld>
@@ -3220,8 +4698,8 @@
         </p:nvSpPr>
         <p:spPr>
           <a:xfrm>
-            <a:off x="4459976" y="2967335"/>
-            <a:ext cx="3272051" cy="1107996"/>
+            <a:off x="5397558" y="2960278"/>
+            <a:ext cx="1374094" cy="461665"/>
           </a:xfrm>
           <a:prstGeom prst="rect">
             <a:avLst/>
@@ -3236,41 +4714,275 @@
           <a:p>
             <a:pPr algn="ctr"/>
             <a:r>
-              <a:rPr lang="en-US" altLang="ko-KR" sz="6600" b="1" dirty="0" smtClean="0">
+              <a:rPr lang="en-US" altLang="ko-KR" sz="2400" b="1" dirty="0" smtClean="0">
                 <a:solidFill>
                   <a:srgbClr val="FFC000"/>
                 </a:solidFill>
               </a:rPr>
-              <a:t>3</a:t>
-            </a:r>
-            <a:r>
-              <a:rPr lang="en-US" altLang="ko-KR" sz="6600" b="1" smtClean="0">
+              <a:t>Default</a:t>
+            </a:r>
+            <a:endParaRPr lang="ko-KR" altLang="en-US" sz="2400" dirty="0"/>
+          </a:p>
+        </p:txBody>
+      </p:sp>
+      <p:sp>
+        <p:nvSpPr>
+          <p:cNvPr id="3" name="TextBox 2"/>
+          <p:cNvSpPr txBox="1"/>
+          <p:nvPr/>
+        </p:nvSpPr>
+        <p:spPr>
+          <a:xfrm>
+            <a:off x="5230986" y="3878303"/>
+            <a:ext cx="1713931" cy="461665"/>
+          </a:xfrm>
+          <a:prstGeom prst="rect">
+            <a:avLst/>
+          </a:prstGeom>
+          <a:noFill/>
+        </p:spPr>
+        <p:txBody>
+          <a:bodyPr wrap="none" rtlCol="0">
+            <a:spAutoFit/>
+          </a:bodyPr>
+          <a:lstStyle/>
+          <a:p>
+            <a:pPr algn="ctr"/>
+            <a:r>
+              <a:rPr lang="en-US" altLang="ko-KR" sz="2400" b="1" dirty="0" smtClean="0">
                 <a:solidFill>
                   <a:srgbClr val="FFC000"/>
                 </a:solidFill>
               </a:rPr>
-              <a:t>. </a:t>
-            </a:r>
-            <a:r>
-              <a:rPr lang="ko-KR" altLang="en-US" sz="6600" b="1" smtClean="0">
+              <a:t>Protected</a:t>
+            </a:r>
+            <a:endParaRPr lang="ko-KR" altLang="en-US" sz="2400" dirty="0"/>
+          </a:p>
+        </p:txBody>
+      </p:sp>
+      <p:sp>
+        <p:nvSpPr>
+          <p:cNvPr id="4" name="TextBox 3"/>
+          <p:cNvSpPr txBox="1"/>
+          <p:nvPr/>
+        </p:nvSpPr>
+        <p:spPr>
+          <a:xfrm>
+            <a:off x="5493912" y="4807531"/>
+            <a:ext cx="1204176" cy="461665"/>
+          </a:xfrm>
+          <a:prstGeom prst="rect">
+            <a:avLst/>
+          </a:prstGeom>
+          <a:noFill/>
+        </p:spPr>
+        <p:txBody>
+          <a:bodyPr wrap="none" rtlCol="0">
+            <a:spAutoFit/>
+          </a:bodyPr>
+          <a:lstStyle/>
+          <a:p>
+            <a:r>
+              <a:rPr lang="en-US" altLang="ko-KR" sz="2400" b="1" dirty="0" smtClean="0">
                 <a:solidFill>
                   <a:srgbClr val="FFC000"/>
                 </a:solidFill>
               </a:rPr>
-              <a:t>추상</a:t>
-            </a:r>
-            <a:endParaRPr lang="ko-KR" altLang="en-US" sz="6600" b="1" dirty="0">
-              <a:solidFill>
-                <a:srgbClr val="FFC000"/>
-              </a:solidFill>
-            </a:endParaRPr>
-          </a:p>
-        </p:txBody>
-      </p:sp>
+              <a:t>Public</a:t>
+            </a:r>
+            <a:endParaRPr lang="ko-KR" altLang="en-US" sz="2400" dirty="0"/>
+          </a:p>
+        </p:txBody>
+      </p:sp>
+      <p:sp>
+        <p:nvSpPr>
+          <p:cNvPr id="5" name="TextBox 4"/>
+          <p:cNvSpPr txBox="1"/>
+          <p:nvPr/>
+        </p:nvSpPr>
+        <p:spPr>
+          <a:xfrm>
+            <a:off x="5408953" y="2070155"/>
+            <a:ext cx="1374094" cy="461665"/>
+          </a:xfrm>
+          <a:prstGeom prst="rect">
+            <a:avLst/>
+          </a:prstGeom>
+          <a:noFill/>
+        </p:spPr>
+        <p:txBody>
+          <a:bodyPr wrap="none" rtlCol="0">
+            <a:spAutoFit/>
+          </a:bodyPr>
+          <a:lstStyle/>
+          <a:p>
+            <a:r>
+              <a:rPr lang="en-US" altLang="ko-KR" sz="2400" b="1" dirty="0" smtClean="0">
+                <a:solidFill>
+                  <a:srgbClr val="FFC000"/>
+                </a:solidFill>
+              </a:rPr>
+              <a:t>Private</a:t>
+            </a:r>
+            <a:endParaRPr lang="ko-KR" altLang="en-US" sz="2400" dirty="0"/>
+          </a:p>
+        </p:txBody>
+      </p:sp>
+      <p:sp>
+        <p:nvSpPr>
+          <p:cNvPr id="6" name="이등변 삼각형 5"/>
+          <p:cNvSpPr/>
+          <p:nvPr/>
+        </p:nvSpPr>
+        <p:spPr>
+          <a:xfrm>
+            <a:off x="3378934" y="1028217"/>
+            <a:ext cx="5418034" cy="4443813"/>
+          </a:xfrm>
+          <a:prstGeom prst="triangle">
+            <a:avLst/>
+          </a:prstGeom>
+          <a:noFill/>
+          <a:ln w="38100">
+            <a:solidFill>
+              <a:schemeClr val="tx1"/>
+            </a:solidFill>
+          </a:ln>
+        </p:spPr>
+        <p:style>
+          <a:lnRef idx="2">
+            <a:schemeClr val="accent1">
+              <a:shade val="50000"/>
+            </a:schemeClr>
+          </a:lnRef>
+          <a:fillRef idx="1">
+            <a:schemeClr val="accent1"/>
+          </a:fillRef>
+          <a:effectRef idx="0">
+            <a:schemeClr val="accent1"/>
+          </a:effectRef>
+          <a:fontRef idx="minor">
+            <a:schemeClr val="lt1"/>
+          </a:fontRef>
+        </p:style>
+        <p:txBody>
+          <a:bodyPr rtlCol="0" anchor="ctr"/>
+          <a:lstStyle/>
+          <a:p>
+            <a:pPr algn="ctr"/>
+            <a:endParaRPr lang="ko-KR" altLang="en-US"/>
+          </a:p>
+        </p:txBody>
+      </p:sp>
+      <p:cxnSp>
+        <p:nvCxnSpPr>
+          <p:cNvPr id="8" name="직선 연결선 7"/>
+          <p:cNvCxnSpPr/>
+          <p:nvPr/>
+        </p:nvCxnSpPr>
+        <p:spPr>
+          <a:xfrm>
+            <a:off x="5033473" y="2734654"/>
+            <a:ext cx="2102265" cy="0"/>
+          </a:xfrm>
+          <a:prstGeom prst="line">
+            <a:avLst/>
+          </a:prstGeom>
+          <a:ln w="38100">
+            <a:solidFill>
+              <a:schemeClr val="tx1"/>
+            </a:solidFill>
+          </a:ln>
+        </p:spPr>
+        <p:style>
+          <a:lnRef idx="1">
+            <a:schemeClr val="accent1"/>
+          </a:lnRef>
+          <a:fillRef idx="0">
+            <a:schemeClr val="accent1"/>
+          </a:fillRef>
+          <a:effectRef idx="0">
+            <a:schemeClr val="accent1"/>
+          </a:effectRef>
+          <a:fontRef idx="minor">
+            <a:schemeClr val="tx1"/>
+          </a:fontRef>
+        </p:style>
+      </p:cxnSp>
+      <p:cxnSp>
+        <p:nvCxnSpPr>
+          <p:cNvPr id="10" name="직선 연결선 9"/>
+          <p:cNvCxnSpPr/>
+          <p:nvPr/>
+        </p:nvCxnSpPr>
+        <p:spPr>
+          <a:xfrm>
+            <a:off x="4483100" y="3647567"/>
+            <a:ext cx="3208115" cy="0"/>
+          </a:xfrm>
+          <a:prstGeom prst="line">
+            <a:avLst/>
+          </a:prstGeom>
+          <a:ln w="38100">
+            <a:solidFill>
+              <a:schemeClr val="tx1"/>
+            </a:solidFill>
+          </a:ln>
+        </p:spPr>
+        <p:style>
+          <a:lnRef idx="1">
+            <a:schemeClr val="accent1"/>
+          </a:lnRef>
+          <a:fillRef idx="0">
+            <a:schemeClr val="accent1"/>
+          </a:fillRef>
+          <a:effectRef idx="0">
+            <a:schemeClr val="accent1"/>
+          </a:effectRef>
+          <a:fontRef idx="minor">
+            <a:schemeClr val="tx1"/>
+          </a:fontRef>
+        </p:style>
+      </p:cxnSp>
+      <p:cxnSp>
+        <p:nvCxnSpPr>
+          <p:cNvPr id="11" name="직선 연결선 10"/>
+          <p:cNvCxnSpPr/>
+          <p:nvPr/>
+        </p:nvCxnSpPr>
+        <p:spPr>
+          <a:xfrm>
+            <a:off x="3922520" y="4604696"/>
+            <a:ext cx="4341263" cy="0"/>
+          </a:xfrm>
+          <a:prstGeom prst="line">
+            <a:avLst/>
+          </a:prstGeom>
+          <a:ln w="38100">
+            <a:solidFill>
+              <a:schemeClr val="tx1"/>
+            </a:solidFill>
+          </a:ln>
+        </p:spPr>
+        <p:style>
+          <a:lnRef idx="1">
+            <a:schemeClr val="accent1"/>
+          </a:lnRef>
+          <a:fillRef idx="0">
+            <a:schemeClr val="accent1"/>
+          </a:fillRef>
+          <a:effectRef idx="0">
+            <a:schemeClr val="accent1"/>
+          </a:effectRef>
+          <a:fontRef idx="minor">
+            <a:schemeClr val="tx1"/>
+          </a:fontRef>
+        </p:style>
+      </p:cxnSp>
     </p:spTree>
     <p:extLst>
       <p:ext uri="{BB962C8B-B14F-4D97-AF65-F5344CB8AC3E}">
-        <p14:creationId xmlns:p14="http://schemas.microsoft.com/office/powerpoint/2010/main" val="3171613964"/>
+        <p14:creationId xmlns:p14="http://schemas.microsoft.com/office/powerpoint/2010/main" val="1656533565"/>
       </p:ext>
     </p:extLst>
   </p:cSld>
@@ -3305,8 +5017,8 @@
         </p:nvSpPr>
         <p:spPr>
           <a:xfrm>
-            <a:off x="3190400" y="2967335"/>
-            <a:ext cx="5811207" cy="1107996"/>
+            <a:off x="4459975" y="2967335"/>
+            <a:ext cx="3272051" cy="1107996"/>
           </a:xfrm>
           <a:prstGeom prst="rect">
             <a:avLst/>
@@ -3321,12 +5033,20 @@
           <a:p>
             <a:pPr algn="ctr"/>
             <a:r>
+              <a:rPr lang="en-US" altLang="ko-KR" sz="6600" b="1" dirty="0">
+                <a:solidFill>
+                  <a:srgbClr val="FFC000"/>
+                </a:solidFill>
+              </a:rPr>
+              <a:t>2</a:t>
+            </a:r>
+            <a:r>
               <a:rPr lang="en-US" altLang="ko-KR" sz="6600" b="1" dirty="0" smtClean="0">
                 <a:solidFill>
                   <a:srgbClr val="FFC000"/>
                 </a:solidFill>
               </a:rPr>
-              <a:t>4. </a:t>
+              <a:t>. </a:t>
             </a:r>
             <a:r>
               <a:rPr lang="ko-KR" altLang="en-US" sz="6600" b="1" dirty="0" smtClean="0">
@@ -3334,7 +5054,7 @@
                   <a:srgbClr val="FFC000"/>
                 </a:solidFill>
               </a:rPr>
-              <a:t>인터페이스</a:t>
+              <a:t>상속</a:t>
             </a:r>
             <a:endParaRPr lang="ko-KR" altLang="en-US" sz="6600" b="1" dirty="0">
               <a:solidFill>
@@ -3347,7 +5067,1272 @@
     </p:spTree>
     <p:extLst>
       <p:ext uri="{BB962C8B-B14F-4D97-AF65-F5344CB8AC3E}">
-        <p14:creationId xmlns:p14="http://schemas.microsoft.com/office/powerpoint/2010/main" val="126625807"/>
+        <p14:creationId xmlns:p14="http://schemas.microsoft.com/office/powerpoint/2010/main" val="1727756213"/>
+      </p:ext>
+    </p:extLst>
+  </p:cSld>
+  <p:clrMapOvr>
+    <a:masterClrMapping/>
+  </p:clrMapOvr>
+</p:sld>
+</file>
+
+<file path=ppt/slides/slide6.xml><?xml version="1.0" encoding="utf-8"?>
+<p:sld xmlns:a="http://schemas.openxmlformats.org/drawingml/2006/main" xmlns:r="http://schemas.openxmlformats.org/officeDocument/2006/relationships" xmlns:p="http://schemas.openxmlformats.org/presentationml/2006/main">
+  <p:cSld>
+    <p:spTree>
+      <p:nvGrpSpPr>
+        <p:cNvPr id="1" name=""/>
+        <p:cNvGrpSpPr/>
+        <p:nvPr/>
+      </p:nvGrpSpPr>
+      <p:grpSpPr>
+        <a:xfrm>
+          <a:off x="0" y="0"/>
+          <a:ext cx="0" cy="0"/>
+          <a:chOff x="0" y="0"/>
+          <a:chExt cx="0" cy="0"/>
+        </a:xfrm>
+      </p:grpSpPr>
+      <p:cxnSp>
+        <p:nvCxnSpPr>
+          <p:cNvPr id="14" name="직선 연결선 13"/>
+          <p:cNvCxnSpPr/>
+          <p:nvPr/>
+        </p:nvCxnSpPr>
+        <p:spPr>
+          <a:xfrm>
+            <a:off x="0" y="3429000"/>
+            <a:ext cx="12192000" cy="0"/>
+          </a:xfrm>
+          <a:prstGeom prst="line">
+            <a:avLst/>
+          </a:prstGeom>
+          <a:ln w="38100">
+            <a:solidFill>
+              <a:schemeClr val="tx1">
+                <a:lumMod val="50000"/>
+              </a:schemeClr>
+            </a:solidFill>
+            <a:prstDash val="dash"/>
+          </a:ln>
+        </p:spPr>
+        <p:style>
+          <a:lnRef idx="1">
+            <a:schemeClr val="accent1"/>
+          </a:lnRef>
+          <a:fillRef idx="0">
+            <a:schemeClr val="accent1"/>
+          </a:fillRef>
+          <a:effectRef idx="0">
+            <a:schemeClr val="accent1"/>
+          </a:effectRef>
+          <a:fontRef idx="minor">
+            <a:schemeClr val="tx1"/>
+          </a:fontRef>
+        </p:style>
+      </p:cxnSp>
+      <p:sp>
+        <p:nvSpPr>
+          <p:cNvPr id="2" name="직사각형 1"/>
+          <p:cNvSpPr/>
+          <p:nvPr/>
+        </p:nvSpPr>
+        <p:spPr>
+          <a:xfrm>
+            <a:off x="6421394" y="1884844"/>
+            <a:ext cx="2397211" cy="556054"/>
+          </a:xfrm>
+          <a:prstGeom prst="rect">
+            <a:avLst/>
+          </a:prstGeom>
+          <a:noFill/>
+          <a:ln w="38100">
+            <a:solidFill>
+              <a:schemeClr val="tx1"/>
+            </a:solidFill>
+          </a:ln>
+        </p:spPr>
+        <p:style>
+          <a:lnRef idx="2">
+            <a:schemeClr val="accent1">
+              <a:shade val="50000"/>
+            </a:schemeClr>
+          </a:lnRef>
+          <a:fillRef idx="1">
+            <a:schemeClr val="accent1"/>
+          </a:fillRef>
+          <a:effectRef idx="0">
+            <a:schemeClr val="accent1"/>
+          </a:effectRef>
+          <a:fontRef idx="minor">
+            <a:schemeClr val="lt1"/>
+          </a:fontRef>
+        </p:style>
+        <p:txBody>
+          <a:bodyPr rtlCol="0" anchor="ctr"/>
+          <a:lstStyle/>
+          <a:p>
+            <a:pPr algn="ctr"/>
+            <a:r>
+              <a:rPr lang="en-US" altLang="ko-KR" b="1" dirty="0" smtClean="0">
+                <a:solidFill>
+                  <a:schemeClr val="tx1"/>
+                </a:solidFill>
+                <a:latin typeface="Consolas" panose="020B0609020204030204" pitchFamily="49" charset="0"/>
+              </a:rPr>
+              <a:t>House.java</a:t>
+            </a:r>
+            <a:endParaRPr lang="ko-KR" altLang="en-US" b="1" dirty="0">
+              <a:solidFill>
+                <a:schemeClr val="tx1"/>
+              </a:solidFill>
+              <a:latin typeface="Consolas" panose="020B0609020204030204" pitchFamily="49" charset="0"/>
+            </a:endParaRPr>
+          </a:p>
+        </p:txBody>
+      </p:sp>
+      <p:sp>
+        <p:nvSpPr>
+          <p:cNvPr id="3" name="직사각형 2"/>
+          <p:cNvSpPr/>
+          <p:nvPr/>
+        </p:nvSpPr>
+        <p:spPr>
+          <a:xfrm>
+            <a:off x="9405558" y="3643755"/>
+            <a:ext cx="2397211" cy="556054"/>
+          </a:xfrm>
+          <a:prstGeom prst="rect">
+            <a:avLst/>
+          </a:prstGeom>
+          <a:noFill/>
+          <a:ln w="38100">
+            <a:solidFill>
+              <a:schemeClr val="tx1"/>
+            </a:solidFill>
+          </a:ln>
+        </p:spPr>
+        <p:style>
+          <a:lnRef idx="2">
+            <a:schemeClr val="accent1">
+              <a:shade val="50000"/>
+            </a:schemeClr>
+          </a:lnRef>
+          <a:fillRef idx="1">
+            <a:schemeClr val="accent1"/>
+          </a:fillRef>
+          <a:effectRef idx="0">
+            <a:schemeClr val="accent1"/>
+          </a:effectRef>
+          <a:fontRef idx="minor">
+            <a:schemeClr val="lt1"/>
+          </a:fontRef>
+        </p:style>
+        <p:txBody>
+          <a:bodyPr rtlCol="0" anchor="ctr"/>
+          <a:lstStyle/>
+          <a:p>
+            <a:pPr algn="ctr"/>
+            <a:r>
+              <a:rPr lang="en-US" altLang="ko-KR" b="1" dirty="0" smtClean="0">
+                <a:solidFill>
+                  <a:schemeClr val="tx1"/>
+                </a:solidFill>
+                <a:latin typeface="Consolas" panose="020B0609020204030204" pitchFamily="49" charset="0"/>
+              </a:rPr>
+              <a:t>BathRoom.java</a:t>
+            </a:r>
+            <a:endParaRPr lang="ko-KR" altLang="en-US" b="1" dirty="0">
+              <a:solidFill>
+                <a:schemeClr val="tx1"/>
+              </a:solidFill>
+              <a:latin typeface="Consolas" panose="020B0609020204030204" pitchFamily="49" charset="0"/>
+            </a:endParaRPr>
+          </a:p>
+        </p:txBody>
+      </p:sp>
+      <p:sp>
+        <p:nvSpPr>
+          <p:cNvPr id="4" name="직사각형 3"/>
+          <p:cNvSpPr/>
+          <p:nvPr/>
+        </p:nvSpPr>
+        <p:spPr>
+          <a:xfrm>
+            <a:off x="7884646" y="4553222"/>
+            <a:ext cx="2397211" cy="556054"/>
+          </a:xfrm>
+          <a:prstGeom prst="rect">
+            <a:avLst/>
+          </a:prstGeom>
+          <a:noFill/>
+          <a:ln w="38100">
+            <a:solidFill>
+              <a:schemeClr val="tx1"/>
+            </a:solidFill>
+          </a:ln>
+        </p:spPr>
+        <p:style>
+          <a:lnRef idx="2">
+            <a:schemeClr val="accent1">
+              <a:shade val="50000"/>
+            </a:schemeClr>
+          </a:lnRef>
+          <a:fillRef idx="1">
+            <a:schemeClr val="accent1"/>
+          </a:fillRef>
+          <a:effectRef idx="0">
+            <a:schemeClr val="accent1"/>
+          </a:effectRef>
+          <a:fontRef idx="minor">
+            <a:schemeClr val="lt1"/>
+          </a:fontRef>
+        </p:style>
+        <p:txBody>
+          <a:bodyPr rtlCol="0" anchor="ctr"/>
+          <a:lstStyle/>
+          <a:p>
+            <a:pPr algn="ctr"/>
+            <a:r>
+              <a:rPr lang="en-US" altLang="ko-KR" b="1" dirty="0">
+                <a:solidFill>
+                  <a:schemeClr val="tx1"/>
+                </a:solidFill>
+                <a:latin typeface="Consolas" panose="020B0609020204030204" pitchFamily="49" charset="0"/>
+              </a:rPr>
+              <a:t>BadRoom1</a:t>
+            </a:r>
+            <a:r>
+              <a:rPr lang="en-US" altLang="ko-KR" b="1" dirty="0" smtClean="0">
+                <a:solidFill>
+                  <a:schemeClr val="tx1"/>
+                </a:solidFill>
+                <a:latin typeface="Consolas" panose="020B0609020204030204" pitchFamily="49" charset="0"/>
+              </a:rPr>
+              <a:t>.java</a:t>
+            </a:r>
+            <a:endParaRPr lang="ko-KR" altLang="en-US" b="1" dirty="0">
+              <a:solidFill>
+                <a:schemeClr val="tx1"/>
+              </a:solidFill>
+              <a:latin typeface="Consolas" panose="020B0609020204030204" pitchFamily="49" charset="0"/>
+            </a:endParaRPr>
+          </a:p>
+        </p:txBody>
+      </p:sp>
+      <p:sp>
+        <p:nvSpPr>
+          <p:cNvPr id="5" name="직사각형 4"/>
+          <p:cNvSpPr/>
+          <p:nvPr/>
+        </p:nvSpPr>
+        <p:spPr>
+          <a:xfrm>
+            <a:off x="4998309" y="4553222"/>
+            <a:ext cx="2397211" cy="556054"/>
+          </a:xfrm>
+          <a:prstGeom prst="rect">
+            <a:avLst/>
+          </a:prstGeom>
+          <a:noFill/>
+          <a:ln w="38100">
+            <a:solidFill>
+              <a:schemeClr val="tx1"/>
+            </a:solidFill>
+          </a:ln>
+        </p:spPr>
+        <p:style>
+          <a:lnRef idx="2">
+            <a:schemeClr val="accent1">
+              <a:shade val="50000"/>
+            </a:schemeClr>
+          </a:lnRef>
+          <a:fillRef idx="1">
+            <a:schemeClr val="accent1"/>
+          </a:fillRef>
+          <a:effectRef idx="0">
+            <a:schemeClr val="accent1"/>
+          </a:effectRef>
+          <a:fontRef idx="minor">
+            <a:schemeClr val="lt1"/>
+          </a:fontRef>
+        </p:style>
+        <p:txBody>
+          <a:bodyPr rtlCol="0" anchor="ctr"/>
+          <a:lstStyle/>
+          <a:p>
+            <a:pPr algn="ctr"/>
+            <a:r>
+              <a:rPr lang="en-US" altLang="ko-KR" b="1" dirty="0" smtClean="0">
+                <a:solidFill>
+                  <a:schemeClr val="tx1"/>
+                </a:solidFill>
+                <a:latin typeface="Consolas" panose="020B0609020204030204" pitchFamily="49" charset="0"/>
+              </a:rPr>
+              <a:t>BadRoom2.java</a:t>
+            </a:r>
+            <a:endParaRPr lang="ko-KR" altLang="en-US" b="1" dirty="0">
+              <a:solidFill>
+                <a:schemeClr val="tx1"/>
+              </a:solidFill>
+              <a:latin typeface="Consolas" panose="020B0609020204030204" pitchFamily="49" charset="0"/>
+            </a:endParaRPr>
+          </a:p>
+        </p:txBody>
+      </p:sp>
+      <p:sp>
+        <p:nvSpPr>
+          <p:cNvPr id="6" name="직사각형 5"/>
+          <p:cNvSpPr/>
+          <p:nvPr/>
+        </p:nvSpPr>
+        <p:spPr>
+          <a:xfrm>
+            <a:off x="3305432" y="3633325"/>
+            <a:ext cx="2397211" cy="556054"/>
+          </a:xfrm>
+          <a:prstGeom prst="rect">
+            <a:avLst/>
+          </a:prstGeom>
+          <a:noFill/>
+          <a:ln w="38100">
+            <a:solidFill>
+              <a:schemeClr val="tx1"/>
+            </a:solidFill>
+          </a:ln>
+        </p:spPr>
+        <p:style>
+          <a:lnRef idx="2">
+            <a:schemeClr val="accent1">
+              <a:shade val="50000"/>
+            </a:schemeClr>
+          </a:lnRef>
+          <a:fillRef idx="1">
+            <a:schemeClr val="accent1"/>
+          </a:fillRef>
+          <a:effectRef idx="0">
+            <a:schemeClr val="accent1"/>
+          </a:effectRef>
+          <a:fontRef idx="minor">
+            <a:schemeClr val="lt1"/>
+          </a:fontRef>
+        </p:style>
+        <p:txBody>
+          <a:bodyPr rtlCol="0" anchor="ctr"/>
+          <a:lstStyle/>
+          <a:p>
+            <a:pPr algn="ctr"/>
+            <a:r>
+              <a:rPr lang="en-US" altLang="ko-KR" b="1" dirty="0" smtClean="0">
+                <a:solidFill>
+                  <a:schemeClr val="tx1"/>
+                </a:solidFill>
+                <a:latin typeface="Consolas" panose="020B0609020204030204" pitchFamily="49" charset="0"/>
+              </a:rPr>
+              <a:t>LivingRoom.java</a:t>
+            </a:r>
+            <a:endParaRPr lang="ko-KR" altLang="en-US" b="1" dirty="0">
+              <a:solidFill>
+                <a:schemeClr val="tx1"/>
+              </a:solidFill>
+              <a:latin typeface="Consolas" panose="020B0609020204030204" pitchFamily="49" charset="0"/>
+            </a:endParaRPr>
+          </a:p>
+        </p:txBody>
+      </p:sp>
+      <p:cxnSp>
+        <p:nvCxnSpPr>
+          <p:cNvPr id="7" name="직선 화살표 연결선 6"/>
+          <p:cNvCxnSpPr>
+            <a:stCxn id="3" idx="0"/>
+          </p:cNvCxnSpPr>
+          <p:nvPr/>
+        </p:nvCxnSpPr>
+        <p:spPr>
+          <a:xfrm flipH="1" flipV="1">
+            <a:off x="8760944" y="2440898"/>
+            <a:ext cx="1843220" cy="1202857"/>
+          </a:xfrm>
+          <a:prstGeom prst="straightConnector1">
+            <a:avLst/>
+          </a:prstGeom>
+          <a:ln w="57150">
+            <a:solidFill>
+              <a:srgbClr val="FFC000"/>
+            </a:solidFill>
+            <a:tailEnd type="triangle"/>
+          </a:ln>
+        </p:spPr>
+        <p:style>
+          <a:lnRef idx="1">
+            <a:schemeClr val="accent1"/>
+          </a:lnRef>
+          <a:fillRef idx="0">
+            <a:schemeClr val="accent1"/>
+          </a:fillRef>
+          <a:effectRef idx="0">
+            <a:schemeClr val="accent1"/>
+          </a:effectRef>
+          <a:fontRef idx="minor">
+            <a:schemeClr val="tx1"/>
+          </a:fontRef>
+        </p:style>
+      </p:cxnSp>
+      <p:cxnSp>
+        <p:nvCxnSpPr>
+          <p:cNvPr id="8" name="직선 화살표 연결선 7"/>
+          <p:cNvCxnSpPr>
+            <a:stCxn id="4" idx="0"/>
+          </p:cNvCxnSpPr>
+          <p:nvPr/>
+        </p:nvCxnSpPr>
+        <p:spPr>
+          <a:xfrm flipH="1" flipV="1">
+            <a:off x="8061757" y="2464928"/>
+            <a:ext cx="1021495" cy="2088294"/>
+          </a:xfrm>
+          <a:prstGeom prst="straightConnector1">
+            <a:avLst/>
+          </a:prstGeom>
+          <a:ln w="57150">
+            <a:solidFill>
+              <a:srgbClr val="FFC000"/>
+            </a:solidFill>
+            <a:tailEnd type="triangle"/>
+          </a:ln>
+        </p:spPr>
+        <p:style>
+          <a:lnRef idx="1">
+            <a:schemeClr val="accent1"/>
+          </a:lnRef>
+          <a:fillRef idx="0">
+            <a:schemeClr val="accent1"/>
+          </a:fillRef>
+          <a:effectRef idx="0">
+            <a:schemeClr val="accent1"/>
+          </a:effectRef>
+          <a:fontRef idx="minor">
+            <a:schemeClr val="tx1"/>
+          </a:fontRef>
+        </p:style>
+      </p:cxnSp>
+      <p:cxnSp>
+        <p:nvCxnSpPr>
+          <p:cNvPr id="9" name="직선 화살표 연결선 8"/>
+          <p:cNvCxnSpPr>
+            <a:stCxn id="5" idx="0"/>
+          </p:cNvCxnSpPr>
+          <p:nvPr/>
+        </p:nvCxnSpPr>
+        <p:spPr>
+          <a:xfrm flipV="1">
+            <a:off x="6196915" y="2464928"/>
+            <a:ext cx="961765" cy="2088294"/>
+          </a:xfrm>
+          <a:prstGeom prst="straightConnector1">
+            <a:avLst/>
+          </a:prstGeom>
+          <a:ln w="57150">
+            <a:solidFill>
+              <a:srgbClr val="FFC000"/>
+            </a:solidFill>
+            <a:tailEnd type="triangle"/>
+          </a:ln>
+        </p:spPr>
+        <p:style>
+          <a:lnRef idx="1">
+            <a:schemeClr val="accent1"/>
+          </a:lnRef>
+          <a:fillRef idx="0">
+            <a:schemeClr val="accent1"/>
+          </a:fillRef>
+          <a:effectRef idx="0">
+            <a:schemeClr val="accent1"/>
+          </a:effectRef>
+          <a:fontRef idx="minor">
+            <a:schemeClr val="tx1"/>
+          </a:fontRef>
+        </p:style>
+      </p:cxnSp>
+      <p:cxnSp>
+        <p:nvCxnSpPr>
+          <p:cNvPr id="10" name="직선 화살표 연결선 9"/>
+          <p:cNvCxnSpPr>
+            <a:stCxn id="6" idx="0"/>
+          </p:cNvCxnSpPr>
+          <p:nvPr/>
+        </p:nvCxnSpPr>
+        <p:spPr>
+          <a:xfrm flipV="1">
+            <a:off x="4504038" y="2464928"/>
+            <a:ext cx="1890584" cy="1168397"/>
+          </a:xfrm>
+          <a:prstGeom prst="straightConnector1">
+            <a:avLst/>
+          </a:prstGeom>
+          <a:ln w="57150">
+            <a:solidFill>
+              <a:srgbClr val="FFC000"/>
+            </a:solidFill>
+            <a:tailEnd type="triangle"/>
+          </a:ln>
+        </p:spPr>
+        <p:style>
+          <a:lnRef idx="1">
+            <a:schemeClr val="accent1"/>
+          </a:lnRef>
+          <a:fillRef idx="0">
+            <a:schemeClr val="accent1"/>
+          </a:fillRef>
+          <a:effectRef idx="0">
+            <a:schemeClr val="accent1"/>
+          </a:effectRef>
+          <a:fontRef idx="minor">
+            <a:schemeClr val="tx1"/>
+          </a:fontRef>
+        </p:style>
+      </p:cxnSp>
+      <p:sp>
+        <p:nvSpPr>
+          <p:cNvPr id="11" name="TextBox 10"/>
+          <p:cNvSpPr txBox="1"/>
+          <p:nvPr/>
+        </p:nvSpPr>
+        <p:spPr>
+          <a:xfrm>
+            <a:off x="875153" y="2095596"/>
+            <a:ext cx="1830950" cy="646331"/>
+          </a:xfrm>
+          <a:prstGeom prst="rect">
+            <a:avLst/>
+          </a:prstGeom>
+          <a:noFill/>
+        </p:spPr>
+        <p:txBody>
+          <a:bodyPr wrap="none" rtlCol="0">
+            <a:spAutoFit/>
+          </a:bodyPr>
+          <a:lstStyle/>
+          <a:p>
+            <a:r>
+              <a:rPr lang="en-US" altLang="ko-KR" b="1" dirty="0" smtClean="0"/>
+              <a:t>Parent Class</a:t>
+            </a:r>
+          </a:p>
+          <a:p>
+            <a:r>
+              <a:rPr lang="en-US" altLang="ko-KR" b="1" dirty="0" smtClean="0"/>
+              <a:t>= Super Class</a:t>
+            </a:r>
+            <a:endParaRPr lang="ko-KR" altLang="en-US" b="1" dirty="0"/>
+          </a:p>
+        </p:txBody>
+      </p:sp>
+      <p:sp>
+        <p:nvSpPr>
+          <p:cNvPr id="12" name="TextBox 11"/>
+          <p:cNvSpPr txBox="1"/>
+          <p:nvPr/>
+        </p:nvSpPr>
+        <p:spPr>
+          <a:xfrm>
+            <a:off x="938471" y="3820047"/>
+            <a:ext cx="1577676" cy="646331"/>
+          </a:xfrm>
+          <a:prstGeom prst="rect">
+            <a:avLst/>
+          </a:prstGeom>
+          <a:noFill/>
+        </p:spPr>
+        <p:txBody>
+          <a:bodyPr wrap="none" rtlCol="0">
+            <a:spAutoFit/>
+          </a:bodyPr>
+          <a:lstStyle/>
+          <a:p>
+            <a:r>
+              <a:rPr lang="en-US" altLang="ko-KR" b="1" dirty="0" smtClean="0"/>
+              <a:t>Child Class</a:t>
+            </a:r>
+          </a:p>
+          <a:p>
+            <a:r>
+              <a:rPr lang="en-US" altLang="ko-KR" b="1" dirty="0" smtClean="0"/>
+              <a:t>= sub Class</a:t>
+            </a:r>
+            <a:endParaRPr lang="ko-KR" altLang="en-US" b="1" dirty="0"/>
+          </a:p>
+        </p:txBody>
+      </p:sp>
+    </p:spTree>
+    <p:extLst>
+      <p:ext uri="{BB962C8B-B14F-4D97-AF65-F5344CB8AC3E}">
+        <p14:creationId xmlns:p14="http://schemas.microsoft.com/office/powerpoint/2010/main" val="2230404249"/>
+      </p:ext>
+    </p:extLst>
+  </p:cSld>
+  <p:clrMapOvr>
+    <a:masterClrMapping/>
+  </p:clrMapOvr>
+</p:sld>
+</file>
+
+<file path=ppt/slides/slide7.xml><?xml version="1.0" encoding="utf-8"?>
+<p:sld xmlns:a="http://schemas.openxmlformats.org/drawingml/2006/main" xmlns:r="http://schemas.openxmlformats.org/officeDocument/2006/relationships" xmlns:p="http://schemas.openxmlformats.org/presentationml/2006/main">
+  <p:cSld>
+    <p:spTree>
+      <p:nvGrpSpPr>
+        <p:cNvPr id="1" name=""/>
+        <p:cNvGrpSpPr/>
+        <p:nvPr/>
+      </p:nvGrpSpPr>
+      <p:grpSpPr>
+        <a:xfrm>
+          <a:off x="0" y="0"/>
+          <a:ext cx="0" cy="0"/>
+          <a:chOff x="0" y="0"/>
+          <a:chExt cx="0" cy="0"/>
+        </a:xfrm>
+      </p:grpSpPr>
+      <p:sp>
+        <p:nvSpPr>
+          <p:cNvPr id="2" name="TextBox 1"/>
+          <p:cNvSpPr txBox="1"/>
+          <p:nvPr/>
+        </p:nvSpPr>
+        <p:spPr>
+          <a:xfrm>
+            <a:off x="3680114" y="419100"/>
+            <a:ext cx="4831772" cy="369332"/>
+          </a:xfrm>
+          <a:prstGeom prst="rect">
+            <a:avLst/>
+          </a:prstGeom>
+          <a:noFill/>
+        </p:spPr>
+        <p:txBody>
+          <a:bodyPr wrap="none" rtlCol="0">
+            <a:spAutoFit/>
+          </a:bodyPr>
+          <a:lstStyle/>
+          <a:p>
+            <a:r>
+              <a:rPr lang="ko-KR" altLang="en-US" dirty="0" smtClean="0"/>
+              <a:t>상속 받을 클래스 </a:t>
+            </a:r>
+            <a:r>
+              <a:rPr lang="en-US" altLang="ko-KR" b="1" dirty="0" smtClean="0">
+                <a:solidFill>
+                  <a:srgbClr val="FFC000"/>
+                </a:solidFill>
+              </a:rPr>
+              <a:t>extends</a:t>
+            </a:r>
+            <a:r>
+              <a:rPr lang="en-US" altLang="ko-KR" dirty="0" smtClean="0"/>
+              <a:t> </a:t>
+            </a:r>
+            <a:r>
+              <a:rPr lang="ko-KR" altLang="en-US" dirty="0" smtClean="0"/>
+              <a:t>상속 할 클래스</a:t>
+            </a:r>
+            <a:endParaRPr lang="ko-KR" altLang="en-US" dirty="0"/>
+          </a:p>
+        </p:txBody>
+      </p:sp>
+      <p:pic>
+        <p:nvPicPr>
+          <p:cNvPr id="12" name="그림 11"/>
+          <p:cNvPicPr>
+            <a:picLocks noChangeAspect="1"/>
+          </p:cNvPicPr>
+          <p:nvPr/>
+        </p:nvPicPr>
+        <p:blipFill>
+          <a:blip r:embed="rId2" cstate="print">
+            <a:extLst>
+              <a:ext uri="{28A0092B-C50C-407E-A947-70E740481C1C}">
+                <a14:useLocalDpi xmlns:a14="http://schemas.microsoft.com/office/drawing/2010/main" val="0"/>
+              </a:ext>
+            </a:extLst>
+          </a:blip>
+          <a:stretch>
+            <a:fillRect/>
+          </a:stretch>
+        </p:blipFill>
+        <p:spPr>
+          <a:xfrm>
+            <a:off x="390155" y="2338776"/>
+            <a:ext cx="5705845" cy="2180448"/>
+          </a:xfrm>
+          <a:prstGeom prst="rect">
+            <a:avLst/>
+          </a:prstGeom>
+        </p:spPr>
+      </p:pic>
+      <p:pic>
+        <p:nvPicPr>
+          <p:cNvPr id="13" name="그림 12"/>
+          <p:cNvPicPr>
+            <a:picLocks noChangeAspect="1"/>
+          </p:cNvPicPr>
+          <p:nvPr/>
+        </p:nvPicPr>
+        <p:blipFill>
+          <a:blip r:embed="rId3"/>
+          <a:stretch>
+            <a:fillRect/>
+          </a:stretch>
+        </p:blipFill>
+        <p:spPr>
+          <a:xfrm>
+            <a:off x="7719745" y="1480840"/>
+            <a:ext cx="4119829" cy="4592428"/>
+          </a:xfrm>
+          <a:prstGeom prst="rect">
+            <a:avLst/>
+          </a:prstGeom>
+        </p:spPr>
+      </p:pic>
+      <p:sp>
+        <p:nvSpPr>
+          <p:cNvPr id="14" name="등호 13"/>
+          <p:cNvSpPr/>
+          <p:nvPr/>
+        </p:nvSpPr>
+        <p:spPr>
+          <a:xfrm>
+            <a:off x="6445910" y="3429000"/>
+            <a:ext cx="923925" cy="381000"/>
+          </a:xfrm>
+          <a:prstGeom prst="mathEqual">
+            <a:avLst/>
+          </a:prstGeom>
+          <a:noFill/>
+          <a:ln w="19050">
+            <a:solidFill>
+              <a:srgbClr val="FFC000"/>
+            </a:solidFill>
+          </a:ln>
+        </p:spPr>
+        <p:style>
+          <a:lnRef idx="2">
+            <a:schemeClr val="accent1">
+              <a:shade val="50000"/>
+            </a:schemeClr>
+          </a:lnRef>
+          <a:fillRef idx="1">
+            <a:schemeClr val="accent1"/>
+          </a:fillRef>
+          <a:effectRef idx="0">
+            <a:schemeClr val="accent1"/>
+          </a:effectRef>
+          <a:fontRef idx="minor">
+            <a:schemeClr val="lt1"/>
+          </a:fontRef>
+        </p:style>
+        <p:txBody>
+          <a:bodyPr rtlCol="0" anchor="ctr"/>
+          <a:lstStyle/>
+          <a:p>
+            <a:pPr algn="ctr"/>
+            <a:endParaRPr lang="ko-KR" altLang="en-US">
+              <a:solidFill>
+                <a:schemeClr val="tx1"/>
+              </a:solidFill>
+            </a:endParaRPr>
+          </a:p>
+        </p:txBody>
+      </p:sp>
+    </p:spTree>
+    <p:extLst>
+      <p:ext uri="{BB962C8B-B14F-4D97-AF65-F5344CB8AC3E}">
+        <p14:creationId xmlns:p14="http://schemas.microsoft.com/office/powerpoint/2010/main" val="2258966879"/>
+      </p:ext>
+    </p:extLst>
+  </p:cSld>
+  <p:clrMapOvr>
+    <a:masterClrMapping/>
+  </p:clrMapOvr>
+</p:sld>
+</file>
+
+<file path=ppt/slides/slide8.xml><?xml version="1.0" encoding="utf-8"?>
+<p:sld xmlns:a="http://schemas.openxmlformats.org/drawingml/2006/main" xmlns:r="http://schemas.openxmlformats.org/officeDocument/2006/relationships" xmlns:p="http://schemas.openxmlformats.org/presentationml/2006/main">
+  <p:cSld>
+    <p:spTree>
+      <p:nvGrpSpPr>
+        <p:cNvPr id="1" name=""/>
+        <p:cNvGrpSpPr/>
+        <p:nvPr/>
+      </p:nvGrpSpPr>
+      <p:grpSpPr>
+        <a:xfrm>
+          <a:off x="0" y="0"/>
+          <a:ext cx="0" cy="0"/>
+          <a:chOff x="0" y="0"/>
+          <a:chExt cx="0" cy="0"/>
+        </a:xfrm>
+      </p:grpSpPr>
+      <p:grpSp>
+        <p:nvGrpSpPr>
+          <p:cNvPr id="6" name="그룹 5"/>
+          <p:cNvGrpSpPr/>
+          <p:nvPr/>
+        </p:nvGrpSpPr>
+        <p:grpSpPr>
+          <a:xfrm>
+            <a:off x="2843213" y="1914525"/>
+            <a:ext cx="6505574" cy="3189506"/>
+            <a:chOff x="3305176" y="1914525"/>
+            <a:chExt cx="6505574" cy="3189506"/>
+          </a:xfrm>
+        </p:grpSpPr>
+        <p:sp>
+          <p:nvSpPr>
+            <p:cNvPr id="2" name="TextBox 1"/>
+            <p:cNvSpPr txBox="1"/>
+            <p:nvPr/>
+          </p:nvSpPr>
+          <p:spPr>
+            <a:xfrm>
+              <a:off x="3305176" y="1914525"/>
+              <a:ext cx="1590674" cy="646331"/>
+            </a:xfrm>
+            <a:prstGeom prst="rect">
+              <a:avLst/>
+            </a:prstGeom>
+            <a:noFill/>
+          </p:spPr>
+          <p:txBody>
+            <a:bodyPr wrap="square" rtlCol="0">
+              <a:spAutoFit/>
+            </a:bodyPr>
+            <a:lstStyle/>
+            <a:p>
+              <a:r>
+                <a:rPr lang="en-US" altLang="ko-KR" sz="3600" b="1" dirty="0" smtClean="0">
+                  <a:solidFill>
+                    <a:srgbClr val="FFC000"/>
+                  </a:solidFill>
+                </a:rPr>
+                <a:t>this.</a:t>
+              </a:r>
+              <a:endParaRPr lang="ko-KR" altLang="en-US" sz="3600" b="1" dirty="0">
+                <a:solidFill>
+                  <a:srgbClr val="FFC000"/>
+                </a:solidFill>
+              </a:endParaRPr>
+            </a:p>
+          </p:txBody>
+        </p:sp>
+        <p:sp>
+          <p:nvSpPr>
+            <p:cNvPr id="3" name="TextBox 2"/>
+            <p:cNvSpPr txBox="1"/>
+            <p:nvPr/>
+          </p:nvSpPr>
+          <p:spPr>
+            <a:xfrm>
+              <a:off x="3305176" y="4457700"/>
+              <a:ext cx="1590674" cy="646331"/>
+            </a:xfrm>
+            <a:prstGeom prst="rect">
+              <a:avLst/>
+            </a:prstGeom>
+            <a:noFill/>
+          </p:spPr>
+          <p:txBody>
+            <a:bodyPr wrap="square" rtlCol="0">
+              <a:spAutoFit/>
+            </a:bodyPr>
+            <a:lstStyle/>
+            <a:p>
+              <a:r>
+                <a:rPr lang="en-US" altLang="ko-KR" sz="3600" b="1" dirty="0" smtClean="0">
+                  <a:solidFill>
+                    <a:srgbClr val="FFC000"/>
+                  </a:solidFill>
+                </a:rPr>
+                <a:t>super.</a:t>
+              </a:r>
+              <a:endParaRPr lang="ko-KR" altLang="en-US" sz="3600" b="1" dirty="0">
+                <a:solidFill>
+                  <a:srgbClr val="FFC000"/>
+                </a:solidFill>
+              </a:endParaRPr>
+            </a:p>
+          </p:txBody>
+        </p:sp>
+        <p:sp>
+          <p:nvSpPr>
+            <p:cNvPr id="4" name="TextBox 3"/>
+            <p:cNvSpPr txBox="1"/>
+            <p:nvPr/>
+          </p:nvSpPr>
+          <p:spPr>
+            <a:xfrm>
+              <a:off x="5657850" y="2053024"/>
+              <a:ext cx="4152900" cy="369332"/>
+            </a:xfrm>
+            <a:prstGeom prst="rect">
+              <a:avLst/>
+            </a:prstGeom>
+            <a:noFill/>
+          </p:spPr>
+          <p:txBody>
+            <a:bodyPr wrap="square" rtlCol="0">
+              <a:spAutoFit/>
+            </a:bodyPr>
+            <a:lstStyle/>
+            <a:p>
+              <a:r>
+                <a:rPr lang="ko-KR" altLang="en-US" dirty="0" smtClean="0"/>
+                <a:t>지금 현재 있는 클래스를 의미</a:t>
+              </a:r>
+              <a:endParaRPr lang="ko-KR" altLang="en-US" dirty="0"/>
+            </a:p>
+          </p:txBody>
+        </p:sp>
+        <p:sp>
+          <p:nvSpPr>
+            <p:cNvPr id="5" name="TextBox 4"/>
+            <p:cNvSpPr txBox="1"/>
+            <p:nvPr/>
+          </p:nvSpPr>
+          <p:spPr>
+            <a:xfrm>
+              <a:off x="5657850" y="4596199"/>
+              <a:ext cx="4152900" cy="369332"/>
+            </a:xfrm>
+            <a:prstGeom prst="rect">
+              <a:avLst/>
+            </a:prstGeom>
+            <a:noFill/>
+          </p:spPr>
+          <p:txBody>
+            <a:bodyPr wrap="square" rtlCol="0">
+              <a:spAutoFit/>
+            </a:bodyPr>
+            <a:lstStyle/>
+            <a:p>
+              <a:r>
+                <a:rPr lang="ko-KR" altLang="en-US" dirty="0" smtClean="0"/>
+                <a:t>상속받는 부모 클래스를 의미</a:t>
+              </a:r>
+              <a:endParaRPr lang="ko-KR" altLang="en-US" dirty="0"/>
+            </a:p>
+          </p:txBody>
+        </p:sp>
+      </p:grpSp>
+    </p:spTree>
+    <p:extLst>
+      <p:ext uri="{BB962C8B-B14F-4D97-AF65-F5344CB8AC3E}">
+        <p14:creationId xmlns:p14="http://schemas.microsoft.com/office/powerpoint/2010/main" val="265311111"/>
+      </p:ext>
+    </p:extLst>
+  </p:cSld>
+  <p:clrMapOvr>
+    <a:masterClrMapping/>
+  </p:clrMapOvr>
+</p:sld>
+</file>
+
+<file path=ppt/slides/slide9.xml><?xml version="1.0" encoding="utf-8"?>
+<p:sld xmlns:a="http://schemas.openxmlformats.org/drawingml/2006/main" xmlns:r="http://schemas.openxmlformats.org/officeDocument/2006/relationships" xmlns:p="http://schemas.openxmlformats.org/presentationml/2006/main">
+  <p:cSld>
+    <p:spTree>
+      <p:nvGrpSpPr>
+        <p:cNvPr id="1" name=""/>
+        <p:cNvGrpSpPr/>
+        <p:nvPr/>
+      </p:nvGrpSpPr>
+      <p:grpSpPr>
+        <a:xfrm>
+          <a:off x="0" y="0"/>
+          <a:ext cx="0" cy="0"/>
+          <a:chOff x="0" y="0"/>
+          <a:chExt cx="0" cy="0"/>
+        </a:xfrm>
+      </p:grpSpPr>
+      <p:grpSp>
+        <p:nvGrpSpPr>
+          <p:cNvPr id="6" name="그룹 5"/>
+          <p:cNvGrpSpPr/>
+          <p:nvPr/>
+        </p:nvGrpSpPr>
+        <p:grpSpPr>
+          <a:xfrm>
+            <a:off x="1347787" y="2238375"/>
+            <a:ext cx="9496426" cy="2891895"/>
+            <a:chOff x="1100138" y="1914525"/>
+            <a:chExt cx="8710614" cy="2891895"/>
+          </a:xfrm>
+        </p:grpSpPr>
+        <p:sp>
+          <p:nvSpPr>
+            <p:cNvPr id="2" name="TextBox 1"/>
+            <p:cNvSpPr txBox="1"/>
+            <p:nvPr/>
+          </p:nvSpPr>
+          <p:spPr>
+            <a:xfrm>
+              <a:off x="1100138" y="1914525"/>
+              <a:ext cx="3795712" cy="646331"/>
+            </a:xfrm>
+            <a:prstGeom prst="rect">
+              <a:avLst/>
+            </a:prstGeom>
+            <a:noFill/>
+          </p:spPr>
+          <p:txBody>
+            <a:bodyPr wrap="square" rtlCol="0">
+              <a:spAutoFit/>
+            </a:bodyPr>
+            <a:lstStyle/>
+            <a:p>
+              <a:r>
+                <a:rPr lang="en-US" altLang="ko-KR" sz="3600" b="1" dirty="0" err="1" smtClean="0">
+                  <a:solidFill>
+                    <a:srgbClr val="FFC000"/>
+                  </a:solidFill>
+                </a:rPr>
+                <a:t>upcasting</a:t>
+              </a:r>
+              <a:endParaRPr lang="ko-KR" altLang="en-US" sz="3600" b="1" dirty="0">
+                <a:solidFill>
+                  <a:srgbClr val="FFC000"/>
+                </a:solidFill>
+              </a:endParaRPr>
+            </a:p>
+          </p:txBody>
+        </p:sp>
+        <p:sp>
+          <p:nvSpPr>
+            <p:cNvPr id="3" name="TextBox 2"/>
+            <p:cNvSpPr txBox="1"/>
+            <p:nvPr/>
+          </p:nvSpPr>
+          <p:spPr>
+            <a:xfrm>
+              <a:off x="1100138" y="3790950"/>
+              <a:ext cx="3795712" cy="646331"/>
+            </a:xfrm>
+            <a:prstGeom prst="rect">
+              <a:avLst/>
+            </a:prstGeom>
+            <a:noFill/>
+          </p:spPr>
+          <p:txBody>
+            <a:bodyPr wrap="square" rtlCol="0">
+              <a:spAutoFit/>
+            </a:bodyPr>
+            <a:lstStyle/>
+            <a:p>
+              <a:r>
+                <a:rPr lang="en-US" altLang="ko-KR" sz="3600" b="1" dirty="0" err="1" smtClean="0">
+                  <a:solidFill>
+                    <a:srgbClr val="FFC000"/>
+                  </a:solidFill>
+                </a:rPr>
+                <a:t>downcasting</a:t>
+              </a:r>
+              <a:endParaRPr lang="ko-KR" altLang="en-US" sz="3600" b="1" dirty="0">
+                <a:solidFill>
+                  <a:srgbClr val="FFC000"/>
+                </a:solidFill>
+              </a:endParaRPr>
+            </a:p>
+          </p:txBody>
+        </p:sp>
+        <p:sp>
+          <p:nvSpPr>
+            <p:cNvPr id="4" name="TextBox 3"/>
+            <p:cNvSpPr txBox="1"/>
+            <p:nvPr/>
+          </p:nvSpPr>
+          <p:spPr>
+            <a:xfrm>
+              <a:off x="4256712" y="2053024"/>
+              <a:ext cx="5554038" cy="923330"/>
+            </a:xfrm>
+            <a:prstGeom prst="rect">
+              <a:avLst/>
+            </a:prstGeom>
+            <a:noFill/>
+          </p:spPr>
+          <p:txBody>
+            <a:bodyPr wrap="square" rtlCol="0">
+              <a:spAutoFit/>
+            </a:bodyPr>
+            <a:lstStyle/>
+            <a:p>
+              <a:pPr algn="r">
+                <a:lnSpc>
+                  <a:spcPct val="150000"/>
+                </a:lnSpc>
+              </a:pPr>
+              <a:r>
+                <a:rPr lang="ko-KR" altLang="en-US" dirty="0" smtClean="0">
+                  <a:solidFill>
+                    <a:srgbClr val="FFC000"/>
+                  </a:solidFill>
+                </a:rPr>
+                <a:t>서브 클래스</a:t>
+              </a:r>
+              <a:r>
+                <a:rPr lang="ko-KR" altLang="en-US" dirty="0" smtClean="0"/>
+                <a:t>의 객체 </a:t>
+              </a:r>
+              <a:r>
+                <a:rPr lang="en-US" altLang="ko-KR" dirty="0" smtClean="0"/>
+                <a:t>=&gt; </a:t>
+              </a:r>
+              <a:r>
+                <a:rPr lang="ko-KR" altLang="en-US" dirty="0" smtClean="0">
+                  <a:solidFill>
+                    <a:srgbClr val="FFC000"/>
+                  </a:solidFill>
+                </a:rPr>
+                <a:t>슈퍼 클래스</a:t>
+              </a:r>
+              <a:r>
+                <a:rPr lang="ko-KR" altLang="en-US" dirty="0" smtClean="0"/>
+                <a:t>의 객체</a:t>
+              </a:r>
+              <a:endParaRPr lang="en-US" altLang="ko-KR" dirty="0" smtClean="0"/>
+            </a:p>
+            <a:p>
+              <a:pPr algn="r">
+                <a:lnSpc>
+                  <a:spcPct val="150000"/>
+                </a:lnSpc>
+              </a:pPr>
+              <a:r>
+                <a:rPr lang="ko-KR" altLang="en-US" b="1" dirty="0" smtClean="0">
+                  <a:solidFill>
+                    <a:srgbClr val="FF5050"/>
+                  </a:solidFill>
+                </a:rPr>
+                <a:t>캐스팅 과정</a:t>
+              </a:r>
+              <a:r>
+                <a:rPr lang="en-US" altLang="ko-KR" b="1" dirty="0" smtClean="0">
+                  <a:solidFill>
+                    <a:srgbClr val="FF5050"/>
+                  </a:solidFill>
+                </a:rPr>
+                <a:t> </a:t>
+              </a:r>
+              <a:r>
+                <a:rPr lang="ko-KR" altLang="en-US" b="1" dirty="0" smtClean="0">
+                  <a:solidFill>
+                    <a:srgbClr val="FF5050"/>
+                  </a:solidFill>
+                </a:rPr>
+                <a:t>생략 가능</a:t>
+              </a:r>
+              <a:endParaRPr lang="ko-KR" altLang="en-US" b="1" dirty="0">
+                <a:solidFill>
+                  <a:srgbClr val="FF5050"/>
+                </a:solidFill>
+              </a:endParaRPr>
+            </a:p>
+          </p:txBody>
+        </p:sp>
+        <p:sp>
+          <p:nvSpPr>
+            <p:cNvPr id="5" name="TextBox 4"/>
+            <p:cNvSpPr txBox="1"/>
+            <p:nvPr/>
+          </p:nvSpPr>
+          <p:spPr>
+            <a:xfrm>
+              <a:off x="5141428" y="3929449"/>
+              <a:ext cx="4669324" cy="876971"/>
+            </a:xfrm>
+            <a:prstGeom prst="rect">
+              <a:avLst/>
+            </a:prstGeom>
+            <a:noFill/>
+          </p:spPr>
+          <p:txBody>
+            <a:bodyPr wrap="square" rtlCol="0">
+              <a:spAutoFit/>
+            </a:bodyPr>
+            <a:lstStyle/>
+            <a:p>
+              <a:pPr algn="r">
+                <a:lnSpc>
+                  <a:spcPct val="150000"/>
+                </a:lnSpc>
+              </a:pPr>
+              <a:r>
+                <a:rPr lang="ko-KR" altLang="en-US" dirty="0" smtClean="0">
+                  <a:solidFill>
+                    <a:srgbClr val="FFC000"/>
+                  </a:solidFill>
+                </a:rPr>
+                <a:t>슈퍼 클래스</a:t>
+              </a:r>
+              <a:r>
+                <a:rPr lang="ko-KR" altLang="en-US" dirty="0" smtClean="0"/>
+                <a:t>의 객체 </a:t>
+              </a:r>
+              <a:r>
+                <a:rPr lang="en-US" altLang="ko-KR" dirty="0" smtClean="0"/>
+                <a:t>=&gt; </a:t>
+              </a:r>
+              <a:r>
+                <a:rPr lang="ko-KR" altLang="en-US" dirty="0" smtClean="0">
+                  <a:solidFill>
+                    <a:srgbClr val="FFC000"/>
+                  </a:solidFill>
+                </a:rPr>
+                <a:t>서브 클래스</a:t>
+              </a:r>
+              <a:r>
+                <a:rPr lang="ko-KR" altLang="en-US" dirty="0" smtClean="0"/>
+                <a:t>의 객체</a:t>
+              </a:r>
+              <a:endParaRPr lang="en-US" altLang="ko-KR" dirty="0" smtClean="0"/>
+            </a:p>
+            <a:p>
+              <a:pPr algn="r">
+                <a:lnSpc>
+                  <a:spcPct val="150000"/>
+                </a:lnSpc>
+              </a:pPr>
+              <a:r>
+                <a:rPr lang="ko-KR" altLang="en-US" b="1" dirty="0">
+                  <a:solidFill>
+                    <a:srgbClr val="FF5050"/>
+                  </a:solidFill>
+                </a:rPr>
+                <a:t>캐</a:t>
+              </a:r>
+              <a:r>
+                <a:rPr lang="ko-KR" altLang="en-US" b="1" dirty="0" smtClean="0">
+                  <a:solidFill>
+                    <a:srgbClr val="FF5050"/>
+                  </a:solidFill>
+                </a:rPr>
+                <a:t>스팅 과정 생략 불가능</a:t>
+              </a:r>
+              <a:endParaRPr lang="ko-KR" altLang="en-US" b="1" dirty="0">
+                <a:solidFill>
+                  <a:srgbClr val="FF5050"/>
+                </a:solidFill>
+              </a:endParaRPr>
+            </a:p>
+          </p:txBody>
+        </p:sp>
+      </p:grpSp>
+    </p:spTree>
+    <p:extLst>
+      <p:ext uri="{BB962C8B-B14F-4D97-AF65-F5344CB8AC3E}">
+        <p14:creationId xmlns:p14="http://schemas.microsoft.com/office/powerpoint/2010/main" val="1915234592"/>
       </p:ext>
     </p:extLst>
   </p:cSld>

--- a/객체이론정리_2.pptx
+++ b/객체이론정리_2.pptx
@@ -16,8 +16,10 @@
     <p:sldId id="268" r:id="rId10"/>
     <p:sldId id="261" r:id="rId11"/>
     <p:sldId id="267" r:id="rId12"/>
-    <p:sldId id="260" r:id="rId13"/>
-    <p:sldId id="259" r:id="rId14"/>
+    <p:sldId id="269" r:id="rId13"/>
+    <p:sldId id="270" r:id="rId14"/>
+    <p:sldId id="260" r:id="rId15"/>
+    <p:sldId id="259" r:id="rId16"/>
   </p:sldIdLst>
   <p:sldSz cx="12192000" cy="6858000"/>
   <p:notesSz cx="6858000" cy="9144000"/>
@@ -3167,7 +3169,7 @@
         </p:nvSpPr>
         <p:spPr>
           <a:xfrm>
-            <a:off x="933449" y="371474"/>
+            <a:off x="848782" y="2047874"/>
             <a:ext cx="3794629" cy="461665"/>
           </a:xfrm>
           <a:prstGeom prst="rect">
@@ -3213,7 +3215,7 @@
         </p:nvSpPr>
         <p:spPr>
           <a:xfrm>
-            <a:off x="7391399" y="371474"/>
+            <a:off x="7137399" y="2047874"/>
             <a:ext cx="3932487" cy="461665"/>
           </a:xfrm>
           <a:prstGeom prst="rect">
@@ -3268,14 +3270,14 @@
           <p:nvPr>
             <p:extLst>
               <p:ext uri="{D42A27DB-BD31-4B8C-83A1-F6EECF244321}">
-                <p14:modId xmlns:p14="http://schemas.microsoft.com/office/powerpoint/2010/main" val="3214851656"/>
+                <p14:modId xmlns:p14="http://schemas.microsoft.com/office/powerpoint/2010/main" val="3493743365"/>
               </p:ext>
             </p:extLst>
           </p:nvPr>
         </p:nvGraphicFramePr>
         <p:xfrm>
-          <a:off x="1565526" y="1119716"/>
-          <a:ext cx="2530476" cy="1737783"/>
+          <a:off x="1480859" y="2796116"/>
+          <a:ext cx="2530476" cy="2317044"/>
         </p:xfrm>
         <a:graphic>
           <a:graphicData uri="http://schemas.openxmlformats.org/drawingml/2006/table">
@@ -3702,6 +3704,151 @@
                   </a:ext>
                 </a:extLst>
               </a:tr>
+              <a:tr h="579261">
+                <a:tc>
+                  <a:txBody>
+                    <a:bodyPr/>
+                    <a:lstStyle/>
+                    <a:p>
+                      <a:pPr algn="ctr" latinLnBrk="1"/>
+                      <a:r>
+                        <a:rPr lang="ko-KR" altLang="en-US" b="1" dirty="0" smtClean="0">
+                          <a:solidFill>
+                            <a:srgbClr val="FFC000"/>
+                          </a:solidFill>
+                        </a:rPr>
+                        <a:t>클래스</a:t>
+                      </a:r>
+                      <a:endParaRPr lang="ko-KR" altLang="en-US" b="1" dirty="0">
+                        <a:solidFill>
+                          <a:srgbClr val="FFC000"/>
+                        </a:solidFill>
+                      </a:endParaRPr>
+                    </a:p>
+                  </a:txBody>
+                  <a:tcPr anchor="ctr">
+                    <a:lnL w="38100" cap="flat" cmpd="sng" algn="ctr">
+                      <a:solidFill>
+                        <a:schemeClr val="tx1"/>
+                      </a:solidFill>
+                      <a:prstDash val="solid"/>
+                      <a:round/>
+                      <a:headEnd type="none" w="med" len="med"/>
+                      <a:tailEnd type="none" w="med" len="med"/>
+                    </a:lnL>
+                    <a:lnR w="38100" cap="flat" cmpd="sng" algn="ctr">
+                      <a:solidFill>
+                        <a:schemeClr val="tx1"/>
+                      </a:solidFill>
+                      <a:prstDash val="solid"/>
+                      <a:round/>
+                      <a:headEnd type="none" w="med" len="med"/>
+                      <a:tailEnd type="none" w="med" len="med"/>
+                    </a:lnR>
+                    <a:lnT w="38100" cap="flat" cmpd="sng" algn="ctr">
+                      <a:solidFill>
+                        <a:schemeClr val="tx1"/>
+                      </a:solidFill>
+                      <a:prstDash val="solid"/>
+                      <a:round/>
+                      <a:headEnd type="none" w="med" len="med"/>
+                      <a:tailEnd type="none" w="med" len="med"/>
+                    </a:lnT>
+                    <a:lnB w="38100" cap="flat" cmpd="sng" algn="ctr">
+                      <a:solidFill>
+                        <a:schemeClr val="tx1"/>
+                      </a:solidFill>
+                      <a:prstDash val="solid"/>
+                      <a:round/>
+                      <a:headEnd type="none" w="med" len="med"/>
+                      <a:tailEnd type="none" w="med" len="med"/>
+                    </a:lnB>
+                    <a:lnTlToBr w="12700" cmpd="sng">
+                      <a:noFill/>
+                      <a:prstDash val="solid"/>
+                    </a:lnTlToBr>
+                    <a:lnBlToTr w="12700" cmpd="sng">
+                      <a:noFill/>
+                      <a:prstDash val="solid"/>
+                    </a:lnBlToTr>
+                    <a:noFill/>
+                  </a:tcPr>
+                </a:tc>
+                <a:tc>
+                  <a:txBody>
+                    <a:bodyPr/>
+                    <a:lstStyle/>
+                    <a:p>
+                      <a:pPr algn="ctr" latinLnBrk="1"/>
+                      <a:r>
+                        <a:rPr lang="ko-KR" altLang="en-US" b="1" dirty="0" smtClean="0">
+                          <a:solidFill>
+                            <a:srgbClr val="FFC000"/>
+                          </a:solidFill>
+                        </a:rPr>
+                        <a:t>동일</a:t>
+                      </a:r>
+                      <a:endParaRPr lang="ko-KR" altLang="en-US" b="1" dirty="0">
+                        <a:solidFill>
+                          <a:srgbClr val="FFC000"/>
+                        </a:solidFill>
+                      </a:endParaRPr>
+                    </a:p>
+                  </a:txBody>
+                  <a:tcPr anchor="ctr">
+                    <a:lnL w="38100" cap="flat" cmpd="sng" algn="ctr">
+                      <a:solidFill>
+                        <a:schemeClr val="tx1"/>
+                      </a:solidFill>
+                      <a:prstDash val="solid"/>
+                      <a:round/>
+                      <a:headEnd type="none" w="med" len="med"/>
+                      <a:tailEnd type="none" w="med" len="med"/>
+                    </a:lnL>
+                    <a:lnR w="38100" cap="flat" cmpd="sng" algn="ctr">
+                      <a:solidFill>
+                        <a:schemeClr val="tx1"/>
+                      </a:solidFill>
+                      <a:prstDash val="solid"/>
+                      <a:round/>
+                      <a:headEnd type="none" w="med" len="med"/>
+                      <a:tailEnd type="none" w="med" len="med"/>
+                    </a:lnR>
+                    <a:lnT w="38100" cap="flat" cmpd="sng" algn="ctr">
+                      <a:solidFill>
+                        <a:schemeClr val="tx1"/>
+                      </a:solidFill>
+                      <a:prstDash val="solid"/>
+                      <a:round/>
+                      <a:headEnd type="none" w="med" len="med"/>
+                      <a:tailEnd type="none" w="med" len="med"/>
+                    </a:lnT>
+                    <a:lnB w="38100" cap="flat" cmpd="sng" algn="ctr">
+                      <a:solidFill>
+                        <a:schemeClr val="tx1"/>
+                      </a:solidFill>
+                      <a:prstDash val="solid"/>
+                      <a:round/>
+                      <a:headEnd type="none" w="med" len="med"/>
+                      <a:tailEnd type="none" w="med" len="med"/>
+                    </a:lnB>
+                    <a:lnTlToBr w="12700" cmpd="sng">
+                      <a:noFill/>
+                      <a:prstDash val="solid"/>
+                    </a:lnTlToBr>
+                    <a:lnBlToTr w="12700" cmpd="sng">
+                      <a:noFill/>
+                      <a:prstDash val="solid"/>
+                    </a:lnBlToTr>
+                    <a:noFill/>
+                  </a:tcPr>
+                </a:tc>
+                <a:extLst>
+                  <a:ext uri="{0D108BD9-81ED-4DB2-BD59-A6C34878D82A}">
+                    <a16:rowId xmlns:a16="http://schemas.microsoft.com/office/drawing/2014/main" val="3336888623"/>
+                  </a:ext>
+                </a:extLst>
+              </a:tr>
             </a:tbl>
           </a:graphicData>
         </a:graphic>
@@ -3715,14 +3862,14 @@
           <p:nvPr>
             <p:extLst>
               <p:ext uri="{D42A27DB-BD31-4B8C-83A1-F6EECF244321}">
-                <p14:modId xmlns:p14="http://schemas.microsoft.com/office/powerpoint/2010/main" val="1622907917"/>
+                <p14:modId xmlns:p14="http://schemas.microsoft.com/office/powerpoint/2010/main" val="2674051974"/>
               </p:ext>
             </p:extLst>
           </p:nvPr>
         </p:nvGraphicFramePr>
         <p:xfrm>
-          <a:off x="8092405" y="1119716"/>
-          <a:ext cx="2530476" cy="1737783"/>
+          <a:off x="7248578" y="2796116"/>
+          <a:ext cx="3710128" cy="2377863"/>
         </p:xfrm>
         <a:graphic>
           <a:graphicData uri="http://schemas.openxmlformats.org/drawingml/2006/table">
@@ -3731,14 +3878,14 @@
                 <a:tableStyleId>{5C22544A-7EE6-4342-B048-85BDC9FD1C3A}</a:tableStyleId>
               </a:tblPr>
               <a:tblGrid>
-                <a:gridCol w="1265238">
+                <a:gridCol w="1855064">
                   <a:extLst>
                     <a:ext uri="{9D8B030D-6E8A-4147-A177-3AD203B41FA5}">
                       <a16:colId xmlns:a16="http://schemas.microsoft.com/office/drawing/2014/main" val="1722217330"/>
                     </a:ext>
                   </a:extLst>
                 </a:gridCol>
-                <a:gridCol w="1265238">
+                <a:gridCol w="1855064">
                   <a:extLst>
                     <a:ext uri="{9D8B030D-6E8A-4147-A177-3AD203B41FA5}">
                       <a16:colId xmlns:a16="http://schemas.microsoft.com/office/drawing/2014/main" val="1916173749"/>
@@ -3828,7 +3975,23 @@
                             <a:srgbClr val="FF5050"/>
                           </a:solidFill>
                         </a:rPr>
-                        <a:t>다름</a:t>
+                        <a:t>같아도 되고 </a:t>
+                      </a:r>
+                      <a:endParaRPr lang="en-US" altLang="ko-KR" b="1" dirty="0" smtClean="0">
+                        <a:solidFill>
+                          <a:srgbClr val="FF5050"/>
+                        </a:solidFill>
+                      </a:endParaRPr>
+                    </a:p>
+                    <a:p>
+                      <a:pPr algn="ctr" latinLnBrk="1"/>
+                      <a:r>
+                        <a:rPr lang="ko-KR" altLang="en-US" b="1" dirty="0" smtClean="0">
+                          <a:solidFill>
+                            <a:srgbClr val="FF5050"/>
+                          </a:solidFill>
+                        </a:rPr>
+                        <a:t>달라도 됨</a:t>
                       </a:r>
                       <a:endParaRPr lang="ko-KR" altLang="en-US" b="1" dirty="0">
                         <a:solidFill>
@@ -4146,6 +4309,151 @@
                 <a:extLst>
                   <a:ext uri="{0D108BD9-81ED-4DB2-BD59-A6C34878D82A}">
                     <a16:rowId xmlns:a16="http://schemas.microsoft.com/office/drawing/2014/main" val="944344961"/>
+                  </a:ext>
+                </a:extLst>
+              </a:tr>
+              <a:tr h="579261">
+                <a:tc>
+                  <a:txBody>
+                    <a:bodyPr/>
+                    <a:lstStyle/>
+                    <a:p>
+                      <a:pPr algn="ctr" latinLnBrk="1"/>
+                      <a:r>
+                        <a:rPr lang="ko-KR" altLang="en-US" b="1" dirty="0" smtClean="0">
+                          <a:solidFill>
+                            <a:srgbClr val="FFC000"/>
+                          </a:solidFill>
+                        </a:rPr>
+                        <a:t>클래스</a:t>
+                      </a:r>
+                      <a:endParaRPr lang="ko-KR" altLang="en-US" b="1" dirty="0">
+                        <a:solidFill>
+                          <a:srgbClr val="FFC000"/>
+                        </a:solidFill>
+                      </a:endParaRPr>
+                    </a:p>
+                  </a:txBody>
+                  <a:tcPr anchor="ctr">
+                    <a:lnL w="38100" cap="flat" cmpd="sng" algn="ctr">
+                      <a:solidFill>
+                        <a:schemeClr val="tx1"/>
+                      </a:solidFill>
+                      <a:prstDash val="solid"/>
+                      <a:round/>
+                      <a:headEnd type="none" w="med" len="med"/>
+                      <a:tailEnd type="none" w="med" len="med"/>
+                    </a:lnL>
+                    <a:lnR w="38100" cap="flat" cmpd="sng" algn="ctr">
+                      <a:solidFill>
+                        <a:schemeClr val="tx1"/>
+                      </a:solidFill>
+                      <a:prstDash val="solid"/>
+                      <a:round/>
+                      <a:headEnd type="none" w="med" len="med"/>
+                      <a:tailEnd type="none" w="med" len="med"/>
+                    </a:lnR>
+                    <a:lnT w="38100" cap="flat" cmpd="sng" algn="ctr">
+                      <a:solidFill>
+                        <a:schemeClr val="tx1"/>
+                      </a:solidFill>
+                      <a:prstDash val="solid"/>
+                      <a:round/>
+                      <a:headEnd type="none" w="med" len="med"/>
+                      <a:tailEnd type="none" w="med" len="med"/>
+                    </a:lnT>
+                    <a:lnB w="38100" cap="flat" cmpd="sng" algn="ctr">
+                      <a:solidFill>
+                        <a:schemeClr val="tx1"/>
+                      </a:solidFill>
+                      <a:prstDash val="solid"/>
+                      <a:round/>
+                      <a:headEnd type="none" w="med" len="med"/>
+                      <a:tailEnd type="none" w="med" len="med"/>
+                    </a:lnB>
+                    <a:lnTlToBr w="12700" cmpd="sng">
+                      <a:noFill/>
+                      <a:prstDash val="solid"/>
+                    </a:lnTlToBr>
+                    <a:lnBlToTr w="12700" cmpd="sng">
+                      <a:noFill/>
+                      <a:prstDash val="solid"/>
+                    </a:lnBlToTr>
+                    <a:noFill/>
+                  </a:tcPr>
+                </a:tc>
+                <a:tc>
+                  <a:txBody>
+                    <a:bodyPr/>
+                    <a:lstStyle/>
+                    <a:p>
+                      <a:pPr algn="ctr" latinLnBrk="1"/>
+                      <a:r>
+                        <a:rPr lang="ko-KR" altLang="en-US" b="1" dirty="0" smtClean="0">
+                          <a:solidFill>
+                            <a:srgbClr val="FFC000"/>
+                          </a:solidFill>
+                        </a:rPr>
+                        <a:t>상속 관계</a:t>
+                      </a:r>
+                      <a:endParaRPr lang="ko-KR" altLang="en-US" b="1" dirty="0">
+                        <a:solidFill>
+                          <a:srgbClr val="FFC000"/>
+                        </a:solidFill>
+                      </a:endParaRPr>
+                    </a:p>
+                  </a:txBody>
+                  <a:tcPr anchor="ctr">
+                    <a:lnL w="38100" cap="flat" cmpd="sng" algn="ctr">
+                      <a:solidFill>
+                        <a:schemeClr val="tx1"/>
+                      </a:solidFill>
+                      <a:prstDash val="solid"/>
+                      <a:round/>
+                      <a:headEnd type="none" w="med" len="med"/>
+                      <a:tailEnd type="none" w="med" len="med"/>
+                    </a:lnL>
+                    <a:lnR w="38100" cap="flat" cmpd="sng" algn="ctr">
+                      <a:solidFill>
+                        <a:schemeClr val="tx1"/>
+                      </a:solidFill>
+                      <a:prstDash val="solid"/>
+                      <a:round/>
+                      <a:headEnd type="none" w="med" len="med"/>
+                      <a:tailEnd type="none" w="med" len="med"/>
+                    </a:lnR>
+                    <a:lnT w="38100" cap="flat" cmpd="sng" algn="ctr">
+                      <a:solidFill>
+                        <a:schemeClr val="tx1"/>
+                      </a:solidFill>
+                      <a:prstDash val="solid"/>
+                      <a:round/>
+                      <a:headEnd type="none" w="med" len="med"/>
+                      <a:tailEnd type="none" w="med" len="med"/>
+                    </a:lnT>
+                    <a:lnB w="38100" cap="flat" cmpd="sng" algn="ctr">
+                      <a:solidFill>
+                        <a:schemeClr val="tx1"/>
+                      </a:solidFill>
+                      <a:prstDash val="solid"/>
+                      <a:round/>
+                      <a:headEnd type="none" w="med" len="med"/>
+                      <a:tailEnd type="none" w="med" len="med"/>
+                    </a:lnB>
+                    <a:lnTlToBr w="12700" cmpd="sng">
+                      <a:noFill/>
+                      <a:prstDash val="solid"/>
+                    </a:lnTlToBr>
+                    <a:lnBlToTr w="12700" cmpd="sng">
+                      <a:noFill/>
+                      <a:prstDash val="solid"/>
+                    </a:lnBlToTr>
+                    <a:noFill/>
+                  </a:tcPr>
+                </a:tc>
+                <a:extLst>
+                  <a:ext uri="{0D108BD9-81ED-4DB2-BD59-A6C34878D82A}">
+                    <a16:rowId xmlns:a16="http://schemas.microsoft.com/office/drawing/2014/main" val="3242322086"/>
                   </a:ext>
                 </a:extLst>
               </a:tr>
@@ -4191,6 +4499,689 @@
         </p:nvSpPr>
         <p:spPr>
           <a:xfrm>
+            <a:off x="3307416" y="1106178"/>
+            <a:ext cx="5577168" cy="646331"/>
+          </a:xfrm>
+          <a:prstGeom prst="rect">
+            <a:avLst/>
+          </a:prstGeom>
+          <a:noFill/>
+        </p:spPr>
+        <p:txBody>
+          <a:bodyPr wrap="none" rtlCol="0">
+            <a:spAutoFit/>
+          </a:bodyPr>
+          <a:lstStyle/>
+          <a:p>
+            <a:r>
+              <a:rPr lang="ko-KR" altLang="en-US" sz="3600" b="1" dirty="0" smtClean="0">
+                <a:solidFill>
+                  <a:srgbClr val="FFC000"/>
+                </a:solidFill>
+              </a:rPr>
+              <a:t>오버로딩 </a:t>
+            </a:r>
+            <a:r>
+              <a:rPr lang="en-US" altLang="ko-KR" sz="3600" b="1" dirty="0" smtClean="0">
+                <a:solidFill>
+                  <a:srgbClr val="FFC000"/>
+                </a:solidFill>
+              </a:rPr>
+              <a:t>(Overloading)</a:t>
+            </a:r>
+            <a:endParaRPr lang="ko-KR" altLang="en-US" sz="3600" b="1" dirty="0">
+              <a:solidFill>
+                <a:srgbClr val="FFC000"/>
+              </a:solidFill>
+            </a:endParaRPr>
+          </a:p>
+        </p:txBody>
+      </p:sp>
+      <p:pic>
+        <p:nvPicPr>
+          <p:cNvPr id="5" name="그림 4"/>
+          <p:cNvPicPr>
+            <a:picLocks noChangeAspect="1"/>
+          </p:cNvPicPr>
+          <p:nvPr/>
+        </p:nvPicPr>
+        <p:blipFill>
+          <a:blip r:embed="rId2"/>
+          <a:stretch>
+            <a:fillRect/>
+          </a:stretch>
+        </p:blipFill>
+        <p:spPr>
+          <a:xfrm>
+            <a:off x="1081990" y="2483894"/>
+            <a:ext cx="10028018" cy="2594174"/>
+          </a:xfrm>
+          <a:prstGeom prst="rect">
+            <a:avLst/>
+          </a:prstGeom>
+        </p:spPr>
+      </p:pic>
+      <p:sp>
+        <p:nvSpPr>
+          <p:cNvPr id="8" name="직사각형 7"/>
+          <p:cNvSpPr/>
+          <p:nvPr/>
+        </p:nvSpPr>
+        <p:spPr>
+          <a:xfrm>
+            <a:off x="684662" y="2081835"/>
+            <a:ext cx="10822675" cy="3398292"/>
+          </a:xfrm>
+          <a:prstGeom prst="rect">
+            <a:avLst/>
+          </a:prstGeom>
+          <a:noFill/>
+          <a:ln w="76200">
+            <a:solidFill>
+              <a:srgbClr val="FFC000"/>
+            </a:solidFill>
+          </a:ln>
+        </p:spPr>
+        <p:style>
+          <a:lnRef idx="2">
+            <a:schemeClr val="accent1">
+              <a:shade val="50000"/>
+            </a:schemeClr>
+          </a:lnRef>
+          <a:fillRef idx="1">
+            <a:schemeClr val="accent1"/>
+          </a:fillRef>
+          <a:effectRef idx="0">
+            <a:schemeClr val="accent1"/>
+          </a:effectRef>
+          <a:fontRef idx="minor">
+            <a:schemeClr val="lt1"/>
+          </a:fontRef>
+        </p:style>
+        <p:txBody>
+          <a:bodyPr rtlCol="0" anchor="ctr"/>
+          <a:lstStyle/>
+          <a:p>
+            <a:pPr algn="ctr"/>
+            <a:endParaRPr lang="ko-KR" altLang="en-US"/>
+          </a:p>
+        </p:txBody>
+      </p:sp>
+    </p:spTree>
+    <p:extLst>
+      <p:ext uri="{BB962C8B-B14F-4D97-AF65-F5344CB8AC3E}">
+        <p14:creationId xmlns:p14="http://schemas.microsoft.com/office/powerpoint/2010/main" val="2779614071"/>
+      </p:ext>
+    </p:extLst>
+  </p:cSld>
+  <p:clrMapOvr>
+    <a:masterClrMapping/>
+  </p:clrMapOvr>
+</p:sld>
+</file>
+
+<file path=ppt/slides/slide13.xml><?xml version="1.0" encoding="utf-8"?>
+<p:sld xmlns:a="http://schemas.openxmlformats.org/drawingml/2006/main" xmlns:r="http://schemas.openxmlformats.org/officeDocument/2006/relationships" xmlns:p="http://schemas.openxmlformats.org/presentationml/2006/main">
+  <p:cSld>
+    <p:spTree>
+      <p:nvGrpSpPr>
+        <p:cNvPr id="1" name=""/>
+        <p:cNvGrpSpPr/>
+        <p:nvPr/>
+      </p:nvGrpSpPr>
+      <p:grpSpPr>
+        <a:xfrm>
+          <a:off x="0" y="0"/>
+          <a:ext cx="0" cy="0"/>
+          <a:chOff x="0" y="0"/>
+          <a:chExt cx="0" cy="0"/>
+        </a:xfrm>
+      </p:grpSpPr>
+      <p:sp>
+        <p:nvSpPr>
+          <p:cNvPr id="3" name="TextBox 2"/>
+          <p:cNvSpPr txBox="1"/>
+          <p:nvPr/>
+        </p:nvSpPr>
+        <p:spPr>
+          <a:xfrm>
+            <a:off x="4129756" y="969701"/>
+            <a:ext cx="3932487" cy="461665"/>
+          </a:xfrm>
+          <a:prstGeom prst="rect">
+            <a:avLst/>
+          </a:prstGeom>
+          <a:noFill/>
+        </p:spPr>
+        <p:txBody>
+          <a:bodyPr wrap="none" rtlCol="0">
+            <a:spAutoFit/>
+          </a:bodyPr>
+          <a:lstStyle/>
+          <a:p>
+            <a:r>
+              <a:rPr lang="ko-KR" altLang="en-US" sz="2400" b="1" dirty="0" err="1" smtClean="0">
+                <a:solidFill>
+                  <a:srgbClr val="FFC000"/>
+                </a:solidFill>
+              </a:rPr>
+              <a:t>오버라이딩</a:t>
+            </a:r>
+            <a:r>
+              <a:rPr lang="ko-KR" altLang="en-US" sz="2400" b="1" dirty="0" smtClean="0">
+                <a:solidFill>
+                  <a:srgbClr val="FFC000"/>
+                </a:solidFill>
+              </a:rPr>
+              <a:t> </a:t>
+            </a:r>
+            <a:r>
+              <a:rPr lang="en-US" altLang="ko-KR" sz="2400" b="1" dirty="0" smtClean="0">
+                <a:solidFill>
+                  <a:srgbClr val="FFC000"/>
+                </a:solidFill>
+              </a:rPr>
+              <a:t>(Overriding)</a:t>
+            </a:r>
+            <a:endParaRPr lang="ko-KR" altLang="en-US" sz="2400" b="1" dirty="0">
+              <a:solidFill>
+                <a:srgbClr val="FFC000"/>
+              </a:solidFill>
+            </a:endParaRPr>
+          </a:p>
+        </p:txBody>
+      </p:sp>
+      <p:grpSp>
+        <p:nvGrpSpPr>
+          <p:cNvPr id="6" name="그룹 5"/>
+          <p:cNvGrpSpPr/>
+          <p:nvPr/>
+        </p:nvGrpSpPr>
+        <p:grpSpPr>
+          <a:xfrm>
+            <a:off x="3004706" y="1879117"/>
+            <a:ext cx="6182588" cy="4191585"/>
+            <a:chOff x="3004706" y="1879117"/>
+            <a:chExt cx="6182588" cy="4191585"/>
+          </a:xfrm>
+        </p:grpSpPr>
+        <p:pic>
+          <p:nvPicPr>
+            <p:cNvPr id="2" name="그림 1"/>
+            <p:cNvPicPr>
+              <a:picLocks noChangeAspect="1"/>
+            </p:cNvPicPr>
+            <p:nvPr/>
+          </p:nvPicPr>
+          <p:blipFill>
+            <a:blip r:embed="rId2"/>
+            <a:stretch>
+              <a:fillRect/>
+            </a:stretch>
+          </p:blipFill>
+          <p:spPr>
+            <a:xfrm>
+              <a:off x="3004706" y="1879117"/>
+              <a:ext cx="6182588" cy="4191585"/>
+            </a:xfrm>
+            <a:prstGeom prst="rect">
+              <a:avLst/>
+            </a:prstGeom>
+          </p:spPr>
+        </p:pic>
+        <p:sp>
+          <p:nvSpPr>
+            <p:cNvPr id="4" name="직사각형 3"/>
+            <p:cNvSpPr/>
+            <p:nvPr/>
+          </p:nvSpPr>
+          <p:spPr>
+            <a:xfrm>
+              <a:off x="4644674" y="3072339"/>
+              <a:ext cx="1931386" cy="303321"/>
+            </a:xfrm>
+            <a:prstGeom prst="rect">
+              <a:avLst/>
+            </a:prstGeom>
+            <a:noFill/>
+            <a:ln w="28575">
+              <a:solidFill>
+                <a:srgbClr val="FF5050"/>
+              </a:solidFill>
+            </a:ln>
+          </p:spPr>
+          <p:style>
+            <a:lnRef idx="2">
+              <a:schemeClr val="accent1">
+                <a:shade val="50000"/>
+              </a:schemeClr>
+            </a:lnRef>
+            <a:fillRef idx="1">
+              <a:schemeClr val="accent1"/>
+            </a:fillRef>
+            <a:effectRef idx="0">
+              <a:schemeClr val="accent1"/>
+            </a:effectRef>
+            <a:fontRef idx="minor">
+              <a:schemeClr val="lt1"/>
+            </a:fontRef>
+          </p:style>
+          <p:txBody>
+            <a:bodyPr rtlCol="0" anchor="ctr"/>
+            <a:lstStyle/>
+            <a:p>
+              <a:pPr algn="ctr"/>
+              <a:endParaRPr lang="ko-KR" altLang="en-US"/>
+            </a:p>
+          </p:txBody>
+        </p:sp>
+        <p:sp>
+          <p:nvSpPr>
+            <p:cNvPr id="5" name="직사각형 4"/>
+            <p:cNvSpPr/>
+            <p:nvPr/>
+          </p:nvSpPr>
+          <p:spPr>
+            <a:xfrm>
+              <a:off x="4644674" y="4542904"/>
+              <a:ext cx="1931386" cy="303321"/>
+            </a:xfrm>
+            <a:prstGeom prst="rect">
+              <a:avLst/>
+            </a:prstGeom>
+            <a:noFill/>
+            <a:ln w="28575">
+              <a:solidFill>
+                <a:srgbClr val="FF5050"/>
+              </a:solidFill>
+            </a:ln>
+          </p:spPr>
+          <p:style>
+            <a:lnRef idx="2">
+              <a:schemeClr val="accent1">
+                <a:shade val="50000"/>
+              </a:schemeClr>
+            </a:lnRef>
+            <a:fillRef idx="1">
+              <a:schemeClr val="accent1"/>
+            </a:fillRef>
+            <a:effectRef idx="0">
+              <a:schemeClr val="accent1"/>
+            </a:effectRef>
+            <a:fontRef idx="minor">
+              <a:schemeClr val="lt1"/>
+            </a:fontRef>
+          </p:style>
+          <p:txBody>
+            <a:bodyPr rtlCol="0" anchor="ctr"/>
+            <a:lstStyle/>
+            <a:p>
+              <a:pPr algn="ctr"/>
+              <a:endParaRPr lang="ko-KR" altLang="en-US"/>
+            </a:p>
+          </p:txBody>
+        </p:sp>
+      </p:grpSp>
+      <p:sp>
+        <p:nvSpPr>
+          <p:cNvPr id="8" name="TextBox 7"/>
+          <p:cNvSpPr txBox="1"/>
+          <p:nvPr/>
+        </p:nvSpPr>
+        <p:spPr>
+          <a:xfrm>
+            <a:off x="3436620" y="3967421"/>
+            <a:ext cx="5494020" cy="276999"/>
+          </a:xfrm>
+          <a:prstGeom prst="rect">
+            <a:avLst/>
+          </a:prstGeom>
+          <a:noFill/>
+        </p:spPr>
+        <p:txBody>
+          <a:bodyPr wrap="square" rtlCol="0">
+            <a:spAutoFit/>
+          </a:bodyPr>
+          <a:lstStyle/>
+          <a:p>
+            <a:r>
+              <a:rPr lang="en-US" altLang="ko-KR" sz="1200" b="1" dirty="0" smtClean="0">
+                <a:solidFill>
+                  <a:schemeClr val="tx2">
+                    <a:lumMod val="60000"/>
+                    <a:lumOff val="40000"/>
+                  </a:schemeClr>
+                </a:solidFill>
+              </a:rPr>
+              <a:t>// </a:t>
+            </a:r>
+            <a:r>
+              <a:rPr lang="ko-KR" altLang="en-US" sz="1200" b="1" dirty="0" smtClean="0">
+                <a:solidFill>
+                  <a:srgbClr val="FFC000"/>
+                </a:solidFill>
+              </a:rPr>
+              <a:t>상속</a:t>
+            </a:r>
+            <a:r>
+              <a:rPr lang="en-US" altLang="ko-KR" sz="1200" b="1" dirty="0" smtClean="0">
+                <a:solidFill>
+                  <a:schemeClr val="tx2">
+                    <a:lumMod val="60000"/>
+                    <a:lumOff val="40000"/>
+                  </a:schemeClr>
+                </a:solidFill>
+              </a:rPr>
+              <a:t>, </a:t>
+            </a:r>
+            <a:r>
+              <a:rPr lang="ko-KR" altLang="en-US" sz="1200" b="1" dirty="0" smtClean="0">
+                <a:solidFill>
+                  <a:srgbClr val="FF5050"/>
+                </a:solidFill>
+              </a:rPr>
+              <a:t>행동 같음</a:t>
+            </a:r>
+            <a:r>
+              <a:rPr lang="en-US" altLang="ko-KR" sz="1200" b="1" dirty="0" smtClean="0">
+                <a:solidFill>
+                  <a:schemeClr val="tx2">
+                    <a:lumMod val="60000"/>
+                    <a:lumOff val="40000"/>
+                  </a:schemeClr>
+                </a:solidFill>
+              </a:rPr>
+              <a:t>, </a:t>
+            </a:r>
+            <a:r>
+              <a:rPr lang="ko-KR" altLang="en-US" sz="1200" b="1" dirty="0" smtClean="0">
+                <a:solidFill>
+                  <a:schemeClr val="tx2">
+                    <a:lumMod val="60000"/>
+                    <a:lumOff val="40000"/>
+                  </a:schemeClr>
+                </a:solidFill>
+              </a:rPr>
+              <a:t>매개변수 같음</a:t>
+            </a:r>
+            <a:r>
+              <a:rPr lang="en-US" altLang="ko-KR" sz="1200" b="1" dirty="0" smtClean="0">
+                <a:solidFill>
+                  <a:schemeClr val="tx2">
+                    <a:lumMod val="60000"/>
+                    <a:lumOff val="40000"/>
+                  </a:schemeClr>
+                </a:solidFill>
+              </a:rPr>
+              <a:t>, </a:t>
+            </a:r>
+            <a:r>
+              <a:rPr lang="ko-KR" altLang="en-US" sz="1200" b="1" dirty="0" smtClean="0">
+                <a:solidFill>
+                  <a:schemeClr val="tx2">
+                    <a:lumMod val="60000"/>
+                    <a:lumOff val="40000"/>
+                  </a:schemeClr>
+                </a:solidFill>
+              </a:rPr>
+              <a:t>의미 같음</a:t>
+            </a:r>
+            <a:endParaRPr lang="ko-KR" altLang="en-US" sz="1200" b="1" dirty="0">
+              <a:solidFill>
+                <a:schemeClr val="tx2">
+                  <a:lumMod val="60000"/>
+                  <a:lumOff val="40000"/>
+                </a:schemeClr>
+              </a:solidFill>
+            </a:endParaRPr>
+          </a:p>
+        </p:txBody>
+      </p:sp>
+      <p:sp>
+        <p:nvSpPr>
+          <p:cNvPr id="9" name="TextBox 8"/>
+          <p:cNvSpPr txBox="1"/>
+          <p:nvPr/>
+        </p:nvSpPr>
+        <p:spPr>
+          <a:xfrm>
+            <a:off x="3436620" y="5615023"/>
+            <a:ext cx="5494020" cy="276999"/>
+          </a:xfrm>
+          <a:prstGeom prst="rect">
+            <a:avLst/>
+          </a:prstGeom>
+          <a:noFill/>
+        </p:spPr>
+        <p:txBody>
+          <a:bodyPr wrap="square" rtlCol="0">
+            <a:spAutoFit/>
+          </a:bodyPr>
+          <a:lstStyle/>
+          <a:p>
+            <a:r>
+              <a:rPr lang="en-US" altLang="ko-KR" sz="1200" b="1" dirty="0" smtClean="0">
+                <a:solidFill>
+                  <a:schemeClr val="tx2">
+                    <a:lumMod val="60000"/>
+                    <a:lumOff val="40000"/>
+                  </a:schemeClr>
+                </a:solidFill>
+              </a:rPr>
+              <a:t>// </a:t>
+            </a:r>
+            <a:r>
+              <a:rPr lang="ko-KR" altLang="en-US" sz="1200" b="1" dirty="0" smtClean="0">
+                <a:solidFill>
+                  <a:srgbClr val="FFC000"/>
+                </a:solidFill>
+              </a:rPr>
+              <a:t>상속</a:t>
+            </a:r>
+            <a:r>
+              <a:rPr lang="en-US" altLang="ko-KR" sz="1200" b="1" dirty="0" smtClean="0">
+                <a:solidFill>
+                  <a:schemeClr val="tx2">
+                    <a:lumMod val="60000"/>
+                    <a:lumOff val="40000"/>
+                  </a:schemeClr>
+                </a:solidFill>
+              </a:rPr>
+              <a:t>, </a:t>
+            </a:r>
+            <a:r>
+              <a:rPr lang="ko-KR" altLang="en-US" sz="1200" b="1" dirty="0" smtClean="0">
+                <a:solidFill>
+                  <a:srgbClr val="FF5050"/>
+                </a:solidFill>
+              </a:rPr>
+              <a:t>행동 다름</a:t>
+            </a:r>
+            <a:r>
+              <a:rPr lang="en-US" altLang="ko-KR" sz="1200" b="1" dirty="0" smtClean="0">
+                <a:solidFill>
+                  <a:schemeClr val="tx2">
+                    <a:lumMod val="60000"/>
+                    <a:lumOff val="40000"/>
+                  </a:schemeClr>
+                </a:solidFill>
+              </a:rPr>
+              <a:t>, </a:t>
+            </a:r>
+            <a:r>
+              <a:rPr lang="ko-KR" altLang="en-US" sz="1200" b="1" dirty="0" smtClean="0">
+                <a:solidFill>
+                  <a:schemeClr val="tx2">
+                    <a:lumMod val="60000"/>
+                    <a:lumOff val="40000"/>
+                  </a:schemeClr>
+                </a:solidFill>
+              </a:rPr>
+              <a:t>매개변수 같음</a:t>
+            </a:r>
+            <a:r>
+              <a:rPr lang="en-US" altLang="ko-KR" sz="1200" b="1" dirty="0" smtClean="0">
+                <a:solidFill>
+                  <a:schemeClr val="tx2">
+                    <a:lumMod val="60000"/>
+                    <a:lumOff val="40000"/>
+                  </a:schemeClr>
+                </a:solidFill>
+              </a:rPr>
+              <a:t>, </a:t>
+            </a:r>
+            <a:r>
+              <a:rPr lang="ko-KR" altLang="en-US" sz="1200" b="1" dirty="0" smtClean="0">
+                <a:solidFill>
+                  <a:schemeClr val="tx2">
+                    <a:lumMod val="60000"/>
+                    <a:lumOff val="40000"/>
+                  </a:schemeClr>
+                </a:solidFill>
+              </a:rPr>
+              <a:t>의미 같음</a:t>
+            </a:r>
+            <a:endParaRPr lang="ko-KR" altLang="en-US" sz="1200" b="1" dirty="0">
+              <a:solidFill>
+                <a:schemeClr val="tx2">
+                  <a:lumMod val="60000"/>
+                  <a:lumOff val="40000"/>
+                </a:schemeClr>
+              </a:solidFill>
+            </a:endParaRPr>
+          </a:p>
+        </p:txBody>
+      </p:sp>
+      <p:sp>
+        <p:nvSpPr>
+          <p:cNvPr id="10" name="직사각형 9"/>
+          <p:cNvSpPr/>
+          <p:nvPr/>
+        </p:nvSpPr>
+        <p:spPr>
+          <a:xfrm>
+            <a:off x="3314150" y="3334135"/>
+            <a:ext cx="1021080" cy="204970"/>
+          </a:xfrm>
+          <a:prstGeom prst="rect">
+            <a:avLst/>
+          </a:prstGeom>
+          <a:noFill/>
+          <a:ln w="12700">
+            <a:solidFill>
+              <a:schemeClr val="tx1"/>
+            </a:solidFill>
+          </a:ln>
+        </p:spPr>
+        <p:style>
+          <a:lnRef idx="2">
+            <a:schemeClr val="accent1">
+              <a:shade val="50000"/>
+            </a:schemeClr>
+          </a:lnRef>
+          <a:fillRef idx="1">
+            <a:schemeClr val="accent1"/>
+          </a:fillRef>
+          <a:effectRef idx="0">
+            <a:schemeClr val="accent1"/>
+          </a:effectRef>
+          <a:fontRef idx="minor">
+            <a:schemeClr val="lt1"/>
+          </a:fontRef>
+        </p:style>
+        <p:txBody>
+          <a:bodyPr rtlCol="0" anchor="ctr"/>
+          <a:lstStyle/>
+          <a:p>
+            <a:pPr algn="ctr"/>
+            <a:endParaRPr lang="ko-KR" altLang="en-US"/>
+          </a:p>
+        </p:txBody>
+      </p:sp>
+      <p:sp>
+        <p:nvSpPr>
+          <p:cNvPr id="11" name="직사각형 10"/>
+          <p:cNvSpPr/>
+          <p:nvPr/>
+        </p:nvSpPr>
+        <p:spPr>
+          <a:xfrm>
+            <a:off x="3314150" y="4808248"/>
+            <a:ext cx="1021080" cy="204970"/>
+          </a:xfrm>
+          <a:prstGeom prst="rect">
+            <a:avLst/>
+          </a:prstGeom>
+          <a:noFill/>
+          <a:ln w="12700">
+            <a:solidFill>
+              <a:schemeClr val="tx1"/>
+            </a:solidFill>
+          </a:ln>
+        </p:spPr>
+        <p:style>
+          <a:lnRef idx="2">
+            <a:schemeClr val="accent1">
+              <a:shade val="50000"/>
+            </a:schemeClr>
+          </a:lnRef>
+          <a:fillRef idx="1">
+            <a:schemeClr val="accent1"/>
+          </a:fillRef>
+          <a:effectRef idx="0">
+            <a:schemeClr val="accent1"/>
+          </a:effectRef>
+          <a:fontRef idx="minor">
+            <a:schemeClr val="lt1"/>
+          </a:fontRef>
+        </p:style>
+        <p:txBody>
+          <a:bodyPr rtlCol="0" anchor="ctr"/>
+          <a:lstStyle/>
+          <a:p>
+            <a:pPr algn="ctr"/>
+            <a:endParaRPr lang="ko-KR" altLang="en-US"/>
+          </a:p>
+        </p:txBody>
+      </p:sp>
+    </p:spTree>
+    <p:extLst>
+      <p:ext uri="{BB962C8B-B14F-4D97-AF65-F5344CB8AC3E}">
+        <p14:creationId xmlns:p14="http://schemas.microsoft.com/office/powerpoint/2010/main" val="3444000613"/>
+      </p:ext>
+    </p:extLst>
+  </p:cSld>
+  <p:clrMapOvr>
+    <a:masterClrMapping/>
+  </p:clrMapOvr>
+</p:sld>
+</file>
+
+<file path=ppt/slides/slide14.xml><?xml version="1.0" encoding="utf-8"?>
+<p:sld xmlns:a="http://schemas.openxmlformats.org/drawingml/2006/main" xmlns:r="http://schemas.openxmlformats.org/officeDocument/2006/relationships" xmlns:p="http://schemas.openxmlformats.org/presentationml/2006/main">
+  <p:cSld>
+    <p:spTree>
+      <p:nvGrpSpPr>
+        <p:cNvPr id="1" name=""/>
+        <p:cNvGrpSpPr/>
+        <p:nvPr/>
+      </p:nvGrpSpPr>
+      <p:grpSpPr>
+        <a:xfrm>
+          <a:off x="0" y="0"/>
+          <a:ext cx="0" cy="0"/>
+          <a:chOff x="0" y="0"/>
+          <a:chExt cx="0" cy="0"/>
+        </a:xfrm>
+      </p:grpSpPr>
+      <p:sp>
+        <p:nvSpPr>
+          <p:cNvPr id="2" name="TextBox 1"/>
+          <p:cNvSpPr txBox="1"/>
+          <p:nvPr/>
+        </p:nvSpPr>
+        <p:spPr>
+          <a:xfrm>
             <a:off x="4459977" y="2967335"/>
             <a:ext cx="3272050" cy="1107996"/>
           </a:xfrm>
@@ -4251,7 +5242,7 @@
 </p:sld>
 </file>
 
-<file path=ppt/slides/slide13.xml><?xml version="1.0" encoding="utf-8"?>
+<file path=ppt/slides/slide15.xml><?xml version="1.0" encoding="utf-8"?>
 <p:sld xmlns:a="http://schemas.openxmlformats.org/drawingml/2006/main" xmlns:r="http://schemas.openxmlformats.org/officeDocument/2006/relationships" xmlns:p="http://schemas.openxmlformats.org/presentationml/2006/main">
   <p:cSld>
     <p:spTree>

--- a/객체이론정리_2.pptx
+++ b/객체이론정리_2.pptx
@@ -19,7 +19,13 @@
     <p:sldId id="269" r:id="rId13"/>
     <p:sldId id="270" r:id="rId14"/>
     <p:sldId id="260" r:id="rId15"/>
-    <p:sldId id="259" r:id="rId16"/>
+    <p:sldId id="271" r:id="rId16"/>
+    <p:sldId id="273" r:id="rId17"/>
+    <p:sldId id="272" r:id="rId18"/>
+    <p:sldId id="274" r:id="rId19"/>
+    <p:sldId id="259" r:id="rId20"/>
+    <p:sldId id="275" r:id="rId21"/>
+    <p:sldId id="276" r:id="rId22"/>
   </p:sldIdLst>
   <p:sldSz cx="12192000" cy="6858000"/>
   <p:notesSz cx="6858000" cy="9144000"/>
@@ -121,7 +127,7 @@
   <p:extLst>
     <p:ext uri="{EFAFB233-063F-42B5-8137-9DF3F51BA10A}">
       <p15:sldGuideLst xmlns:p15="http://schemas.microsoft.com/office/powerpoint/2012/main">
-        <p15:guide id="1" orient="horz" pos="2160" userDrawn="1">
+        <p15:guide id="1" orient="horz" pos="2137" userDrawn="1">
           <p15:clr>
             <a:srgbClr val="A4A3A4"/>
           </p15:clr>
@@ -3270,14 +3276,14 @@
           <p:nvPr>
             <p:extLst>
               <p:ext uri="{D42A27DB-BD31-4B8C-83A1-F6EECF244321}">
-                <p14:modId xmlns:p14="http://schemas.microsoft.com/office/powerpoint/2010/main" val="3493743365"/>
+                <p14:modId xmlns:p14="http://schemas.microsoft.com/office/powerpoint/2010/main" val="2294379975"/>
               </p:ext>
             </p:extLst>
           </p:nvPr>
         </p:nvGraphicFramePr>
         <p:xfrm>
-          <a:off x="1480859" y="2796116"/>
-          <a:ext cx="2530476" cy="2317044"/>
+          <a:off x="1480858" y="2794441"/>
+          <a:ext cx="2530476" cy="2377863"/>
         </p:xfrm>
         <a:graphic>
           <a:graphicData uri="http://schemas.openxmlformats.org/drawingml/2006/table">
@@ -3786,7 +3792,31 @@
                             <a:srgbClr val="FFC000"/>
                           </a:solidFill>
                         </a:rPr>
-                        <a:t>동일</a:t>
+                        <a:t>동일 </a:t>
+                      </a:r>
+                      <a:endParaRPr lang="en-US" altLang="ko-KR" b="1" dirty="0" smtClean="0">
+                        <a:solidFill>
+                          <a:srgbClr val="FFC000"/>
+                        </a:solidFill>
+                      </a:endParaRPr>
+                    </a:p>
+                    <a:p>
+                      <a:pPr algn="ctr" latinLnBrk="1"/>
+                      <a:r>
+                        <a:rPr lang="en-US" altLang="ko-KR" b="1" dirty="0" smtClean="0">
+                          <a:solidFill>
+                            <a:srgbClr val="FFC000"/>
+                          </a:solidFill>
+                        </a:rPr>
+                        <a:t>or </a:t>
+                      </a:r>
+                      <a:r>
+                        <a:rPr lang="ko-KR" altLang="en-US" b="1" dirty="0" smtClean="0">
+                          <a:solidFill>
+                            <a:srgbClr val="FFC000"/>
+                          </a:solidFill>
+                        </a:rPr>
+                        <a:t>상속</a:t>
                       </a:r>
                       <a:endParaRPr lang="ko-KR" altLang="en-US" b="1" dirty="0">
                         <a:solidFill>
@@ -5267,6 +5297,1372 @@
         </p:nvSpPr>
         <p:spPr>
           <a:xfrm>
+            <a:off x="3214442" y="2376825"/>
+            <a:ext cx="5763116" cy="3323987"/>
+          </a:xfrm>
+          <a:prstGeom prst="rect">
+            <a:avLst/>
+          </a:prstGeom>
+          <a:noFill/>
+        </p:spPr>
+        <p:txBody>
+          <a:bodyPr wrap="none" rtlCol="0">
+            <a:spAutoFit/>
+          </a:bodyPr>
+          <a:lstStyle/>
+          <a:p>
+            <a:pPr algn="ctr">
+              <a:lnSpc>
+                <a:spcPct val="150000"/>
+              </a:lnSpc>
+            </a:pPr>
+            <a:r>
+              <a:rPr lang="ko-KR" altLang="en-US" sz="2000" dirty="0" smtClean="0">
+                <a:solidFill>
+                  <a:srgbClr val="FFC000"/>
+                </a:solidFill>
+              </a:rPr>
+              <a:t>선언만</a:t>
+            </a:r>
+            <a:r>
+              <a:rPr lang="ko-KR" altLang="en-US" sz="2000" dirty="0" smtClean="0"/>
+              <a:t> 되어있고 구현은 안되어 있는</a:t>
+            </a:r>
+            <a:endParaRPr lang="en-US" altLang="ko-KR" sz="2000" dirty="0" smtClean="0"/>
+          </a:p>
+          <a:p>
+            <a:pPr algn="ctr">
+              <a:lnSpc>
+                <a:spcPct val="150000"/>
+              </a:lnSpc>
+            </a:pPr>
+            <a:r>
+              <a:rPr lang="ko-KR" altLang="en-US" sz="2000" dirty="0" smtClean="0"/>
+              <a:t>그냥 </a:t>
+            </a:r>
+            <a:r>
+              <a:rPr lang="ko-KR" altLang="en-US" sz="2000" dirty="0" smtClean="0">
+                <a:solidFill>
+                  <a:srgbClr val="FFC000"/>
+                </a:solidFill>
+              </a:rPr>
+              <a:t>설계도</a:t>
+            </a:r>
+            <a:endParaRPr lang="en-US" altLang="ko-KR" sz="2000" dirty="0" smtClean="0">
+              <a:solidFill>
+                <a:srgbClr val="FFC000"/>
+              </a:solidFill>
+            </a:endParaRPr>
+          </a:p>
+          <a:p>
+            <a:pPr algn="ctr">
+              <a:lnSpc>
+                <a:spcPct val="150000"/>
+              </a:lnSpc>
+            </a:pPr>
+            <a:endParaRPr lang="en-US" altLang="ko-KR" sz="2000" dirty="0" smtClean="0"/>
+          </a:p>
+          <a:p>
+            <a:pPr algn="ctr">
+              <a:lnSpc>
+                <a:spcPct val="150000"/>
+              </a:lnSpc>
+            </a:pPr>
+            <a:r>
+              <a:rPr lang="ko-KR" altLang="en-US" sz="2000" dirty="0" smtClean="0">
+                <a:solidFill>
+                  <a:srgbClr val="FFC000"/>
+                </a:solidFill>
+              </a:rPr>
+              <a:t>클래스보다 구체적으로 설계도를 만들 수 있음</a:t>
+            </a:r>
+            <a:endParaRPr lang="en-US" altLang="ko-KR" sz="2000" dirty="0" smtClean="0">
+              <a:solidFill>
+                <a:srgbClr val="FFC000"/>
+              </a:solidFill>
+            </a:endParaRPr>
+          </a:p>
+          <a:p>
+            <a:pPr algn="ctr">
+              <a:lnSpc>
+                <a:spcPct val="150000"/>
+              </a:lnSpc>
+            </a:pPr>
+            <a:endParaRPr lang="en-US" altLang="ko-KR" sz="2000" dirty="0" smtClean="0"/>
+          </a:p>
+          <a:p>
+            <a:pPr algn="ctr">
+              <a:lnSpc>
+                <a:spcPct val="150000"/>
+              </a:lnSpc>
+            </a:pPr>
+            <a:r>
+              <a:rPr lang="ko-KR" altLang="en-US" sz="2000" dirty="0" smtClean="0"/>
+              <a:t>클래스에서는 구체적으로 하기에는</a:t>
+            </a:r>
+            <a:endParaRPr lang="en-US" altLang="ko-KR" sz="2000" dirty="0" smtClean="0"/>
+          </a:p>
+          <a:p>
+            <a:pPr algn="ctr">
+              <a:lnSpc>
+                <a:spcPct val="150000"/>
+              </a:lnSpc>
+            </a:pPr>
+            <a:r>
+              <a:rPr lang="ko-KR" altLang="en-US" sz="2000" dirty="0" smtClean="0"/>
+              <a:t>완전히 구현하기 전에는 에러가 너무 많이 뜸</a:t>
+            </a:r>
+            <a:endParaRPr lang="ko-KR" altLang="en-US" sz="2000" dirty="0"/>
+          </a:p>
+        </p:txBody>
+      </p:sp>
+      <p:sp>
+        <p:nvSpPr>
+          <p:cNvPr id="3" name="TextBox 2"/>
+          <p:cNvSpPr txBox="1"/>
+          <p:nvPr/>
+        </p:nvSpPr>
+        <p:spPr>
+          <a:xfrm>
+            <a:off x="4148992" y="1037939"/>
+            <a:ext cx="3894015" cy="646331"/>
+          </a:xfrm>
+          <a:prstGeom prst="rect">
+            <a:avLst/>
+          </a:prstGeom>
+          <a:noFill/>
+        </p:spPr>
+        <p:txBody>
+          <a:bodyPr wrap="none" rtlCol="0">
+            <a:spAutoFit/>
+          </a:bodyPr>
+          <a:lstStyle/>
+          <a:p>
+            <a:r>
+              <a:rPr lang="ko-KR" altLang="en-US" sz="3600" b="1" dirty="0" smtClean="0">
+                <a:solidFill>
+                  <a:srgbClr val="FFC000"/>
+                </a:solidFill>
+              </a:rPr>
+              <a:t>추상 </a:t>
+            </a:r>
+            <a:r>
+              <a:rPr lang="en-US" altLang="ko-KR" sz="3600" b="1" dirty="0" smtClean="0">
+                <a:solidFill>
+                  <a:srgbClr val="FFC000"/>
+                </a:solidFill>
+              </a:rPr>
+              <a:t>(abstract)</a:t>
+            </a:r>
+            <a:endParaRPr lang="ko-KR" altLang="en-US" sz="3600" b="1" dirty="0">
+              <a:solidFill>
+                <a:srgbClr val="FFC000"/>
+              </a:solidFill>
+            </a:endParaRPr>
+          </a:p>
+        </p:txBody>
+      </p:sp>
+    </p:spTree>
+    <p:extLst>
+      <p:ext uri="{BB962C8B-B14F-4D97-AF65-F5344CB8AC3E}">
+        <p14:creationId xmlns:p14="http://schemas.microsoft.com/office/powerpoint/2010/main" val="1695320318"/>
+      </p:ext>
+    </p:extLst>
+  </p:cSld>
+  <p:clrMapOvr>
+    <a:masterClrMapping/>
+  </p:clrMapOvr>
+</p:sld>
+</file>
+
+<file path=ppt/slides/slide16.xml><?xml version="1.0" encoding="utf-8"?>
+<p:sld xmlns:a="http://schemas.openxmlformats.org/drawingml/2006/main" xmlns:r="http://schemas.openxmlformats.org/officeDocument/2006/relationships" xmlns:p="http://schemas.openxmlformats.org/presentationml/2006/main">
+  <p:cSld>
+    <p:spTree>
+      <p:nvGrpSpPr>
+        <p:cNvPr id="1" name=""/>
+        <p:cNvGrpSpPr/>
+        <p:nvPr/>
+      </p:nvGrpSpPr>
+      <p:grpSpPr>
+        <a:xfrm>
+          <a:off x="0" y="0"/>
+          <a:ext cx="0" cy="0"/>
+          <a:chOff x="0" y="0"/>
+          <a:chExt cx="0" cy="0"/>
+        </a:xfrm>
+      </p:grpSpPr>
+      <p:sp>
+        <p:nvSpPr>
+          <p:cNvPr id="2" name="TextBox 1"/>
+          <p:cNvSpPr txBox="1"/>
+          <p:nvPr/>
+        </p:nvSpPr>
+        <p:spPr>
+          <a:xfrm>
+            <a:off x="3669695" y="2868144"/>
+            <a:ext cx="4852610" cy="1938992"/>
+          </a:xfrm>
+          <a:prstGeom prst="rect">
+            <a:avLst/>
+          </a:prstGeom>
+          <a:noFill/>
+        </p:spPr>
+        <p:txBody>
+          <a:bodyPr wrap="none" rtlCol="0">
+            <a:spAutoFit/>
+          </a:bodyPr>
+          <a:lstStyle/>
+          <a:p>
+            <a:pPr algn="ctr">
+              <a:lnSpc>
+                <a:spcPct val="150000"/>
+              </a:lnSpc>
+            </a:pPr>
+            <a:r>
+              <a:rPr lang="ko-KR" altLang="en-US" sz="2000" dirty="0" smtClean="0"/>
+              <a:t>실제 프로젝트를 설계할 때</a:t>
+            </a:r>
+            <a:r>
+              <a:rPr lang="en-US" altLang="ko-KR" sz="2000" dirty="0" smtClean="0"/>
+              <a:t>,</a:t>
+            </a:r>
+          </a:p>
+          <a:p>
+            <a:pPr algn="ctr">
+              <a:lnSpc>
+                <a:spcPct val="150000"/>
+              </a:lnSpc>
+            </a:pPr>
+            <a:r>
+              <a:rPr lang="ko-KR" altLang="en-US" sz="2000" b="1" dirty="0" smtClean="0">
+                <a:solidFill>
+                  <a:srgbClr val="FFC000"/>
+                </a:solidFill>
+              </a:rPr>
+              <a:t>인터페이스와 </a:t>
+            </a:r>
+            <a:r>
+              <a:rPr lang="ko-KR" altLang="en-US" sz="2000" b="1" dirty="0" err="1" smtClean="0">
+                <a:solidFill>
+                  <a:srgbClr val="FFC000"/>
+                </a:solidFill>
+              </a:rPr>
+              <a:t>추상메소드를</a:t>
+            </a:r>
+            <a:r>
+              <a:rPr lang="ko-KR" altLang="en-US" sz="2000" b="1" dirty="0" smtClean="0">
+                <a:solidFill>
+                  <a:srgbClr val="FFC000"/>
+                </a:solidFill>
+              </a:rPr>
+              <a:t> 통해서</a:t>
+            </a:r>
+            <a:endParaRPr lang="en-US" altLang="ko-KR" sz="2000" b="1" dirty="0" smtClean="0">
+              <a:solidFill>
+                <a:srgbClr val="FFC000"/>
+              </a:solidFill>
+            </a:endParaRPr>
+          </a:p>
+          <a:p>
+            <a:pPr algn="ctr">
+              <a:lnSpc>
+                <a:spcPct val="150000"/>
+              </a:lnSpc>
+            </a:pPr>
+            <a:r>
+              <a:rPr lang="ko-KR" altLang="en-US" sz="2000" dirty="0" smtClean="0"/>
+              <a:t>설계한 후</a:t>
+            </a:r>
+            <a:r>
+              <a:rPr lang="en-US" altLang="ko-KR" sz="2000" dirty="0" smtClean="0"/>
+              <a:t>,</a:t>
+            </a:r>
+          </a:p>
+          <a:p>
+            <a:pPr algn="ctr">
+              <a:lnSpc>
+                <a:spcPct val="150000"/>
+              </a:lnSpc>
+            </a:pPr>
+            <a:r>
+              <a:rPr lang="ko-KR" altLang="en-US" sz="2000" dirty="0" smtClean="0"/>
+              <a:t>그것을 </a:t>
+            </a:r>
+            <a:r>
+              <a:rPr lang="ko-KR" altLang="en-US" sz="2000" dirty="0" smtClean="0">
+                <a:solidFill>
+                  <a:srgbClr val="FFC000"/>
+                </a:solidFill>
+              </a:rPr>
+              <a:t>상속받아 구현</a:t>
+            </a:r>
+            <a:r>
+              <a:rPr lang="ko-KR" altLang="en-US" sz="2000" dirty="0" smtClean="0"/>
+              <a:t>하는 경우가 많음</a:t>
+            </a:r>
+            <a:endParaRPr lang="ko-KR" altLang="en-US" sz="2000" dirty="0"/>
+          </a:p>
+        </p:txBody>
+      </p:sp>
+      <p:sp>
+        <p:nvSpPr>
+          <p:cNvPr id="3" name="TextBox 2"/>
+          <p:cNvSpPr txBox="1"/>
+          <p:nvPr/>
+        </p:nvSpPr>
+        <p:spPr>
+          <a:xfrm>
+            <a:off x="4148992" y="1037939"/>
+            <a:ext cx="3894015" cy="646331"/>
+          </a:xfrm>
+          <a:prstGeom prst="rect">
+            <a:avLst/>
+          </a:prstGeom>
+          <a:noFill/>
+        </p:spPr>
+        <p:txBody>
+          <a:bodyPr wrap="none" rtlCol="0">
+            <a:spAutoFit/>
+          </a:bodyPr>
+          <a:lstStyle/>
+          <a:p>
+            <a:r>
+              <a:rPr lang="ko-KR" altLang="en-US" sz="3600" b="1" dirty="0" smtClean="0">
+                <a:solidFill>
+                  <a:srgbClr val="FFC000"/>
+                </a:solidFill>
+              </a:rPr>
+              <a:t>추상 </a:t>
+            </a:r>
+            <a:r>
+              <a:rPr lang="en-US" altLang="ko-KR" sz="3600" b="1" dirty="0" smtClean="0">
+                <a:solidFill>
+                  <a:srgbClr val="FFC000"/>
+                </a:solidFill>
+              </a:rPr>
+              <a:t>(abstract)</a:t>
+            </a:r>
+            <a:endParaRPr lang="ko-KR" altLang="en-US" sz="3600" b="1" dirty="0">
+              <a:solidFill>
+                <a:srgbClr val="FFC000"/>
+              </a:solidFill>
+            </a:endParaRPr>
+          </a:p>
+        </p:txBody>
+      </p:sp>
+    </p:spTree>
+    <p:extLst>
+      <p:ext uri="{BB962C8B-B14F-4D97-AF65-F5344CB8AC3E}">
+        <p14:creationId xmlns:p14="http://schemas.microsoft.com/office/powerpoint/2010/main" val="58192161"/>
+      </p:ext>
+    </p:extLst>
+  </p:cSld>
+  <p:clrMapOvr>
+    <a:masterClrMapping/>
+  </p:clrMapOvr>
+</p:sld>
+</file>
+
+<file path=ppt/slides/slide17.xml><?xml version="1.0" encoding="utf-8"?>
+<p:sld xmlns:a="http://schemas.openxmlformats.org/drawingml/2006/main" xmlns:r="http://schemas.openxmlformats.org/officeDocument/2006/relationships" xmlns:p="http://schemas.openxmlformats.org/presentationml/2006/main">
+  <p:cSld>
+    <p:spTree>
+      <p:nvGrpSpPr>
+        <p:cNvPr id="1" name=""/>
+        <p:cNvGrpSpPr/>
+        <p:nvPr/>
+      </p:nvGrpSpPr>
+      <p:grpSpPr>
+        <a:xfrm>
+          <a:off x="0" y="0"/>
+          <a:ext cx="0" cy="0"/>
+          <a:chOff x="0" y="0"/>
+          <a:chExt cx="0" cy="0"/>
+        </a:xfrm>
+      </p:grpSpPr>
+      <p:sp>
+        <p:nvSpPr>
+          <p:cNvPr id="3" name="TextBox 2"/>
+          <p:cNvSpPr txBox="1"/>
+          <p:nvPr/>
+        </p:nvSpPr>
+        <p:spPr>
+          <a:xfrm>
+            <a:off x="1670318" y="1162097"/>
+            <a:ext cx="2746265" cy="646331"/>
+          </a:xfrm>
+          <a:prstGeom prst="rect">
+            <a:avLst/>
+          </a:prstGeom>
+          <a:noFill/>
+        </p:spPr>
+        <p:txBody>
+          <a:bodyPr wrap="none" rtlCol="0">
+            <a:spAutoFit/>
+          </a:bodyPr>
+          <a:lstStyle/>
+          <a:p>
+            <a:r>
+              <a:rPr lang="ko-KR" altLang="en-US" sz="3600" b="1" dirty="0" smtClean="0">
+                <a:solidFill>
+                  <a:srgbClr val="FFC000"/>
+                </a:solidFill>
+              </a:rPr>
+              <a:t>추상 </a:t>
+            </a:r>
+            <a:r>
+              <a:rPr lang="ko-KR" altLang="en-US" sz="3600" b="1" dirty="0" err="1" smtClean="0">
+                <a:solidFill>
+                  <a:srgbClr val="FFC000"/>
+                </a:solidFill>
+              </a:rPr>
+              <a:t>메소드</a:t>
+            </a:r>
+            <a:endParaRPr lang="ko-KR" altLang="en-US" sz="3600" b="1" dirty="0">
+              <a:solidFill>
+                <a:srgbClr val="FFC000"/>
+              </a:solidFill>
+            </a:endParaRPr>
+          </a:p>
+        </p:txBody>
+      </p:sp>
+      <p:sp>
+        <p:nvSpPr>
+          <p:cNvPr id="4" name="TextBox 3"/>
+          <p:cNvSpPr txBox="1"/>
+          <p:nvPr/>
+        </p:nvSpPr>
+        <p:spPr>
+          <a:xfrm>
+            <a:off x="892172" y="2823229"/>
+            <a:ext cx="4302558" cy="1138517"/>
+          </a:xfrm>
+          <a:prstGeom prst="rect">
+            <a:avLst/>
+          </a:prstGeom>
+          <a:noFill/>
+        </p:spPr>
+        <p:txBody>
+          <a:bodyPr wrap="square" rtlCol="0">
+            <a:spAutoFit/>
+          </a:bodyPr>
+          <a:lstStyle/>
+          <a:p>
+            <a:pPr algn="ctr">
+              <a:lnSpc>
+                <a:spcPct val="150000"/>
+              </a:lnSpc>
+            </a:pPr>
+            <a:r>
+              <a:rPr lang="ko-KR" altLang="en-US" sz="2400" dirty="0" smtClean="0"/>
+              <a:t>선언만 되어있고</a:t>
+            </a:r>
+            <a:r>
+              <a:rPr lang="en-US" altLang="ko-KR" sz="2400" dirty="0" smtClean="0"/>
+              <a:t>, </a:t>
+            </a:r>
+          </a:p>
+          <a:p>
+            <a:pPr algn="ctr">
+              <a:lnSpc>
+                <a:spcPct val="150000"/>
+              </a:lnSpc>
+            </a:pPr>
+            <a:r>
+              <a:rPr lang="ko-KR" altLang="en-US" sz="2400" dirty="0" smtClean="0"/>
+              <a:t>구현은 </a:t>
+            </a:r>
+            <a:r>
+              <a:rPr lang="ko-KR" altLang="en-US" sz="2400" dirty="0" err="1" smtClean="0"/>
+              <a:t>안되어있는</a:t>
+            </a:r>
+            <a:r>
+              <a:rPr lang="ko-KR" altLang="en-US" sz="2400" dirty="0" smtClean="0"/>
+              <a:t> </a:t>
+            </a:r>
+            <a:r>
+              <a:rPr lang="ko-KR" altLang="en-US" sz="2400" dirty="0" err="1" smtClean="0"/>
+              <a:t>메소드</a:t>
+            </a:r>
+            <a:endParaRPr lang="en-US" altLang="ko-KR" sz="2400" dirty="0" smtClean="0"/>
+          </a:p>
+        </p:txBody>
+      </p:sp>
+      <p:sp>
+        <p:nvSpPr>
+          <p:cNvPr id="5" name="TextBox 4"/>
+          <p:cNvSpPr txBox="1"/>
+          <p:nvPr/>
+        </p:nvSpPr>
+        <p:spPr>
+          <a:xfrm>
+            <a:off x="1039123" y="4399990"/>
+            <a:ext cx="4008656" cy="830997"/>
+          </a:xfrm>
+          <a:prstGeom prst="rect">
+            <a:avLst/>
+          </a:prstGeom>
+          <a:noFill/>
+        </p:spPr>
+        <p:txBody>
+          <a:bodyPr wrap="square" rtlCol="0">
+            <a:spAutoFit/>
+          </a:bodyPr>
+          <a:lstStyle/>
+          <a:p>
+            <a:pPr algn="ctr"/>
+            <a:r>
+              <a:rPr lang="ko-KR" altLang="en-US" sz="2400" dirty="0">
+                <a:solidFill>
+                  <a:srgbClr val="FFC000"/>
+                </a:solidFill>
+              </a:rPr>
+              <a:t>서브 클래스로 </a:t>
+            </a:r>
+            <a:endParaRPr lang="en-US" altLang="ko-KR" sz="2400" dirty="0" smtClean="0">
+              <a:solidFill>
+                <a:srgbClr val="FFC000"/>
+              </a:solidFill>
+            </a:endParaRPr>
+          </a:p>
+          <a:p>
+            <a:pPr algn="ctr"/>
+            <a:r>
+              <a:rPr lang="ko-KR" altLang="en-US" sz="2400" dirty="0" smtClean="0">
+                <a:solidFill>
+                  <a:srgbClr val="FFC000"/>
+                </a:solidFill>
+              </a:rPr>
+              <a:t>오버라이딩해서 </a:t>
+            </a:r>
+            <a:r>
+              <a:rPr lang="ko-KR" altLang="en-US" sz="2400" dirty="0">
+                <a:solidFill>
+                  <a:srgbClr val="FFC000"/>
+                </a:solidFill>
+              </a:rPr>
+              <a:t>구현</a:t>
+            </a:r>
+            <a:endParaRPr lang="ko-KR" altLang="en-US" sz="2400" dirty="0">
+              <a:solidFill>
+                <a:srgbClr val="FFC000"/>
+              </a:solidFill>
+            </a:endParaRPr>
+          </a:p>
+        </p:txBody>
+      </p:sp>
+      <p:sp>
+        <p:nvSpPr>
+          <p:cNvPr id="6" name="직사각형 5"/>
+          <p:cNvSpPr/>
+          <p:nvPr/>
+        </p:nvSpPr>
+        <p:spPr>
+          <a:xfrm>
+            <a:off x="791571" y="2511188"/>
+            <a:ext cx="4503760" cy="3111690"/>
+          </a:xfrm>
+          <a:prstGeom prst="rect">
+            <a:avLst/>
+          </a:prstGeom>
+          <a:noFill/>
+          <a:ln w="76200">
+            <a:solidFill>
+              <a:srgbClr val="FFC000"/>
+            </a:solidFill>
+          </a:ln>
+        </p:spPr>
+        <p:style>
+          <a:lnRef idx="2">
+            <a:schemeClr val="accent1">
+              <a:shade val="50000"/>
+            </a:schemeClr>
+          </a:lnRef>
+          <a:fillRef idx="1">
+            <a:schemeClr val="accent1"/>
+          </a:fillRef>
+          <a:effectRef idx="0">
+            <a:schemeClr val="accent1"/>
+          </a:effectRef>
+          <a:fontRef idx="minor">
+            <a:schemeClr val="lt1"/>
+          </a:fontRef>
+        </p:style>
+        <p:txBody>
+          <a:bodyPr rtlCol="0" anchor="ctr"/>
+          <a:lstStyle/>
+          <a:p>
+            <a:pPr algn="ctr"/>
+            <a:endParaRPr lang="ko-KR" altLang="en-US"/>
+          </a:p>
+        </p:txBody>
+      </p:sp>
+      <p:sp>
+        <p:nvSpPr>
+          <p:cNvPr id="7" name="TextBox 6"/>
+          <p:cNvSpPr txBox="1"/>
+          <p:nvPr/>
+        </p:nvSpPr>
+        <p:spPr>
+          <a:xfrm>
+            <a:off x="7759494" y="1162097"/>
+            <a:ext cx="2746265" cy="646331"/>
+          </a:xfrm>
+          <a:prstGeom prst="rect">
+            <a:avLst/>
+          </a:prstGeom>
+          <a:noFill/>
+        </p:spPr>
+        <p:txBody>
+          <a:bodyPr wrap="none" rtlCol="0">
+            <a:spAutoFit/>
+          </a:bodyPr>
+          <a:lstStyle/>
+          <a:p>
+            <a:r>
+              <a:rPr lang="ko-KR" altLang="en-US" sz="3600" b="1" dirty="0" smtClean="0">
+                <a:solidFill>
+                  <a:srgbClr val="FFC000"/>
+                </a:solidFill>
+              </a:rPr>
+              <a:t>추상 클래스</a:t>
+            </a:r>
+            <a:endParaRPr lang="ko-KR" altLang="en-US" sz="3600" b="1" dirty="0">
+              <a:solidFill>
+                <a:srgbClr val="FFC000"/>
+              </a:solidFill>
+            </a:endParaRPr>
+          </a:p>
+        </p:txBody>
+      </p:sp>
+      <p:sp>
+        <p:nvSpPr>
+          <p:cNvPr id="8" name="TextBox 7"/>
+          <p:cNvSpPr txBox="1"/>
+          <p:nvPr/>
+        </p:nvSpPr>
+        <p:spPr>
+          <a:xfrm>
+            <a:off x="6981348" y="2823229"/>
+            <a:ext cx="4302558" cy="1141018"/>
+          </a:xfrm>
+          <a:prstGeom prst="rect">
+            <a:avLst/>
+          </a:prstGeom>
+          <a:noFill/>
+        </p:spPr>
+        <p:txBody>
+          <a:bodyPr wrap="square" rtlCol="0">
+            <a:spAutoFit/>
+          </a:bodyPr>
+          <a:lstStyle/>
+          <a:p>
+            <a:pPr algn="ctr">
+              <a:lnSpc>
+                <a:spcPct val="150000"/>
+              </a:lnSpc>
+            </a:pPr>
+            <a:r>
+              <a:rPr lang="ko-KR" altLang="en-US" sz="2400" dirty="0" smtClean="0"/>
+              <a:t>추상 </a:t>
+            </a:r>
+            <a:r>
+              <a:rPr lang="ko-KR" altLang="en-US" sz="2400" dirty="0" err="1" smtClean="0"/>
+              <a:t>메소드를</a:t>
+            </a:r>
+            <a:endParaRPr lang="en-US" altLang="ko-KR" sz="2400" dirty="0"/>
+          </a:p>
+          <a:p>
+            <a:pPr algn="ctr">
+              <a:lnSpc>
+                <a:spcPct val="150000"/>
+              </a:lnSpc>
+            </a:pPr>
+            <a:r>
+              <a:rPr lang="ko-KR" altLang="en-US" sz="2400" dirty="0" smtClean="0"/>
+              <a:t>하나라도 가진 클래스</a:t>
+            </a:r>
+            <a:endParaRPr lang="en-US" altLang="ko-KR" sz="2400" dirty="0" smtClean="0"/>
+          </a:p>
+        </p:txBody>
+      </p:sp>
+      <p:sp>
+        <p:nvSpPr>
+          <p:cNvPr id="9" name="TextBox 8"/>
+          <p:cNvSpPr txBox="1"/>
+          <p:nvPr/>
+        </p:nvSpPr>
+        <p:spPr>
+          <a:xfrm>
+            <a:off x="7128299" y="4399990"/>
+            <a:ext cx="4008656" cy="830997"/>
+          </a:xfrm>
+          <a:prstGeom prst="rect">
+            <a:avLst/>
+          </a:prstGeom>
+          <a:noFill/>
+        </p:spPr>
+        <p:txBody>
+          <a:bodyPr wrap="square" rtlCol="0">
+            <a:spAutoFit/>
+          </a:bodyPr>
+          <a:lstStyle/>
+          <a:p>
+            <a:pPr algn="ctr"/>
+            <a:r>
+              <a:rPr lang="ko-KR" altLang="en-US" sz="2400" dirty="0" smtClean="0"/>
+              <a:t>추상 </a:t>
+            </a:r>
+            <a:r>
+              <a:rPr lang="ko-KR" altLang="en-US" sz="2400" dirty="0" err="1" smtClean="0"/>
+              <a:t>메소드가</a:t>
+            </a:r>
+            <a:r>
+              <a:rPr lang="ko-KR" altLang="en-US" sz="2400" dirty="0" smtClean="0"/>
+              <a:t> 없어도</a:t>
+            </a:r>
+            <a:endParaRPr lang="en-US" altLang="ko-KR" sz="2400" dirty="0" smtClean="0"/>
+          </a:p>
+          <a:p>
+            <a:pPr algn="ctr"/>
+            <a:r>
+              <a:rPr lang="en-US" altLang="ko-KR" sz="2400" dirty="0" smtClean="0"/>
+              <a:t>abstract</a:t>
+            </a:r>
+            <a:r>
+              <a:rPr lang="ko-KR" altLang="en-US" sz="2400" dirty="0" smtClean="0"/>
+              <a:t>로 선언된 클래스</a:t>
+            </a:r>
+            <a:endParaRPr lang="ko-KR" altLang="en-US" sz="2400" dirty="0"/>
+          </a:p>
+        </p:txBody>
+      </p:sp>
+      <p:sp>
+        <p:nvSpPr>
+          <p:cNvPr id="10" name="직사각형 9"/>
+          <p:cNvSpPr/>
+          <p:nvPr/>
+        </p:nvSpPr>
+        <p:spPr>
+          <a:xfrm>
+            <a:off x="6880747" y="2511188"/>
+            <a:ext cx="4503760" cy="3111690"/>
+          </a:xfrm>
+          <a:prstGeom prst="rect">
+            <a:avLst/>
+          </a:prstGeom>
+          <a:noFill/>
+          <a:ln w="76200">
+            <a:solidFill>
+              <a:srgbClr val="FFC000"/>
+            </a:solidFill>
+          </a:ln>
+        </p:spPr>
+        <p:style>
+          <a:lnRef idx="2">
+            <a:schemeClr val="accent1">
+              <a:shade val="50000"/>
+            </a:schemeClr>
+          </a:lnRef>
+          <a:fillRef idx="1">
+            <a:schemeClr val="accent1"/>
+          </a:fillRef>
+          <a:effectRef idx="0">
+            <a:schemeClr val="accent1"/>
+          </a:effectRef>
+          <a:fontRef idx="minor">
+            <a:schemeClr val="lt1"/>
+          </a:fontRef>
+        </p:style>
+        <p:txBody>
+          <a:bodyPr rtlCol="0" anchor="ctr"/>
+          <a:lstStyle/>
+          <a:p>
+            <a:pPr algn="ctr"/>
+            <a:endParaRPr lang="ko-KR" altLang="en-US"/>
+          </a:p>
+        </p:txBody>
+      </p:sp>
+    </p:spTree>
+    <p:extLst>
+      <p:ext uri="{BB962C8B-B14F-4D97-AF65-F5344CB8AC3E}">
+        <p14:creationId xmlns:p14="http://schemas.microsoft.com/office/powerpoint/2010/main" val="2834681430"/>
+      </p:ext>
+    </p:extLst>
+  </p:cSld>
+  <p:clrMapOvr>
+    <a:masterClrMapping/>
+  </p:clrMapOvr>
+</p:sld>
+</file>
+
+<file path=ppt/slides/slide18.xml><?xml version="1.0" encoding="utf-8"?>
+<p:sld xmlns:a="http://schemas.openxmlformats.org/drawingml/2006/main" xmlns:r="http://schemas.openxmlformats.org/officeDocument/2006/relationships" xmlns:p="http://schemas.openxmlformats.org/presentationml/2006/main">
+  <p:cSld>
+    <p:spTree>
+      <p:nvGrpSpPr>
+        <p:cNvPr id="1" name=""/>
+        <p:cNvGrpSpPr/>
+        <p:nvPr/>
+      </p:nvGrpSpPr>
+      <p:grpSpPr>
+        <a:xfrm>
+          <a:off x="0" y="0"/>
+          <a:ext cx="0" cy="0"/>
+          <a:chOff x="0" y="0"/>
+          <a:chExt cx="0" cy="0"/>
+        </a:xfrm>
+      </p:grpSpPr>
+      <p:sp>
+        <p:nvSpPr>
+          <p:cNvPr id="2" name="TextBox 1"/>
+          <p:cNvSpPr txBox="1"/>
+          <p:nvPr/>
+        </p:nvSpPr>
+        <p:spPr>
+          <a:xfrm>
+            <a:off x="237304" y="261344"/>
+            <a:ext cx="7705956" cy="646331"/>
+          </a:xfrm>
+          <a:prstGeom prst="rect">
+            <a:avLst/>
+          </a:prstGeom>
+          <a:noFill/>
+        </p:spPr>
+        <p:txBody>
+          <a:bodyPr wrap="none" rtlCol="0">
+            <a:spAutoFit/>
+          </a:bodyPr>
+          <a:lstStyle/>
+          <a:p>
+            <a:r>
+              <a:rPr lang="en-US" altLang="ko-KR" sz="3600" b="1" dirty="0" smtClean="0">
+                <a:solidFill>
+                  <a:srgbClr val="FFC000"/>
+                </a:solidFill>
+              </a:rPr>
+              <a:t>Ex. </a:t>
+            </a:r>
+            <a:r>
+              <a:rPr lang="ko-KR" altLang="en-US" sz="3600" b="1" dirty="0" smtClean="0">
+                <a:solidFill>
+                  <a:srgbClr val="FFC000"/>
+                </a:solidFill>
+              </a:rPr>
+              <a:t>프로젝트로 계산기 프로그래밍</a:t>
+            </a:r>
+            <a:endParaRPr lang="ko-KR" altLang="en-US" sz="3600" b="1" dirty="0">
+              <a:solidFill>
+                <a:srgbClr val="FFC000"/>
+              </a:solidFill>
+            </a:endParaRPr>
+          </a:p>
+        </p:txBody>
+      </p:sp>
+      <p:pic>
+        <p:nvPicPr>
+          <p:cNvPr id="3" name="그림 2"/>
+          <p:cNvPicPr>
+            <a:picLocks noChangeAspect="1"/>
+          </p:cNvPicPr>
+          <p:nvPr/>
+        </p:nvPicPr>
+        <p:blipFill>
+          <a:blip r:embed="rId2"/>
+          <a:stretch>
+            <a:fillRect/>
+          </a:stretch>
+        </p:blipFill>
+        <p:spPr>
+          <a:xfrm>
+            <a:off x="630995" y="1380378"/>
+            <a:ext cx="5858693" cy="1267002"/>
+          </a:xfrm>
+          <a:prstGeom prst="rect">
+            <a:avLst/>
+          </a:prstGeom>
+        </p:spPr>
+      </p:pic>
+      <p:sp>
+        <p:nvSpPr>
+          <p:cNvPr id="4" name="직사각형 3"/>
+          <p:cNvSpPr/>
+          <p:nvPr/>
+        </p:nvSpPr>
+        <p:spPr>
+          <a:xfrm>
+            <a:off x="516891" y="1259840"/>
+            <a:ext cx="6086901" cy="1483360"/>
+          </a:xfrm>
+          <a:prstGeom prst="rect">
+            <a:avLst/>
+          </a:prstGeom>
+          <a:noFill/>
+          <a:ln w="76200">
+            <a:solidFill>
+              <a:schemeClr val="tx1"/>
+            </a:solidFill>
+          </a:ln>
+        </p:spPr>
+        <p:style>
+          <a:lnRef idx="2">
+            <a:schemeClr val="accent1">
+              <a:shade val="50000"/>
+            </a:schemeClr>
+          </a:lnRef>
+          <a:fillRef idx="1">
+            <a:schemeClr val="accent1"/>
+          </a:fillRef>
+          <a:effectRef idx="0">
+            <a:schemeClr val="accent1"/>
+          </a:effectRef>
+          <a:fontRef idx="minor">
+            <a:schemeClr val="lt1"/>
+          </a:fontRef>
+        </p:style>
+        <p:txBody>
+          <a:bodyPr rtlCol="0" anchor="ctr"/>
+          <a:lstStyle/>
+          <a:p>
+            <a:pPr algn="ctr"/>
+            <a:endParaRPr lang="ko-KR" altLang="en-US"/>
+          </a:p>
+        </p:txBody>
+      </p:sp>
+      <p:pic>
+        <p:nvPicPr>
+          <p:cNvPr id="5" name="그림 4"/>
+          <p:cNvPicPr>
+            <a:picLocks noChangeAspect="1"/>
+          </p:cNvPicPr>
+          <p:nvPr/>
+        </p:nvPicPr>
+        <p:blipFill>
+          <a:blip r:embed="rId3"/>
+          <a:stretch>
+            <a:fillRect/>
+          </a:stretch>
+        </p:blipFill>
+        <p:spPr>
+          <a:xfrm>
+            <a:off x="6603792" y="3518161"/>
+            <a:ext cx="5344271" cy="2715004"/>
+          </a:xfrm>
+          <a:prstGeom prst="rect">
+            <a:avLst/>
+          </a:prstGeom>
+        </p:spPr>
+      </p:pic>
+      <p:sp>
+        <p:nvSpPr>
+          <p:cNvPr id="6" name="직사각형 5"/>
+          <p:cNvSpPr/>
+          <p:nvPr/>
+        </p:nvSpPr>
+        <p:spPr>
+          <a:xfrm>
+            <a:off x="6489688" y="3392487"/>
+            <a:ext cx="5247387" cy="2953721"/>
+          </a:xfrm>
+          <a:prstGeom prst="rect">
+            <a:avLst/>
+          </a:prstGeom>
+          <a:noFill/>
+          <a:ln w="76200">
+            <a:solidFill>
+              <a:schemeClr val="tx1"/>
+            </a:solidFill>
+          </a:ln>
+        </p:spPr>
+        <p:style>
+          <a:lnRef idx="2">
+            <a:schemeClr val="accent1">
+              <a:shade val="50000"/>
+            </a:schemeClr>
+          </a:lnRef>
+          <a:fillRef idx="1">
+            <a:schemeClr val="accent1"/>
+          </a:fillRef>
+          <a:effectRef idx="0">
+            <a:schemeClr val="accent1"/>
+          </a:effectRef>
+          <a:fontRef idx="minor">
+            <a:schemeClr val="lt1"/>
+          </a:fontRef>
+        </p:style>
+        <p:txBody>
+          <a:bodyPr rtlCol="0" anchor="ctr"/>
+          <a:lstStyle/>
+          <a:p>
+            <a:pPr algn="ctr"/>
+            <a:endParaRPr lang="ko-KR" altLang="en-US"/>
+          </a:p>
+        </p:txBody>
+      </p:sp>
+      <p:sp>
+        <p:nvSpPr>
+          <p:cNvPr id="7" name="TextBox 6"/>
+          <p:cNvSpPr txBox="1"/>
+          <p:nvPr/>
+        </p:nvSpPr>
+        <p:spPr>
+          <a:xfrm>
+            <a:off x="6965370" y="1883505"/>
+            <a:ext cx="4280339" cy="646331"/>
+          </a:xfrm>
+          <a:prstGeom prst="rect">
+            <a:avLst/>
+          </a:prstGeom>
+          <a:noFill/>
+        </p:spPr>
+        <p:txBody>
+          <a:bodyPr wrap="none" rtlCol="0">
+            <a:spAutoFit/>
+          </a:bodyPr>
+          <a:lstStyle/>
+          <a:p>
+            <a:pPr algn="ctr"/>
+            <a:r>
+              <a:rPr lang="en-US" altLang="ko-KR" dirty="0" smtClean="0"/>
+              <a:t>4</a:t>
+            </a:r>
+            <a:r>
+              <a:rPr lang="ko-KR" altLang="en-US" dirty="0" smtClean="0"/>
+              <a:t>가지의 기능을 가진 계산기를 만들자</a:t>
+            </a:r>
+            <a:endParaRPr lang="en-US" altLang="ko-KR" dirty="0"/>
+          </a:p>
+          <a:p>
+            <a:pPr algn="ctr"/>
+            <a:r>
+              <a:rPr lang="en-US" altLang="ko-KR" dirty="0" smtClean="0"/>
+              <a:t>=&gt; </a:t>
+            </a:r>
+            <a:r>
+              <a:rPr lang="ko-KR" altLang="en-US" dirty="0" smtClean="0"/>
+              <a:t>설계도만 제작</a:t>
+            </a:r>
+            <a:endParaRPr lang="ko-KR" altLang="en-US" dirty="0"/>
+          </a:p>
+        </p:txBody>
+      </p:sp>
+      <p:cxnSp>
+        <p:nvCxnSpPr>
+          <p:cNvPr id="9" name="직선 연결선 8"/>
+          <p:cNvCxnSpPr/>
+          <p:nvPr/>
+        </p:nvCxnSpPr>
+        <p:spPr>
+          <a:xfrm>
+            <a:off x="630995" y="1522779"/>
+            <a:ext cx="842963" cy="0"/>
+          </a:xfrm>
+          <a:prstGeom prst="line">
+            <a:avLst/>
+          </a:prstGeom>
+          <a:ln w="28575"/>
+        </p:spPr>
+        <p:style>
+          <a:lnRef idx="1">
+            <a:schemeClr val="accent1"/>
+          </a:lnRef>
+          <a:fillRef idx="0">
+            <a:schemeClr val="accent1"/>
+          </a:fillRef>
+          <a:effectRef idx="0">
+            <a:schemeClr val="accent1"/>
+          </a:effectRef>
+          <a:fontRef idx="minor">
+            <a:schemeClr val="tx1"/>
+          </a:fontRef>
+        </p:style>
+      </p:cxnSp>
+      <p:cxnSp>
+        <p:nvCxnSpPr>
+          <p:cNvPr id="10" name="직선 연결선 9"/>
+          <p:cNvCxnSpPr/>
+          <p:nvPr/>
+        </p:nvCxnSpPr>
+        <p:spPr>
+          <a:xfrm>
+            <a:off x="992575" y="1734999"/>
+            <a:ext cx="842963" cy="0"/>
+          </a:xfrm>
+          <a:prstGeom prst="line">
+            <a:avLst/>
+          </a:prstGeom>
+          <a:ln w="28575"/>
+        </p:spPr>
+        <p:style>
+          <a:lnRef idx="1">
+            <a:schemeClr val="accent1"/>
+          </a:lnRef>
+          <a:fillRef idx="0">
+            <a:schemeClr val="accent1"/>
+          </a:fillRef>
+          <a:effectRef idx="0">
+            <a:schemeClr val="accent1"/>
+          </a:effectRef>
+          <a:fontRef idx="minor">
+            <a:schemeClr val="tx1"/>
+          </a:fontRef>
+        </p:style>
+      </p:cxnSp>
+      <p:cxnSp>
+        <p:nvCxnSpPr>
+          <p:cNvPr id="11" name="직선 연결선 10"/>
+          <p:cNvCxnSpPr/>
+          <p:nvPr/>
+        </p:nvCxnSpPr>
+        <p:spPr>
+          <a:xfrm>
+            <a:off x="992575" y="1941698"/>
+            <a:ext cx="842963" cy="0"/>
+          </a:xfrm>
+          <a:prstGeom prst="line">
+            <a:avLst/>
+          </a:prstGeom>
+          <a:ln w="28575"/>
+        </p:spPr>
+        <p:style>
+          <a:lnRef idx="1">
+            <a:schemeClr val="accent1"/>
+          </a:lnRef>
+          <a:fillRef idx="0">
+            <a:schemeClr val="accent1"/>
+          </a:fillRef>
+          <a:effectRef idx="0">
+            <a:schemeClr val="accent1"/>
+          </a:effectRef>
+          <a:fontRef idx="minor">
+            <a:schemeClr val="tx1"/>
+          </a:fontRef>
+        </p:style>
+      </p:cxnSp>
+      <p:cxnSp>
+        <p:nvCxnSpPr>
+          <p:cNvPr id="12" name="직선 연결선 11"/>
+          <p:cNvCxnSpPr/>
+          <p:nvPr/>
+        </p:nvCxnSpPr>
+        <p:spPr>
+          <a:xfrm>
+            <a:off x="992574" y="2153744"/>
+            <a:ext cx="842963" cy="0"/>
+          </a:xfrm>
+          <a:prstGeom prst="line">
+            <a:avLst/>
+          </a:prstGeom>
+          <a:ln w="28575"/>
+        </p:spPr>
+        <p:style>
+          <a:lnRef idx="1">
+            <a:schemeClr val="accent1"/>
+          </a:lnRef>
+          <a:fillRef idx="0">
+            <a:schemeClr val="accent1"/>
+          </a:fillRef>
+          <a:effectRef idx="0">
+            <a:schemeClr val="accent1"/>
+          </a:effectRef>
+          <a:fontRef idx="minor">
+            <a:schemeClr val="tx1"/>
+          </a:fontRef>
+        </p:style>
+      </p:cxnSp>
+      <p:cxnSp>
+        <p:nvCxnSpPr>
+          <p:cNvPr id="13" name="직선 연결선 12"/>
+          <p:cNvCxnSpPr/>
+          <p:nvPr/>
+        </p:nvCxnSpPr>
+        <p:spPr>
+          <a:xfrm>
+            <a:off x="992573" y="2358842"/>
+            <a:ext cx="842963" cy="0"/>
+          </a:xfrm>
+          <a:prstGeom prst="line">
+            <a:avLst/>
+          </a:prstGeom>
+          <a:ln w="28575"/>
+        </p:spPr>
+        <p:style>
+          <a:lnRef idx="1">
+            <a:schemeClr val="accent1"/>
+          </a:lnRef>
+          <a:fillRef idx="0">
+            <a:schemeClr val="accent1"/>
+          </a:fillRef>
+          <a:effectRef idx="0">
+            <a:schemeClr val="accent1"/>
+          </a:effectRef>
+          <a:fontRef idx="minor">
+            <a:schemeClr val="tx1"/>
+          </a:fontRef>
+        </p:style>
+      </p:cxnSp>
+      <p:sp>
+        <p:nvSpPr>
+          <p:cNvPr id="15" name="TextBox 14"/>
+          <p:cNvSpPr txBox="1"/>
+          <p:nvPr/>
+        </p:nvSpPr>
+        <p:spPr>
+          <a:xfrm>
+            <a:off x="1430786" y="5048808"/>
+            <a:ext cx="3334567" cy="369332"/>
+          </a:xfrm>
+          <a:prstGeom prst="rect">
+            <a:avLst/>
+          </a:prstGeom>
+          <a:noFill/>
+        </p:spPr>
+        <p:txBody>
+          <a:bodyPr wrap="none" rtlCol="0">
+            <a:spAutoFit/>
+          </a:bodyPr>
+          <a:lstStyle/>
+          <a:p>
+            <a:pPr algn="ctr"/>
+            <a:r>
+              <a:rPr lang="ko-KR" altLang="en-US" dirty="0" smtClean="0"/>
+              <a:t>상속받아서 구체적으로 구현</a:t>
+            </a:r>
+            <a:endParaRPr lang="ko-KR" altLang="en-US" dirty="0"/>
+          </a:p>
+        </p:txBody>
+      </p:sp>
+      <p:sp>
+        <p:nvSpPr>
+          <p:cNvPr id="16" name="TextBox 15"/>
+          <p:cNvSpPr txBox="1"/>
+          <p:nvPr/>
+        </p:nvSpPr>
+        <p:spPr>
+          <a:xfrm>
+            <a:off x="6965370" y="1514173"/>
+            <a:ext cx="2076209" cy="369332"/>
+          </a:xfrm>
+          <a:prstGeom prst="rect">
+            <a:avLst/>
+          </a:prstGeom>
+          <a:noFill/>
+        </p:spPr>
+        <p:txBody>
+          <a:bodyPr wrap="none" rtlCol="0">
+            <a:spAutoFit/>
+          </a:bodyPr>
+          <a:lstStyle/>
+          <a:p>
+            <a:r>
+              <a:rPr lang="en-US" altLang="ko-KR" b="1" dirty="0" smtClean="0">
+                <a:solidFill>
+                  <a:srgbClr val="FFC000"/>
+                </a:solidFill>
+              </a:rPr>
+              <a:t>1. </a:t>
+            </a:r>
+            <a:r>
+              <a:rPr lang="ko-KR" altLang="en-US" b="1" dirty="0" smtClean="0">
+                <a:solidFill>
+                  <a:srgbClr val="FFC000"/>
+                </a:solidFill>
+              </a:rPr>
+              <a:t>프로젝트 설계</a:t>
+            </a:r>
+            <a:endParaRPr lang="ko-KR" altLang="en-US" b="1" dirty="0">
+              <a:solidFill>
+                <a:srgbClr val="FFC000"/>
+              </a:solidFill>
+            </a:endParaRPr>
+          </a:p>
+        </p:txBody>
+      </p:sp>
+      <p:sp>
+        <p:nvSpPr>
+          <p:cNvPr id="17" name="TextBox 16"/>
+          <p:cNvSpPr txBox="1"/>
+          <p:nvPr/>
+        </p:nvSpPr>
+        <p:spPr>
+          <a:xfrm>
+            <a:off x="1473958" y="4634023"/>
+            <a:ext cx="2076209" cy="369332"/>
+          </a:xfrm>
+          <a:prstGeom prst="rect">
+            <a:avLst/>
+          </a:prstGeom>
+          <a:noFill/>
+        </p:spPr>
+        <p:txBody>
+          <a:bodyPr wrap="none" rtlCol="0">
+            <a:spAutoFit/>
+          </a:bodyPr>
+          <a:lstStyle/>
+          <a:p>
+            <a:r>
+              <a:rPr lang="en-US" altLang="ko-KR" b="1" dirty="0" smtClean="0">
+                <a:solidFill>
+                  <a:srgbClr val="FFC000"/>
+                </a:solidFill>
+              </a:rPr>
+              <a:t>2. </a:t>
+            </a:r>
+            <a:r>
+              <a:rPr lang="ko-KR" altLang="en-US" b="1" dirty="0" smtClean="0">
+                <a:solidFill>
+                  <a:srgbClr val="FFC000"/>
+                </a:solidFill>
+              </a:rPr>
+              <a:t>프로젝트 구현</a:t>
+            </a:r>
+            <a:endParaRPr lang="ko-KR" altLang="en-US" b="1" dirty="0">
+              <a:solidFill>
+                <a:srgbClr val="FFC000"/>
+              </a:solidFill>
+            </a:endParaRPr>
+          </a:p>
+        </p:txBody>
+      </p:sp>
+    </p:spTree>
+    <p:extLst>
+      <p:ext uri="{BB962C8B-B14F-4D97-AF65-F5344CB8AC3E}">
+        <p14:creationId xmlns:p14="http://schemas.microsoft.com/office/powerpoint/2010/main" val="1198151568"/>
+      </p:ext>
+    </p:extLst>
+  </p:cSld>
+  <p:clrMapOvr>
+    <a:masterClrMapping/>
+  </p:clrMapOvr>
+</p:sld>
+</file>
+
+<file path=ppt/slides/slide19.xml><?xml version="1.0" encoding="utf-8"?>
+<p:sld xmlns:a="http://schemas.openxmlformats.org/drawingml/2006/main" xmlns:r="http://schemas.openxmlformats.org/officeDocument/2006/relationships" xmlns:p="http://schemas.openxmlformats.org/presentationml/2006/main">
+  <p:cSld>
+    <p:spTree>
+      <p:nvGrpSpPr>
+        <p:cNvPr id="1" name=""/>
+        <p:cNvGrpSpPr/>
+        <p:nvPr/>
+      </p:nvGrpSpPr>
+      <p:grpSpPr>
+        <a:xfrm>
+          <a:off x="0" y="0"/>
+          <a:ext cx="0" cy="0"/>
+          <a:chOff x="0" y="0"/>
+          <a:chExt cx="0" cy="0"/>
+        </a:xfrm>
+      </p:grpSpPr>
+      <p:sp>
+        <p:nvSpPr>
+          <p:cNvPr id="2" name="TextBox 1"/>
+          <p:cNvSpPr txBox="1"/>
+          <p:nvPr/>
+        </p:nvSpPr>
+        <p:spPr>
+          <a:xfrm>
             <a:off x="3190400" y="2967335"/>
             <a:ext cx="5811207" cy="1107996"/>
           </a:xfrm>
@@ -5395,6 +6791,954 @@
     <p:extLst>
       <p:ext uri="{BB962C8B-B14F-4D97-AF65-F5344CB8AC3E}">
         <p14:creationId xmlns:p14="http://schemas.microsoft.com/office/powerpoint/2010/main" val="3291925187"/>
+      </p:ext>
+    </p:extLst>
+  </p:cSld>
+  <p:clrMapOvr>
+    <a:masterClrMapping/>
+  </p:clrMapOvr>
+</p:sld>
+</file>
+
+<file path=ppt/slides/slide20.xml><?xml version="1.0" encoding="utf-8"?>
+<p:sld xmlns:a="http://schemas.openxmlformats.org/drawingml/2006/main" xmlns:r="http://schemas.openxmlformats.org/officeDocument/2006/relationships" xmlns:p="http://schemas.openxmlformats.org/presentationml/2006/main">
+  <p:cSld>
+    <p:spTree>
+      <p:nvGrpSpPr>
+        <p:cNvPr id="1" name=""/>
+        <p:cNvGrpSpPr/>
+        <p:nvPr/>
+      </p:nvGrpSpPr>
+      <p:grpSpPr>
+        <a:xfrm>
+          <a:off x="0" y="0"/>
+          <a:ext cx="0" cy="0"/>
+          <a:chOff x="0" y="0"/>
+          <a:chExt cx="0" cy="0"/>
+        </a:xfrm>
+      </p:grpSpPr>
+      <p:sp>
+        <p:nvSpPr>
+          <p:cNvPr id="2" name="TextBox 1"/>
+          <p:cNvSpPr txBox="1"/>
+          <p:nvPr/>
+        </p:nvSpPr>
+        <p:spPr>
+          <a:xfrm>
+            <a:off x="5069116" y="2845749"/>
+            <a:ext cx="2053767" cy="369332"/>
+          </a:xfrm>
+          <a:prstGeom prst="rect">
+            <a:avLst/>
+          </a:prstGeom>
+          <a:noFill/>
+        </p:spPr>
+        <p:txBody>
+          <a:bodyPr wrap="none" rtlCol="0">
+            <a:spAutoFit/>
+          </a:bodyPr>
+          <a:lstStyle/>
+          <a:p>
+            <a:r>
+              <a:rPr lang="ko-KR" altLang="en-US" dirty="0" smtClean="0">
+                <a:solidFill>
+                  <a:srgbClr val="FFC000"/>
+                </a:solidFill>
+              </a:rPr>
+              <a:t>추상의 확장 개념</a:t>
+            </a:r>
+            <a:endParaRPr lang="ko-KR" altLang="en-US" dirty="0">
+              <a:solidFill>
+                <a:srgbClr val="FFC000"/>
+              </a:solidFill>
+            </a:endParaRPr>
+          </a:p>
+        </p:txBody>
+      </p:sp>
+      <p:sp>
+        <p:nvSpPr>
+          <p:cNvPr id="3" name="TextBox 2"/>
+          <p:cNvSpPr txBox="1"/>
+          <p:nvPr/>
+        </p:nvSpPr>
+        <p:spPr>
+          <a:xfrm>
+            <a:off x="4480814" y="3703670"/>
+            <a:ext cx="3230372" cy="369332"/>
+          </a:xfrm>
+          <a:prstGeom prst="rect">
+            <a:avLst/>
+          </a:prstGeom>
+          <a:noFill/>
+        </p:spPr>
+        <p:txBody>
+          <a:bodyPr wrap="none" rtlCol="0">
+            <a:spAutoFit/>
+          </a:bodyPr>
+          <a:lstStyle/>
+          <a:p>
+            <a:r>
+              <a:rPr lang="ko-KR" altLang="en-US" b="1" dirty="0" smtClean="0">
+                <a:solidFill>
+                  <a:srgbClr val="FFC000"/>
+                </a:solidFill>
+              </a:rPr>
+              <a:t>다중 상속</a:t>
+            </a:r>
+            <a:r>
+              <a:rPr lang="ko-KR" altLang="en-US" dirty="0" smtClean="0"/>
+              <a:t>이 가장 큰 차이점</a:t>
+            </a:r>
+            <a:endParaRPr lang="ko-KR" altLang="en-US" dirty="0"/>
+          </a:p>
+        </p:txBody>
+      </p:sp>
+      <p:sp>
+        <p:nvSpPr>
+          <p:cNvPr id="4" name="TextBox 3"/>
+          <p:cNvSpPr txBox="1"/>
+          <p:nvPr/>
+        </p:nvSpPr>
+        <p:spPr>
+          <a:xfrm>
+            <a:off x="4313300" y="4561591"/>
+            <a:ext cx="3565400" cy="369332"/>
+          </a:xfrm>
+          <a:prstGeom prst="rect">
+            <a:avLst/>
+          </a:prstGeom>
+          <a:noFill/>
+        </p:spPr>
+        <p:txBody>
+          <a:bodyPr wrap="none" rtlCol="0">
+            <a:spAutoFit/>
+          </a:bodyPr>
+          <a:lstStyle/>
+          <a:p>
+            <a:r>
+              <a:rPr lang="ko-KR" altLang="en-US" dirty="0" smtClean="0">
+                <a:solidFill>
+                  <a:srgbClr val="FFC000"/>
+                </a:solidFill>
+              </a:rPr>
+              <a:t>표준 규격</a:t>
+            </a:r>
+            <a:r>
+              <a:rPr lang="ko-KR" altLang="en-US" dirty="0" smtClean="0"/>
+              <a:t>이라고 생각하면 편함</a:t>
+            </a:r>
+            <a:endParaRPr lang="en-US" altLang="ko-KR" dirty="0" smtClean="0"/>
+          </a:p>
+        </p:txBody>
+      </p:sp>
+      <p:sp>
+        <p:nvSpPr>
+          <p:cNvPr id="5" name="TextBox 4"/>
+          <p:cNvSpPr txBox="1"/>
+          <p:nvPr/>
+        </p:nvSpPr>
+        <p:spPr>
+          <a:xfrm>
+            <a:off x="4849505" y="1526163"/>
+            <a:ext cx="2492990" cy="646331"/>
+          </a:xfrm>
+          <a:prstGeom prst="rect">
+            <a:avLst/>
+          </a:prstGeom>
+          <a:noFill/>
+        </p:spPr>
+        <p:txBody>
+          <a:bodyPr wrap="none" rtlCol="0">
+            <a:spAutoFit/>
+          </a:bodyPr>
+          <a:lstStyle/>
+          <a:p>
+            <a:pPr algn="ctr"/>
+            <a:r>
+              <a:rPr lang="ko-KR" altLang="en-US" sz="3600" b="1" smtClean="0">
+                <a:solidFill>
+                  <a:srgbClr val="FFC000"/>
+                </a:solidFill>
+              </a:rPr>
+              <a:t>인터페이스</a:t>
+            </a:r>
+            <a:endParaRPr lang="ko-KR" altLang="en-US" sz="3600" b="1" dirty="0">
+              <a:solidFill>
+                <a:srgbClr val="FFC000"/>
+              </a:solidFill>
+            </a:endParaRPr>
+          </a:p>
+        </p:txBody>
+      </p:sp>
+    </p:spTree>
+    <p:extLst>
+      <p:ext uri="{BB962C8B-B14F-4D97-AF65-F5344CB8AC3E}">
+        <p14:creationId xmlns:p14="http://schemas.microsoft.com/office/powerpoint/2010/main" val="4093687611"/>
+      </p:ext>
+    </p:extLst>
+  </p:cSld>
+  <p:clrMapOvr>
+    <a:masterClrMapping/>
+  </p:clrMapOvr>
+</p:sld>
+</file>
+
+<file path=ppt/slides/slide21.xml><?xml version="1.0" encoding="utf-8"?>
+<p:sld xmlns:a="http://schemas.openxmlformats.org/drawingml/2006/main" xmlns:r="http://schemas.openxmlformats.org/officeDocument/2006/relationships" xmlns:p="http://schemas.openxmlformats.org/presentationml/2006/main">
+  <p:cSld>
+    <p:spTree>
+      <p:nvGrpSpPr>
+        <p:cNvPr id="1" name=""/>
+        <p:cNvGrpSpPr/>
+        <p:nvPr/>
+      </p:nvGrpSpPr>
+      <p:grpSpPr>
+        <a:xfrm>
+          <a:off x="0" y="0"/>
+          <a:ext cx="0" cy="0"/>
+          <a:chOff x="0" y="0"/>
+          <a:chExt cx="0" cy="0"/>
+        </a:xfrm>
+      </p:grpSpPr>
+      <p:sp>
+        <p:nvSpPr>
+          <p:cNvPr id="5" name="TextBox 4"/>
+          <p:cNvSpPr txBox="1"/>
+          <p:nvPr/>
+        </p:nvSpPr>
+        <p:spPr>
+          <a:xfrm>
+            <a:off x="3419626" y="4567343"/>
+            <a:ext cx="5352747" cy="1754326"/>
+          </a:xfrm>
+          <a:prstGeom prst="rect">
+            <a:avLst/>
+          </a:prstGeom>
+          <a:noFill/>
+        </p:spPr>
+        <p:txBody>
+          <a:bodyPr wrap="none" rtlCol="0">
+            <a:spAutoFit/>
+          </a:bodyPr>
+          <a:lstStyle/>
+          <a:p>
+            <a:pPr algn="ctr">
+              <a:lnSpc>
+                <a:spcPct val="150000"/>
+              </a:lnSpc>
+            </a:pPr>
+            <a:r>
+              <a:rPr lang="en-US" altLang="ko-KR" b="1" dirty="0" smtClean="0">
+                <a:solidFill>
+                  <a:srgbClr val="FFC000"/>
+                </a:solidFill>
+              </a:rPr>
+              <a:t>Apple, Samsung, LG</a:t>
+            </a:r>
+            <a:r>
+              <a:rPr lang="ko-KR" altLang="en-US" b="1" dirty="0" smtClean="0"/>
+              <a:t>가 전부 다른 </a:t>
+            </a:r>
+            <a:r>
+              <a:rPr lang="en-US" altLang="ko-KR" b="1" dirty="0" smtClean="0"/>
+              <a:t>OS</a:t>
+            </a:r>
+            <a:r>
+              <a:rPr lang="ko-KR" altLang="en-US" b="1" dirty="0" smtClean="0"/>
+              <a:t>를 쓰고</a:t>
+            </a:r>
+            <a:r>
+              <a:rPr lang="en-US" altLang="ko-KR" b="1" dirty="0" smtClean="0"/>
+              <a:t>,</a:t>
+            </a:r>
+          </a:p>
+          <a:p>
+            <a:pPr algn="ctr">
+              <a:lnSpc>
+                <a:spcPct val="150000"/>
+              </a:lnSpc>
+            </a:pPr>
+            <a:r>
+              <a:rPr lang="en-US" altLang="ko-KR" b="1" dirty="0" smtClean="0">
+                <a:solidFill>
+                  <a:srgbClr val="FFC000"/>
+                </a:solidFill>
+              </a:rPr>
+              <a:t>SKT, LG U+, KT</a:t>
+            </a:r>
+            <a:r>
+              <a:rPr lang="ko-KR" altLang="en-US" b="1" dirty="0" smtClean="0"/>
+              <a:t>가 다른 시스템을 쓰지만</a:t>
+            </a:r>
+            <a:r>
+              <a:rPr lang="en-US" altLang="ko-KR" b="1" dirty="0" smtClean="0"/>
+              <a:t>,</a:t>
+            </a:r>
+          </a:p>
+          <a:p>
+            <a:pPr algn="ctr">
+              <a:lnSpc>
+                <a:spcPct val="150000"/>
+              </a:lnSpc>
+            </a:pPr>
+            <a:r>
+              <a:rPr lang="ko-KR" altLang="en-US" b="1" dirty="0" smtClean="0"/>
+              <a:t>이 </a:t>
+            </a:r>
+            <a:r>
+              <a:rPr lang="ko-KR" altLang="en-US" b="1" dirty="0" smtClean="0">
+                <a:solidFill>
+                  <a:srgbClr val="FFC000"/>
+                </a:solidFill>
+              </a:rPr>
+              <a:t>통신 규격</a:t>
+            </a:r>
+            <a:r>
+              <a:rPr lang="en-US" altLang="ko-KR" b="1" dirty="0" smtClean="0">
+                <a:solidFill>
+                  <a:srgbClr val="FFC000"/>
+                </a:solidFill>
+              </a:rPr>
+              <a:t>(</a:t>
+            </a:r>
+            <a:r>
+              <a:rPr lang="ko-KR" altLang="en-US" b="1" dirty="0" smtClean="0">
+                <a:solidFill>
+                  <a:srgbClr val="FFC000"/>
+                </a:solidFill>
+              </a:rPr>
+              <a:t>인터페이스</a:t>
+            </a:r>
+            <a:r>
+              <a:rPr lang="en-US" altLang="ko-KR" b="1" dirty="0" smtClean="0">
+                <a:solidFill>
+                  <a:srgbClr val="FFC000"/>
+                </a:solidFill>
+              </a:rPr>
+              <a:t>)</a:t>
+            </a:r>
+            <a:r>
+              <a:rPr lang="ko-KR" altLang="en-US" b="1" dirty="0" smtClean="0">
+                <a:solidFill>
+                  <a:srgbClr val="FFC000"/>
+                </a:solidFill>
+              </a:rPr>
+              <a:t>만 지키면</a:t>
+            </a:r>
+            <a:r>
+              <a:rPr lang="en-US" altLang="ko-KR" b="1" dirty="0" smtClean="0">
+                <a:solidFill>
+                  <a:srgbClr val="FFC000"/>
+                </a:solidFill>
+              </a:rPr>
+              <a:t>(</a:t>
+            </a:r>
+            <a:r>
+              <a:rPr lang="ko-KR" altLang="en-US" b="1" dirty="0" smtClean="0">
+                <a:solidFill>
+                  <a:srgbClr val="FFC000"/>
+                </a:solidFill>
+              </a:rPr>
+              <a:t>구현하면</a:t>
+            </a:r>
+            <a:r>
+              <a:rPr lang="en-US" altLang="ko-KR" b="1" dirty="0" smtClean="0">
+                <a:solidFill>
+                  <a:srgbClr val="FFC000"/>
+                </a:solidFill>
+              </a:rPr>
+              <a:t>),</a:t>
+            </a:r>
+          </a:p>
+          <a:p>
+            <a:pPr algn="ctr">
+              <a:lnSpc>
+                <a:spcPct val="150000"/>
+              </a:lnSpc>
+            </a:pPr>
+            <a:r>
+              <a:rPr lang="ko-KR" altLang="en-US" b="1" dirty="0" smtClean="0"/>
+              <a:t>서로 통신이 가능하다</a:t>
+            </a:r>
+            <a:r>
+              <a:rPr lang="en-US" altLang="ko-KR" b="1" dirty="0" smtClean="0"/>
+              <a:t>.</a:t>
+            </a:r>
+            <a:endParaRPr lang="ko-KR" altLang="en-US" b="1" dirty="0"/>
+          </a:p>
+        </p:txBody>
+      </p:sp>
+      <p:grpSp>
+        <p:nvGrpSpPr>
+          <p:cNvPr id="36" name="그룹 35"/>
+          <p:cNvGrpSpPr/>
+          <p:nvPr/>
+        </p:nvGrpSpPr>
+        <p:grpSpPr>
+          <a:xfrm>
+            <a:off x="1659308" y="925100"/>
+            <a:ext cx="8873383" cy="2933904"/>
+            <a:chOff x="1734795" y="1830954"/>
+            <a:chExt cx="8873383" cy="2933904"/>
+          </a:xfrm>
+        </p:grpSpPr>
+        <p:sp>
+          <p:nvSpPr>
+            <p:cNvPr id="3" name="직사각형 2"/>
+            <p:cNvSpPr/>
+            <p:nvPr/>
+          </p:nvSpPr>
+          <p:spPr>
+            <a:xfrm>
+              <a:off x="5207235" y="2358255"/>
+              <a:ext cx="1777525" cy="2076628"/>
+            </a:xfrm>
+            <a:prstGeom prst="rect">
+              <a:avLst/>
+            </a:prstGeom>
+            <a:noFill/>
+            <a:ln w="76200">
+              <a:solidFill>
+                <a:schemeClr val="tx1"/>
+              </a:solidFill>
+            </a:ln>
+          </p:spPr>
+          <p:style>
+            <a:lnRef idx="2">
+              <a:schemeClr val="accent1">
+                <a:shade val="50000"/>
+              </a:schemeClr>
+            </a:lnRef>
+            <a:fillRef idx="1">
+              <a:schemeClr val="accent1"/>
+            </a:fillRef>
+            <a:effectRef idx="0">
+              <a:schemeClr val="accent1"/>
+            </a:effectRef>
+            <a:fontRef idx="minor">
+              <a:schemeClr val="lt1"/>
+            </a:fontRef>
+          </p:style>
+          <p:txBody>
+            <a:bodyPr rtlCol="0" anchor="ctr"/>
+            <a:lstStyle/>
+            <a:p>
+              <a:pPr algn="ctr">
+                <a:lnSpc>
+                  <a:spcPct val="200000"/>
+                </a:lnSpc>
+              </a:pPr>
+              <a:r>
+                <a:rPr lang="en-US" altLang="ko-KR" b="1" dirty="0" err="1" smtClean="0">
+                  <a:solidFill>
+                    <a:srgbClr val="FFC000"/>
+                  </a:solidFill>
+                </a:rPr>
+                <a:t>sendCall</a:t>
+              </a:r>
+              <a:r>
+                <a:rPr lang="en-US" altLang="ko-KR" b="1" dirty="0" smtClean="0">
+                  <a:solidFill>
+                    <a:srgbClr val="FFC000"/>
+                  </a:solidFill>
+                </a:rPr>
+                <a:t>()</a:t>
+              </a:r>
+            </a:p>
+            <a:p>
+              <a:pPr algn="ctr">
+                <a:lnSpc>
+                  <a:spcPct val="200000"/>
+                </a:lnSpc>
+              </a:pPr>
+              <a:r>
+                <a:rPr lang="en-US" altLang="ko-KR" b="1" dirty="0" err="1" smtClean="0">
+                  <a:solidFill>
+                    <a:srgbClr val="FFC000"/>
+                  </a:solidFill>
+                </a:rPr>
+                <a:t>reciveCall</a:t>
+              </a:r>
+              <a:r>
+                <a:rPr lang="en-US" altLang="ko-KR" b="1" dirty="0" smtClean="0">
+                  <a:solidFill>
+                    <a:srgbClr val="FFC000"/>
+                  </a:solidFill>
+                </a:rPr>
+                <a:t>()</a:t>
+              </a:r>
+              <a:endParaRPr lang="ko-KR" altLang="en-US" b="1" dirty="0">
+                <a:solidFill>
+                  <a:srgbClr val="FFC000"/>
+                </a:solidFill>
+              </a:endParaRPr>
+            </a:p>
+          </p:txBody>
+        </p:sp>
+        <p:sp>
+          <p:nvSpPr>
+            <p:cNvPr id="4" name="TextBox 3"/>
+            <p:cNvSpPr txBox="1"/>
+            <p:nvPr/>
+          </p:nvSpPr>
+          <p:spPr>
+            <a:xfrm>
+              <a:off x="5506369" y="1830954"/>
+              <a:ext cx="1179262" cy="523220"/>
+            </a:xfrm>
+            <a:prstGeom prst="rect">
+              <a:avLst/>
+            </a:prstGeom>
+            <a:noFill/>
+          </p:spPr>
+          <p:txBody>
+            <a:bodyPr wrap="square" rtlCol="0">
+              <a:spAutoFit/>
+            </a:bodyPr>
+            <a:lstStyle/>
+            <a:p>
+              <a:pPr algn="ctr"/>
+              <a:r>
+                <a:rPr lang="ko-KR" altLang="en-US" sz="1400" b="1" dirty="0" smtClean="0"/>
+                <a:t>한국 통신</a:t>
+              </a:r>
+              <a:endParaRPr lang="en-US" altLang="ko-KR" sz="1400" b="1" dirty="0" smtClean="0"/>
+            </a:p>
+            <a:p>
+              <a:pPr algn="ctr"/>
+              <a:r>
+                <a:rPr lang="ko-KR" altLang="en-US" sz="1400" b="1" dirty="0" smtClean="0"/>
+                <a:t>인터페이스</a:t>
+              </a:r>
+              <a:endParaRPr lang="ko-KR" altLang="en-US" sz="1400" b="1" dirty="0"/>
+            </a:p>
+          </p:txBody>
+        </p:sp>
+        <p:sp>
+          <p:nvSpPr>
+            <p:cNvPr id="6" name="TextBox 5"/>
+            <p:cNvSpPr txBox="1"/>
+            <p:nvPr/>
+          </p:nvSpPr>
+          <p:spPr>
+            <a:xfrm>
+              <a:off x="1734796" y="2053914"/>
+              <a:ext cx="1367327" cy="523220"/>
+            </a:xfrm>
+            <a:prstGeom prst="rect">
+              <a:avLst/>
+            </a:prstGeom>
+            <a:noFill/>
+          </p:spPr>
+          <p:txBody>
+            <a:bodyPr wrap="square" rtlCol="0">
+              <a:spAutoFit/>
+            </a:bodyPr>
+            <a:lstStyle/>
+            <a:p>
+              <a:pPr algn="ctr"/>
+              <a:r>
+                <a:rPr lang="en-US" altLang="ko-KR" sz="2800" b="1" dirty="0" smtClean="0"/>
+                <a:t>SKT</a:t>
+              </a:r>
+              <a:endParaRPr lang="ko-KR" altLang="en-US" sz="2800" b="1" dirty="0"/>
+            </a:p>
+          </p:txBody>
+        </p:sp>
+        <p:sp>
+          <p:nvSpPr>
+            <p:cNvPr id="7" name="TextBox 6"/>
+            <p:cNvSpPr txBox="1"/>
+            <p:nvPr/>
+          </p:nvSpPr>
+          <p:spPr>
+            <a:xfrm>
+              <a:off x="1734795" y="3147776"/>
+              <a:ext cx="1367327" cy="523220"/>
+            </a:xfrm>
+            <a:prstGeom prst="rect">
+              <a:avLst/>
+            </a:prstGeom>
+            <a:noFill/>
+          </p:spPr>
+          <p:txBody>
+            <a:bodyPr wrap="square" rtlCol="0">
+              <a:spAutoFit/>
+            </a:bodyPr>
+            <a:lstStyle/>
+            <a:p>
+              <a:pPr algn="ctr"/>
+              <a:r>
+                <a:rPr lang="en-US" altLang="ko-KR" sz="2800" b="1" dirty="0" smtClean="0"/>
+                <a:t>LG U+</a:t>
+              </a:r>
+              <a:endParaRPr lang="ko-KR" altLang="en-US" sz="2800" b="1" dirty="0"/>
+            </a:p>
+          </p:txBody>
+        </p:sp>
+        <p:sp>
+          <p:nvSpPr>
+            <p:cNvPr id="8" name="TextBox 7"/>
+            <p:cNvSpPr txBox="1"/>
+            <p:nvPr/>
+          </p:nvSpPr>
+          <p:spPr>
+            <a:xfrm>
+              <a:off x="1734795" y="4241638"/>
+              <a:ext cx="1367327" cy="523220"/>
+            </a:xfrm>
+            <a:prstGeom prst="rect">
+              <a:avLst/>
+            </a:prstGeom>
+            <a:noFill/>
+          </p:spPr>
+          <p:txBody>
+            <a:bodyPr wrap="square" rtlCol="0">
+              <a:spAutoFit/>
+            </a:bodyPr>
+            <a:lstStyle/>
+            <a:p>
+              <a:pPr algn="ctr"/>
+              <a:r>
+                <a:rPr lang="en-US" altLang="ko-KR" sz="2800" b="1" dirty="0" smtClean="0"/>
+                <a:t>KT</a:t>
+              </a:r>
+              <a:endParaRPr lang="ko-KR" altLang="en-US" sz="2800" b="1" dirty="0"/>
+            </a:p>
+          </p:txBody>
+        </p:sp>
+        <p:sp>
+          <p:nvSpPr>
+            <p:cNvPr id="9" name="TextBox 8"/>
+            <p:cNvSpPr txBox="1"/>
+            <p:nvPr/>
+          </p:nvSpPr>
+          <p:spPr>
+            <a:xfrm>
+              <a:off x="9089876" y="2053914"/>
+              <a:ext cx="1367327" cy="523220"/>
+            </a:xfrm>
+            <a:prstGeom prst="rect">
+              <a:avLst/>
+            </a:prstGeom>
+            <a:noFill/>
+          </p:spPr>
+          <p:txBody>
+            <a:bodyPr wrap="square" rtlCol="0">
+              <a:spAutoFit/>
+            </a:bodyPr>
+            <a:lstStyle/>
+            <a:p>
+              <a:pPr algn="ctr"/>
+              <a:r>
+                <a:rPr lang="en-US" altLang="ko-KR" sz="2800" b="1" dirty="0" smtClean="0"/>
+                <a:t>Apple</a:t>
+              </a:r>
+              <a:endParaRPr lang="ko-KR" altLang="en-US" sz="2800" b="1" dirty="0"/>
+            </a:p>
+          </p:txBody>
+        </p:sp>
+        <p:sp>
+          <p:nvSpPr>
+            <p:cNvPr id="10" name="TextBox 9"/>
+            <p:cNvSpPr txBox="1"/>
+            <p:nvPr/>
+          </p:nvSpPr>
+          <p:spPr>
+            <a:xfrm>
+              <a:off x="8938898" y="3147776"/>
+              <a:ext cx="1669280" cy="523220"/>
+            </a:xfrm>
+            <a:prstGeom prst="rect">
+              <a:avLst/>
+            </a:prstGeom>
+            <a:noFill/>
+          </p:spPr>
+          <p:txBody>
+            <a:bodyPr wrap="square" rtlCol="0">
+              <a:spAutoFit/>
+            </a:bodyPr>
+            <a:lstStyle/>
+            <a:p>
+              <a:pPr algn="ctr"/>
+              <a:r>
+                <a:rPr lang="en-US" altLang="ko-KR" sz="2800" b="1" dirty="0" smtClean="0"/>
+                <a:t>Samsung</a:t>
+              </a:r>
+              <a:endParaRPr lang="ko-KR" altLang="en-US" sz="2800" b="1" dirty="0"/>
+            </a:p>
+          </p:txBody>
+        </p:sp>
+        <p:sp>
+          <p:nvSpPr>
+            <p:cNvPr id="11" name="TextBox 10"/>
+            <p:cNvSpPr txBox="1"/>
+            <p:nvPr/>
+          </p:nvSpPr>
+          <p:spPr>
+            <a:xfrm>
+              <a:off x="9089875" y="4241638"/>
+              <a:ext cx="1367327" cy="523220"/>
+            </a:xfrm>
+            <a:prstGeom prst="rect">
+              <a:avLst/>
+            </a:prstGeom>
+            <a:noFill/>
+          </p:spPr>
+          <p:txBody>
+            <a:bodyPr wrap="square" rtlCol="0">
+              <a:spAutoFit/>
+            </a:bodyPr>
+            <a:lstStyle/>
+            <a:p>
+              <a:pPr algn="ctr"/>
+              <a:r>
+                <a:rPr lang="en-US" altLang="ko-KR" sz="2800" b="1" dirty="0" smtClean="0"/>
+                <a:t>LG</a:t>
+              </a:r>
+              <a:endParaRPr lang="ko-KR" altLang="en-US" sz="2800" b="1" dirty="0"/>
+            </a:p>
+          </p:txBody>
+        </p:sp>
+        <p:cxnSp>
+          <p:nvCxnSpPr>
+            <p:cNvPr id="13" name="직선 화살표 연결선 12"/>
+            <p:cNvCxnSpPr>
+              <a:stCxn id="3" idx="1"/>
+              <a:endCxn id="6" idx="3"/>
+            </p:cNvCxnSpPr>
+            <p:nvPr/>
+          </p:nvCxnSpPr>
+          <p:spPr>
+            <a:xfrm flipH="1" flipV="1">
+              <a:off x="3102123" y="2315524"/>
+              <a:ext cx="2105112" cy="1081045"/>
+            </a:xfrm>
+            <a:prstGeom prst="straightConnector1">
+              <a:avLst/>
+            </a:prstGeom>
+            <a:ln w="38100">
+              <a:solidFill>
+                <a:schemeClr val="tx1"/>
+              </a:solidFill>
+              <a:tailEnd type="triangle"/>
+            </a:ln>
+          </p:spPr>
+          <p:style>
+            <a:lnRef idx="1">
+              <a:schemeClr val="accent1"/>
+            </a:lnRef>
+            <a:fillRef idx="0">
+              <a:schemeClr val="accent1"/>
+            </a:fillRef>
+            <a:effectRef idx="0">
+              <a:schemeClr val="accent1"/>
+            </a:effectRef>
+            <a:fontRef idx="minor">
+              <a:schemeClr val="tx1"/>
+            </a:fontRef>
+          </p:style>
+        </p:cxnSp>
+        <p:cxnSp>
+          <p:nvCxnSpPr>
+            <p:cNvPr id="15" name="직선 화살표 연결선 14"/>
+            <p:cNvCxnSpPr>
+              <a:stCxn id="3" idx="1"/>
+              <a:endCxn id="7" idx="3"/>
+            </p:cNvCxnSpPr>
+            <p:nvPr/>
+          </p:nvCxnSpPr>
+          <p:spPr>
+            <a:xfrm flipH="1">
+              <a:off x="3102122" y="3396569"/>
+              <a:ext cx="2105113" cy="12817"/>
+            </a:xfrm>
+            <a:prstGeom prst="straightConnector1">
+              <a:avLst/>
+            </a:prstGeom>
+            <a:ln w="38100">
+              <a:solidFill>
+                <a:schemeClr val="tx1"/>
+              </a:solidFill>
+              <a:tailEnd type="triangle"/>
+            </a:ln>
+          </p:spPr>
+          <p:style>
+            <a:lnRef idx="1">
+              <a:schemeClr val="accent1"/>
+            </a:lnRef>
+            <a:fillRef idx="0">
+              <a:schemeClr val="accent1"/>
+            </a:fillRef>
+            <a:effectRef idx="0">
+              <a:schemeClr val="accent1"/>
+            </a:effectRef>
+            <a:fontRef idx="minor">
+              <a:schemeClr val="tx1"/>
+            </a:fontRef>
+          </p:style>
+        </p:cxnSp>
+        <p:cxnSp>
+          <p:nvCxnSpPr>
+            <p:cNvPr id="22" name="직선 화살표 연결선 21"/>
+            <p:cNvCxnSpPr>
+              <a:stCxn id="3" idx="1"/>
+              <a:endCxn id="8" idx="3"/>
+            </p:cNvCxnSpPr>
+            <p:nvPr/>
+          </p:nvCxnSpPr>
+          <p:spPr>
+            <a:xfrm flipH="1">
+              <a:off x="3102122" y="3396569"/>
+              <a:ext cx="2105113" cy="1106679"/>
+            </a:xfrm>
+            <a:prstGeom prst="straightConnector1">
+              <a:avLst/>
+            </a:prstGeom>
+            <a:ln w="38100">
+              <a:solidFill>
+                <a:schemeClr val="tx1"/>
+              </a:solidFill>
+              <a:tailEnd type="triangle"/>
+            </a:ln>
+          </p:spPr>
+          <p:style>
+            <a:lnRef idx="1">
+              <a:schemeClr val="accent1"/>
+            </a:lnRef>
+            <a:fillRef idx="0">
+              <a:schemeClr val="accent1"/>
+            </a:fillRef>
+            <a:effectRef idx="0">
+              <a:schemeClr val="accent1"/>
+            </a:effectRef>
+            <a:fontRef idx="minor">
+              <a:schemeClr val="tx1"/>
+            </a:fontRef>
+          </p:style>
+        </p:cxnSp>
+        <p:cxnSp>
+          <p:nvCxnSpPr>
+            <p:cNvPr id="25" name="직선 화살표 연결선 24"/>
+            <p:cNvCxnSpPr>
+              <a:stCxn id="3" idx="3"/>
+              <a:endCxn id="9" idx="1"/>
+            </p:cNvCxnSpPr>
+            <p:nvPr/>
+          </p:nvCxnSpPr>
+          <p:spPr>
+            <a:xfrm flipV="1">
+              <a:off x="6984760" y="2315524"/>
+              <a:ext cx="2105116" cy="1081045"/>
+            </a:xfrm>
+            <a:prstGeom prst="straightConnector1">
+              <a:avLst/>
+            </a:prstGeom>
+            <a:ln w="38100">
+              <a:solidFill>
+                <a:schemeClr val="tx1"/>
+              </a:solidFill>
+              <a:tailEnd type="triangle"/>
+            </a:ln>
+          </p:spPr>
+          <p:style>
+            <a:lnRef idx="1">
+              <a:schemeClr val="accent1"/>
+            </a:lnRef>
+            <a:fillRef idx="0">
+              <a:schemeClr val="accent1"/>
+            </a:fillRef>
+            <a:effectRef idx="0">
+              <a:schemeClr val="accent1"/>
+            </a:effectRef>
+            <a:fontRef idx="minor">
+              <a:schemeClr val="tx1"/>
+            </a:fontRef>
+          </p:style>
+        </p:cxnSp>
+        <p:cxnSp>
+          <p:nvCxnSpPr>
+            <p:cNvPr id="28" name="직선 화살표 연결선 27"/>
+            <p:cNvCxnSpPr>
+              <a:stCxn id="3" idx="3"/>
+              <a:endCxn id="10" idx="1"/>
+            </p:cNvCxnSpPr>
+            <p:nvPr/>
+          </p:nvCxnSpPr>
+          <p:spPr>
+            <a:xfrm>
+              <a:off x="6984760" y="3396569"/>
+              <a:ext cx="1954138" cy="12817"/>
+            </a:xfrm>
+            <a:prstGeom prst="straightConnector1">
+              <a:avLst/>
+            </a:prstGeom>
+            <a:ln w="38100">
+              <a:solidFill>
+                <a:schemeClr val="tx1"/>
+              </a:solidFill>
+              <a:tailEnd type="triangle"/>
+            </a:ln>
+          </p:spPr>
+          <p:style>
+            <a:lnRef idx="1">
+              <a:schemeClr val="accent1"/>
+            </a:lnRef>
+            <a:fillRef idx="0">
+              <a:schemeClr val="accent1"/>
+            </a:fillRef>
+            <a:effectRef idx="0">
+              <a:schemeClr val="accent1"/>
+            </a:effectRef>
+            <a:fontRef idx="minor">
+              <a:schemeClr val="tx1"/>
+            </a:fontRef>
+          </p:style>
+        </p:cxnSp>
+        <p:cxnSp>
+          <p:nvCxnSpPr>
+            <p:cNvPr id="32" name="직선 화살표 연결선 31"/>
+            <p:cNvCxnSpPr>
+              <a:stCxn id="3" idx="3"/>
+              <a:endCxn id="11" idx="1"/>
+            </p:cNvCxnSpPr>
+            <p:nvPr/>
+          </p:nvCxnSpPr>
+          <p:spPr>
+            <a:xfrm>
+              <a:off x="6984760" y="3396569"/>
+              <a:ext cx="2105115" cy="1106679"/>
+            </a:xfrm>
+            <a:prstGeom prst="straightConnector1">
+              <a:avLst/>
+            </a:prstGeom>
+            <a:ln w="38100">
+              <a:solidFill>
+                <a:schemeClr val="tx1"/>
+              </a:solidFill>
+              <a:tailEnd type="triangle"/>
+            </a:ln>
+          </p:spPr>
+          <p:style>
+            <a:lnRef idx="1">
+              <a:schemeClr val="accent1"/>
+            </a:lnRef>
+            <a:fillRef idx="0">
+              <a:schemeClr val="accent1"/>
+            </a:fillRef>
+            <a:effectRef idx="0">
+              <a:schemeClr val="accent1"/>
+            </a:effectRef>
+            <a:fontRef idx="minor">
+              <a:schemeClr val="tx1"/>
+            </a:fontRef>
+          </p:style>
+        </p:cxnSp>
+      </p:grpSp>
+    </p:spTree>
+    <p:extLst>
+      <p:ext uri="{BB962C8B-B14F-4D97-AF65-F5344CB8AC3E}">
+        <p14:creationId xmlns:p14="http://schemas.microsoft.com/office/powerpoint/2010/main" val="1507263655"/>
       </p:ext>
     </p:extLst>
   </p:cSld>
